--- a/문서/생각정리.pptx
+++ b/문서/생각정리.pptx
@@ -109,6 +109,11 @@
       </a:defRPr>
     </a:lvl9pPr>
   </p:defaultTextStyle>
+  <p:extLst>
+    <p:ext uri="{EFAFB233-063F-42B5-8137-9DF3F51BA10A}">
+      <p15:sldGuideLst xmlns:p15="http://schemas.microsoft.com/office/powerpoint/2012/main"/>
+    </p:ext>
+  </p:extLst>
 </p:presentation>
 </file>
 
@@ -194,7 +199,7 @@
           <a:p>
             <a:fld id="{744E812C-DC74-4926-B257-E8B8B1303800}" type="datetimeFigureOut">
               <a:rPr lang="ko-KR" altLang="en-US" smtClean="0"/>
-              <a:t>2019-01-08</a:t>
+              <a:t>2019-01-21</a:t>
             </a:fld>
             <a:endParaRPr lang="ko-KR" altLang="en-US"/>
           </a:p>
@@ -1474,464 +1479,7 @@
           <a:bodyPr/>
           <a:lstStyle/>
           <a:p>
-            <a:r>
-              <a:rPr lang="en-US" altLang="ko-KR"/>
-              <a:t>Object</a:t>
-            </a:r>
-            <a:r>
-              <a:rPr lang="ko-KR" altLang="en-US"/>
-              <a:t>에는 </a:t>
-            </a:r>
-            <a:r>
-              <a:rPr lang="en-US" altLang="ko-KR"/>
-              <a:t>GPU</a:t>
-            </a:r>
-            <a:r>
-              <a:rPr lang="ko-KR" altLang="en-US"/>
-              <a:t>에 접근할 수 있어야 하므로 </a:t>
-            </a:r>
-            <a:r>
-              <a:rPr lang="en-US" altLang="ko-KR" sz="1200" kern="1200">
-                <a:solidFill>
-                  <a:schemeClr val="tx1"/>
-                </a:solidFill>
-                <a:latin typeface="+mn-lt"/>
-                <a:ea typeface="+mn-ea"/>
-                <a:cs typeface="+mn-cs"/>
-              </a:rPr>
-              <a:t>m_d3dCbvGPUDescriptorStartHandle</a:t>
-            </a:r>
-            <a:r>
-              <a:rPr lang="ko-KR" altLang="en-US" sz="1200" kern="1200">
-                <a:solidFill>
-                  <a:schemeClr val="tx1"/>
-                </a:solidFill>
-                <a:latin typeface="+mn-lt"/>
-                <a:ea typeface="+mn-ea"/>
-                <a:cs typeface="+mn-cs"/>
-              </a:rPr>
-              <a:t>를 </a:t>
-            </a:r>
-            <a:r>
-              <a:rPr lang="en-US" altLang="ko-KR" sz="1200" kern="1200">
-                <a:solidFill>
-                  <a:schemeClr val="tx1"/>
-                </a:solidFill>
-                <a:latin typeface="+mn-lt"/>
-                <a:ea typeface="+mn-ea"/>
-                <a:cs typeface="+mn-cs"/>
-              </a:rPr>
-              <a:t>Set()</a:t>
-            </a:r>
-            <a:r>
-              <a:rPr lang="ko-KR" altLang="en-US" sz="1200" kern="1200">
-                <a:solidFill>
-                  <a:schemeClr val="tx1"/>
-                </a:solidFill>
-                <a:latin typeface="+mn-lt"/>
-                <a:ea typeface="+mn-ea"/>
-                <a:cs typeface="+mn-cs"/>
-              </a:rPr>
-              <a:t> 해서 가지고 있는다</a:t>
-            </a:r>
-            <a:r>
-              <a:rPr lang="en-US" altLang="ko-KR" sz="1200" kern="1200">
-                <a:solidFill>
-                  <a:schemeClr val="tx1"/>
-                </a:solidFill>
-                <a:latin typeface="+mn-lt"/>
-                <a:ea typeface="+mn-ea"/>
-                <a:cs typeface="+mn-cs"/>
-              </a:rPr>
-              <a:t>.</a:t>
-            </a:r>
-          </a:p>
-          <a:p>
-            <a:endParaRPr lang="en-US" altLang="ko-KR" sz="1200" kern="1200">
-              <a:solidFill>
-                <a:schemeClr val="tx1"/>
-              </a:solidFill>
-              <a:latin typeface="+mn-lt"/>
-              <a:ea typeface="+mn-ea"/>
-              <a:cs typeface="+mn-cs"/>
-            </a:endParaRPr>
-          </a:p>
-          <a:p>
-            <a:r>
-              <a:rPr lang="en-US" altLang="ko-KR" sz="1200" kern="1200">
-                <a:solidFill>
-                  <a:schemeClr val="tx1"/>
-                </a:solidFill>
-                <a:latin typeface="+mn-lt"/>
-                <a:ea typeface="+mn-ea"/>
-                <a:cs typeface="+mn-cs"/>
-              </a:rPr>
-              <a:t>m_d3dCbvGPUDescriptorStartHandle(GPU)</a:t>
-            </a:r>
-            <a:r>
-              <a:rPr lang="ko-KR" altLang="en-US" sz="1200" kern="1200">
-                <a:solidFill>
-                  <a:schemeClr val="tx1"/>
-                </a:solidFill>
-                <a:latin typeface="+mn-lt"/>
-                <a:ea typeface="+mn-ea"/>
-                <a:cs typeface="+mn-cs"/>
-              </a:rPr>
-              <a:t>에 대응되는 부분은 </a:t>
-            </a:r>
-            <a:endParaRPr lang="en-US" altLang="ko-KR" sz="1200" kern="1200">
-              <a:solidFill>
-                <a:schemeClr val="tx1"/>
-              </a:solidFill>
-              <a:latin typeface="+mn-lt"/>
-              <a:ea typeface="+mn-ea"/>
-              <a:cs typeface="+mn-cs"/>
-            </a:endParaRPr>
-          </a:p>
-          <a:p>
-            <a:r>
-              <a:rPr lang="en-US" altLang="ko-KR" sz="1200" kern="1200">
-                <a:solidFill>
-                  <a:schemeClr val="tx1"/>
-                </a:solidFill>
-                <a:latin typeface="+mn-lt"/>
-                <a:ea typeface="+mn-ea"/>
-                <a:cs typeface="+mn-cs"/>
-              </a:rPr>
-              <a:t>m_d3dCbvCPUDescriptorStartHandle(CPU)</a:t>
-            </a:r>
-            <a:r>
-              <a:rPr lang="ko-KR" altLang="en-US" sz="1200" kern="1200">
-                <a:solidFill>
-                  <a:schemeClr val="tx1"/>
-                </a:solidFill>
-                <a:latin typeface="+mn-lt"/>
-                <a:ea typeface="+mn-ea"/>
-                <a:cs typeface="+mn-cs"/>
-              </a:rPr>
-              <a:t>이다</a:t>
-            </a:r>
-            <a:r>
-              <a:rPr lang="en-US" altLang="ko-KR" sz="1200" kern="1200">
-                <a:solidFill>
-                  <a:schemeClr val="tx1"/>
-                </a:solidFill>
-                <a:latin typeface="+mn-lt"/>
-                <a:ea typeface="+mn-ea"/>
-                <a:cs typeface="+mn-cs"/>
-              </a:rPr>
-              <a:t>.</a:t>
-            </a:r>
-          </a:p>
-          <a:p>
-            <a:endParaRPr lang="en-US" altLang="ko-KR" sz="1200" kern="1200">
-              <a:solidFill>
-                <a:schemeClr val="tx1"/>
-              </a:solidFill>
-              <a:latin typeface="+mn-lt"/>
-              <a:ea typeface="+mn-ea"/>
-              <a:cs typeface="+mn-cs"/>
-            </a:endParaRPr>
-          </a:p>
-          <a:p>
-            <a:r>
-              <a:rPr lang="en-US" altLang="ko-KR" sz="1200" kern="1200">
-                <a:solidFill>
-                  <a:schemeClr val="tx1"/>
-                </a:solidFill>
-                <a:latin typeface="+mn-lt"/>
-                <a:ea typeface="+mn-ea"/>
-                <a:cs typeface="+mn-cs"/>
-              </a:rPr>
-              <a:t>m_d3dCbvCPUDescriptorStartHandle(CPU)</a:t>
-            </a:r>
-            <a:r>
-              <a:rPr lang="ko-KR" altLang="en-US" sz="1200" kern="1200">
-                <a:solidFill>
-                  <a:schemeClr val="tx1"/>
-                </a:solidFill>
-                <a:latin typeface="+mn-lt"/>
-                <a:ea typeface="+mn-ea"/>
-                <a:cs typeface="+mn-cs"/>
-              </a:rPr>
-              <a:t>는 </a:t>
-            </a:r>
-            <a:r>
-              <a:rPr lang="en-US" altLang="ko-KR" sz="1200" kern="1200">
-                <a:solidFill>
-                  <a:schemeClr val="tx1"/>
-                </a:solidFill>
-                <a:latin typeface="+mn-lt"/>
-                <a:ea typeface="+mn-ea"/>
-                <a:cs typeface="+mn-cs"/>
-              </a:rPr>
-              <a:t>Object</a:t>
-            </a:r>
-            <a:r>
-              <a:rPr lang="ko-KR" altLang="en-US" sz="1200" kern="1200">
-                <a:solidFill>
-                  <a:schemeClr val="tx1"/>
-                </a:solidFill>
-                <a:latin typeface="+mn-lt"/>
-                <a:ea typeface="+mn-ea"/>
-                <a:cs typeface="+mn-cs"/>
-              </a:rPr>
-              <a:t>마다 상수버퍼 서술자를 생성해준다고 한 부분에서</a:t>
-            </a:r>
-            <a:endParaRPr lang="en-US" altLang="ko-KR" sz="1200" kern="1200">
-              <a:solidFill>
-                <a:schemeClr val="tx1"/>
-              </a:solidFill>
-              <a:latin typeface="+mn-lt"/>
-              <a:ea typeface="+mn-ea"/>
-              <a:cs typeface="+mn-cs"/>
-            </a:endParaRPr>
-          </a:p>
-          <a:p>
-            <a:r>
-              <a:rPr lang="en-US" altLang="ko-KR" sz="1200" kern="1200">
-                <a:solidFill>
-                  <a:schemeClr val="tx1"/>
-                </a:solidFill>
-                <a:latin typeface="+mn-lt"/>
-                <a:ea typeface="+mn-ea"/>
-                <a:cs typeface="+mn-cs"/>
-              </a:rPr>
-              <a:t>pd3dDevice-&gt;CreateConstantBufferView(&amp;d3dCBVDesc, d3dCbvCPUDescriptorHandle); </a:t>
-            </a:r>
-            <a:r>
-              <a:rPr lang="ko-KR" altLang="en-US" sz="1200" kern="1200">
-                <a:solidFill>
-                  <a:schemeClr val="tx1"/>
-                </a:solidFill>
-                <a:latin typeface="+mn-lt"/>
-                <a:ea typeface="+mn-ea"/>
-                <a:cs typeface="+mn-cs"/>
-              </a:rPr>
-              <a:t>를 하면서 사용한다</a:t>
-            </a:r>
-            <a:r>
-              <a:rPr lang="en-US" altLang="ko-KR" sz="1200" kern="1200">
-                <a:solidFill>
-                  <a:schemeClr val="tx1"/>
-                </a:solidFill>
-                <a:latin typeface="+mn-lt"/>
-                <a:ea typeface="+mn-ea"/>
-                <a:cs typeface="+mn-cs"/>
-              </a:rPr>
-              <a:t>.</a:t>
-            </a:r>
-          </a:p>
-          <a:p>
-            <a:endParaRPr lang="en-US" altLang="ko-KR" sz="1200" kern="1200">
-              <a:solidFill>
-                <a:schemeClr val="tx1"/>
-              </a:solidFill>
-              <a:latin typeface="+mn-lt"/>
-              <a:ea typeface="+mn-ea"/>
-              <a:cs typeface="+mn-cs"/>
-            </a:endParaRPr>
-          </a:p>
-          <a:p>
-            <a:r>
-              <a:rPr lang="en-US" altLang="ko-KR" sz="1200" kern="1200">
-                <a:solidFill>
-                  <a:schemeClr val="tx1"/>
-                </a:solidFill>
-                <a:latin typeface="+mn-lt"/>
-                <a:ea typeface="+mn-ea"/>
-                <a:cs typeface="+mn-cs"/>
-              </a:rPr>
-              <a:t>Object</a:t>
-            </a:r>
-            <a:r>
-              <a:rPr lang="ko-KR" altLang="en-US" sz="1200" kern="1200">
-                <a:solidFill>
-                  <a:schemeClr val="tx1"/>
-                </a:solidFill>
-                <a:latin typeface="+mn-lt"/>
-                <a:ea typeface="+mn-ea"/>
-                <a:cs typeface="+mn-cs"/>
-              </a:rPr>
-              <a:t>에 들어간 </a:t>
-            </a:r>
-            <a:r>
-              <a:rPr lang="en-US" altLang="ko-KR" sz="1200" kern="1200">
-                <a:solidFill>
-                  <a:schemeClr val="tx1"/>
-                </a:solidFill>
-                <a:latin typeface="+mn-lt"/>
-                <a:ea typeface="+mn-ea"/>
-                <a:cs typeface="+mn-cs"/>
-              </a:rPr>
-              <a:t>m_d3dCbvGPUDescriptorStartHandle(GPU)</a:t>
-            </a:r>
-            <a:r>
-              <a:rPr lang="ko-KR" altLang="en-US" sz="1200" kern="1200">
-                <a:solidFill>
-                  <a:schemeClr val="tx1"/>
-                </a:solidFill>
-                <a:latin typeface="+mn-lt"/>
-                <a:ea typeface="+mn-ea"/>
-                <a:cs typeface="+mn-cs"/>
-              </a:rPr>
-              <a:t>는 이후에 </a:t>
-            </a:r>
-            <a:r>
-              <a:rPr lang="en-US" altLang="ko-KR" sz="1200" kern="1200">
-                <a:solidFill>
-                  <a:schemeClr val="tx1"/>
-                </a:solidFill>
-                <a:latin typeface="+mn-lt"/>
-                <a:ea typeface="+mn-ea"/>
-                <a:cs typeface="+mn-cs"/>
-              </a:rPr>
-              <a:t>Render()</a:t>
-            </a:r>
-            <a:r>
-              <a:rPr lang="ko-KR" altLang="en-US" sz="1200" kern="1200">
-                <a:solidFill>
-                  <a:schemeClr val="tx1"/>
-                </a:solidFill>
-                <a:latin typeface="+mn-lt"/>
-                <a:ea typeface="+mn-ea"/>
-                <a:cs typeface="+mn-cs"/>
-              </a:rPr>
-              <a:t>에서 각 </a:t>
-            </a:r>
-            <a:r>
-              <a:rPr lang="en-US" altLang="ko-KR" sz="1200" kern="1200">
-                <a:solidFill>
-                  <a:schemeClr val="tx1"/>
-                </a:solidFill>
-                <a:latin typeface="+mn-lt"/>
-                <a:ea typeface="+mn-ea"/>
-                <a:cs typeface="+mn-cs"/>
-              </a:rPr>
-              <a:t>Object </a:t>
-            </a:r>
-            <a:r>
-              <a:rPr lang="ko-KR" altLang="en-US" sz="1200" kern="1200">
-                <a:solidFill>
-                  <a:schemeClr val="tx1"/>
-                </a:solidFill>
-                <a:latin typeface="+mn-lt"/>
-                <a:ea typeface="+mn-ea"/>
-                <a:cs typeface="+mn-cs"/>
-              </a:rPr>
-              <a:t>별로</a:t>
-            </a:r>
-            <a:endParaRPr lang="en-US" altLang="ko-KR" sz="1200" kern="1200">
-              <a:solidFill>
-                <a:schemeClr val="tx1"/>
-              </a:solidFill>
-              <a:latin typeface="+mn-lt"/>
-              <a:ea typeface="+mn-ea"/>
-              <a:cs typeface="+mn-cs"/>
-            </a:endParaRPr>
-          </a:p>
-          <a:p>
-            <a:pPr marL="0" marR="0" lvl="0" indent="0" algn="l" defTabSz="914400" rtl="0" eaLnBrk="1" fontAlgn="auto" latinLnBrk="1" hangingPunct="1">
-              <a:lnSpc>
-                <a:spcPct val="100000"/>
-              </a:lnSpc>
-              <a:spcBef>
-                <a:spcPts val="0"/>
-              </a:spcBef>
-              <a:spcAft>
-                <a:spcPts val="0"/>
-              </a:spcAft>
-              <a:buClrTx/>
-              <a:buSzTx/>
-              <a:buFontTx/>
-              <a:buNone/>
-              <a:tabLst/>
-              <a:defRPr/>
-            </a:pPr>
-            <a:r>
-              <a:rPr lang="en-US" altLang="ko-KR" sz="1200" kern="1200">
-                <a:solidFill>
-                  <a:schemeClr val="tx1"/>
-                </a:solidFill>
-                <a:latin typeface="+mn-lt"/>
-                <a:ea typeface="+mn-ea"/>
-                <a:cs typeface="+mn-cs"/>
-              </a:rPr>
-              <a:t>pd3dCommandList-&gt;SetGraphicsRootDescriptorTable(RootParameter::OBJECT, m_d3dCbvGPUDescriptorHandle);</a:t>
-            </a:r>
-          </a:p>
-          <a:p>
-            <a:r>
-              <a:rPr lang="ko-KR" altLang="en-US" sz="1200" kern="1200">
-                <a:solidFill>
-                  <a:schemeClr val="tx1"/>
-                </a:solidFill>
-                <a:latin typeface="+mn-lt"/>
-                <a:ea typeface="+mn-ea"/>
-                <a:cs typeface="+mn-cs"/>
-              </a:rPr>
-              <a:t>를 할 때 쓰인다</a:t>
-            </a:r>
-            <a:r>
-              <a:rPr lang="en-US" altLang="ko-KR" sz="1200" kern="1200">
-                <a:solidFill>
-                  <a:schemeClr val="tx1"/>
-                </a:solidFill>
-                <a:latin typeface="+mn-lt"/>
-                <a:ea typeface="+mn-ea"/>
-                <a:cs typeface="+mn-cs"/>
-              </a:rPr>
-              <a:t>.</a:t>
-            </a:r>
-          </a:p>
-          <a:p>
-            <a:r>
-              <a:rPr lang="ko-KR" altLang="en-US" sz="1200" kern="1200">
-                <a:solidFill>
-                  <a:schemeClr val="tx1"/>
-                </a:solidFill>
-                <a:latin typeface="+mn-lt"/>
-                <a:ea typeface="+mn-ea"/>
-                <a:cs typeface="+mn-cs"/>
-              </a:rPr>
-              <a:t>어떤 식으로 작동하는건지 잘 모르겠다</a:t>
-            </a:r>
-            <a:r>
-              <a:rPr lang="en-US" altLang="ko-KR" sz="1200" kern="1200">
-                <a:solidFill>
-                  <a:schemeClr val="tx1"/>
-                </a:solidFill>
-                <a:latin typeface="+mn-lt"/>
-                <a:ea typeface="+mn-ea"/>
-                <a:cs typeface="+mn-cs"/>
-              </a:rPr>
-              <a:t>. </a:t>
-            </a:r>
-            <a:r>
-              <a:rPr lang="ko-KR" altLang="en-US" sz="1200" kern="1200">
-                <a:solidFill>
-                  <a:schemeClr val="tx1"/>
-                </a:solidFill>
-                <a:latin typeface="+mn-lt"/>
-                <a:ea typeface="+mn-ea"/>
-                <a:cs typeface="+mn-cs"/>
-              </a:rPr>
-              <a:t>이것도 좀 더 알아보고 모르겠으면 물어봐야 할 듯</a:t>
-            </a:r>
-            <a:r>
-              <a:rPr lang="en-US" altLang="ko-KR" sz="1200" kern="1200">
-                <a:solidFill>
-                  <a:schemeClr val="tx1"/>
-                </a:solidFill>
-                <a:latin typeface="+mn-lt"/>
-                <a:ea typeface="+mn-ea"/>
-                <a:cs typeface="+mn-cs"/>
-              </a:rPr>
-              <a:t>.</a:t>
-            </a:r>
-          </a:p>
-          <a:p>
-            <a:endParaRPr lang="ko-KR" altLang="en-US"/>
+            <a:endParaRPr lang="en-US" altLang="ko-KR"/>
           </a:p>
         </p:txBody>
       </p:sp>
@@ -1961,7 +1509,7 @@
     </p:spTree>
     <p:extLst>
       <p:ext uri="{BB962C8B-B14F-4D97-AF65-F5344CB8AC3E}">
-        <p14:creationId xmlns:p14="http://schemas.microsoft.com/office/powerpoint/2010/main" val="712580181"/>
+        <p14:creationId xmlns:p14="http://schemas.microsoft.com/office/powerpoint/2010/main" val="708059878"/>
       </p:ext>
     </p:extLst>
   </p:cSld>
@@ -2015,24 +1563,7 @@
           <a:bodyPr/>
           <a:lstStyle/>
           <a:p>
-            <a:r>
-              <a:rPr lang="en-US" altLang="ko-KR"/>
-              <a:t>Scene</a:t>
-            </a:r>
-            <a:r>
-              <a:rPr lang="ko-KR" altLang="en-US"/>
-              <a:t>의 내용</a:t>
-            </a:r>
-            <a:r>
-              <a:rPr lang="en-US" altLang="ko-KR"/>
-              <a:t>?</a:t>
-            </a:r>
-          </a:p>
-          <a:p>
             <a:endParaRPr lang="en-US" altLang="ko-KR"/>
-          </a:p>
-          <a:p>
-            <a:endParaRPr lang="ko-KR" altLang="en-US"/>
           </a:p>
         </p:txBody>
       </p:sp>
@@ -2062,7 +1593,7 @@
     </p:spTree>
     <p:extLst>
       <p:ext uri="{BB962C8B-B14F-4D97-AF65-F5344CB8AC3E}">
-        <p14:creationId xmlns:p14="http://schemas.microsoft.com/office/powerpoint/2010/main" val="3800050512"/>
+        <p14:creationId xmlns:p14="http://schemas.microsoft.com/office/powerpoint/2010/main" val="3901144039"/>
       </p:ext>
     </p:extLst>
   </p:cSld>
@@ -2219,7 +1750,7 @@
           <a:p>
             <a:fld id="{A1A5B55A-690E-4194-A3CE-743ACEAA9247}" type="datetimeFigureOut">
               <a:rPr lang="ko-KR" altLang="en-US" smtClean="0"/>
-              <a:t>2019-01-08</a:t>
+              <a:t>2019-01-21</a:t>
             </a:fld>
             <a:endParaRPr lang="ko-KR" altLang="en-US"/>
           </a:p>
@@ -2417,7 +1948,7 @@
           <a:p>
             <a:fld id="{A1A5B55A-690E-4194-A3CE-743ACEAA9247}" type="datetimeFigureOut">
               <a:rPr lang="ko-KR" altLang="en-US" smtClean="0"/>
-              <a:t>2019-01-08</a:t>
+              <a:t>2019-01-21</a:t>
             </a:fld>
             <a:endParaRPr lang="ko-KR" altLang="en-US"/>
           </a:p>
@@ -2625,7 +2156,7 @@
           <a:p>
             <a:fld id="{A1A5B55A-690E-4194-A3CE-743ACEAA9247}" type="datetimeFigureOut">
               <a:rPr lang="ko-KR" altLang="en-US" smtClean="0"/>
-              <a:t>2019-01-08</a:t>
+              <a:t>2019-01-21</a:t>
             </a:fld>
             <a:endParaRPr lang="ko-KR" altLang="en-US"/>
           </a:p>
@@ -2823,7 +2354,7 @@
           <a:p>
             <a:fld id="{A1A5B55A-690E-4194-A3CE-743ACEAA9247}" type="datetimeFigureOut">
               <a:rPr lang="ko-KR" altLang="en-US" smtClean="0"/>
-              <a:t>2019-01-08</a:t>
+              <a:t>2019-01-21</a:t>
             </a:fld>
             <a:endParaRPr lang="ko-KR" altLang="en-US"/>
           </a:p>
@@ -3098,7 +2629,7 @@
           <a:p>
             <a:fld id="{A1A5B55A-690E-4194-A3CE-743ACEAA9247}" type="datetimeFigureOut">
               <a:rPr lang="ko-KR" altLang="en-US" smtClean="0"/>
-              <a:t>2019-01-08</a:t>
+              <a:t>2019-01-21</a:t>
             </a:fld>
             <a:endParaRPr lang="ko-KR" altLang="en-US"/>
           </a:p>
@@ -3363,7 +2894,7 @@
           <a:p>
             <a:fld id="{A1A5B55A-690E-4194-A3CE-743ACEAA9247}" type="datetimeFigureOut">
               <a:rPr lang="ko-KR" altLang="en-US" smtClean="0"/>
-              <a:t>2019-01-08</a:t>
+              <a:t>2019-01-21</a:t>
             </a:fld>
             <a:endParaRPr lang="ko-KR" altLang="en-US"/>
           </a:p>
@@ -3775,7 +3306,7 @@
           <a:p>
             <a:fld id="{A1A5B55A-690E-4194-A3CE-743ACEAA9247}" type="datetimeFigureOut">
               <a:rPr lang="ko-KR" altLang="en-US" smtClean="0"/>
-              <a:t>2019-01-08</a:t>
+              <a:t>2019-01-21</a:t>
             </a:fld>
             <a:endParaRPr lang="ko-KR" altLang="en-US"/>
           </a:p>
@@ -3916,7 +3447,7 @@
           <a:p>
             <a:fld id="{A1A5B55A-690E-4194-A3CE-743ACEAA9247}" type="datetimeFigureOut">
               <a:rPr lang="ko-KR" altLang="en-US" smtClean="0"/>
-              <a:t>2019-01-08</a:t>
+              <a:t>2019-01-21</a:t>
             </a:fld>
             <a:endParaRPr lang="ko-KR" altLang="en-US"/>
           </a:p>
@@ -4029,7 +3560,7 @@
           <a:p>
             <a:fld id="{A1A5B55A-690E-4194-A3CE-743ACEAA9247}" type="datetimeFigureOut">
               <a:rPr lang="ko-KR" altLang="en-US" smtClean="0"/>
-              <a:t>2019-01-08</a:t>
+              <a:t>2019-01-21</a:t>
             </a:fld>
             <a:endParaRPr lang="ko-KR" altLang="en-US"/>
           </a:p>
@@ -4340,7 +3871,7 @@
           <a:p>
             <a:fld id="{A1A5B55A-690E-4194-A3CE-743ACEAA9247}" type="datetimeFigureOut">
               <a:rPr lang="ko-KR" altLang="en-US" smtClean="0"/>
-              <a:t>2019-01-08</a:t>
+              <a:t>2019-01-21</a:t>
             </a:fld>
             <a:endParaRPr lang="ko-KR" altLang="en-US"/>
           </a:p>
@@ -4628,7 +4159,7 @@
           <a:p>
             <a:fld id="{A1A5B55A-690E-4194-A3CE-743ACEAA9247}" type="datetimeFigureOut">
               <a:rPr lang="ko-KR" altLang="en-US" smtClean="0"/>
-              <a:t>2019-01-08</a:t>
+              <a:t>2019-01-21</a:t>
             </a:fld>
             <a:endParaRPr lang="ko-KR" altLang="en-US"/>
           </a:p>
@@ -4869,7 +4400,7 @@
           <a:p>
             <a:fld id="{A1A5B55A-690E-4194-A3CE-743ACEAA9247}" type="datetimeFigureOut">
               <a:rPr lang="ko-KR" altLang="en-US" smtClean="0"/>
-              <a:t>2019-01-08</a:t>
+              <a:t>2019-01-21</a:t>
             </a:fld>
             <a:endParaRPr lang="ko-KR" altLang="en-US"/>
           </a:p>
@@ -6957,10 +6488,10 @@
       </p:grpSpPr>
       <p:sp>
         <p:nvSpPr>
-          <p:cNvPr id="2" name="직사각형 1">
-            <a:extLst>
-              <a:ext uri="{FF2B5EF4-FFF2-40B4-BE49-F238E27FC236}">
-                <a16:creationId xmlns:a16="http://schemas.microsoft.com/office/drawing/2014/main" id="{ADC6B586-1A87-4881-A3B1-94F6B504D866}"/>
+          <p:cNvPr id="8" name="직사각형 7">
+            <a:extLst>
+              <a:ext uri="{FF2B5EF4-FFF2-40B4-BE49-F238E27FC236}">
+                <a16:creationId xmlns:a16="http://schemas.microsoft.com/office/drawing/2014/main" id="{FAA25D90-BD67-49C9-84DA-96925BEB157F}"/>
               </a:ext>
             </a:extLst>
           </p:cNvPr>
@@ -6969,8 +6500,84 @@
         </p:nvSpPr>
         <p:spPr>
           <a:xfrm>
-            <a:off x="5273879" y="3106024"/>
-            <a:ext cx="1644241" cy="645952"/>
+            <a:off x="634617" y="1251284"/>
+            <a:ext cx="5461384" cy="5188017"/>
+          </a:xfrm>
+          <a:prstGeom prst="rect">
+            <a:avLst/>
+          </a:prstGeom>
+          <a:solidFill>
+            <a:schemeClr val="accent2">
+              <a:lumMod val="20000"/>
+              <a:lumOff val="80000"/>
+            </a:schemeClr>
+          </a:solidFill>
+          <a:ln>
+            <a:noFill/>
+          </a:ln>
+        </p:spPr>
+        <p:style>
+          <a:lnRef idx="2">
+            <a:schemeClr val="accent1">
+              <a:shade val="50000"/>
+            </a:schemeClr>
+          </a:lnRef>
+          <a:fillRef idx="1">
+            <a:schemeClr val="accent1"/>
+          </a:fillRef>
+          <a:effectRef idx="0">
+            <a:schemeClr val="accent1"/>
+          </a:effectRef>
+          <a:fontRef idx="minor">
+            <a:schemeClr val="lt1"/>
+          </a:fontRef>
+        </p:style>
+        <p:txBody>
+          <a:bodyPr rtlCol="0" anchor="t"/>
+          <a:lstStyle/>
+          <a:p>
+            <a:r>
+              <a:rPr lang="en-US" altLang="ko-KR" sz="1400">
+                <a:solidFill>
+                  <a:schemeClr val="accent2">
+                    <a:lumMod val="75000"/>
+                  </a:schemeClr>
+                </a:solidFill>
+                <a:latin typeface="THE정고딕110" panose="02020603020101020101" pitchFamily="18" charset="-127"/>
+                <a:ea typeface="THE정고딕110" panose="02020603020101020101" pitchFamily="18" charset="-127"/>
+              </a:rPr>
+              <a:t>Server</a:t>
+            </a:r>
+          </a:p>
+          <a:p>
+            <a:endParaRPr lang="en-US" altLang="ko-KR" sz="1400">
+              <a:solidFill>
+                <a:schemeClr val="accent2">
+                  <a:lumMod val="75000"/>
+                </a:schemeClr>
+              </a:solidFill>
+              <a:latin typeface="THE정고딕110" panose="02020603020101020101" pitchFamily="18" charset="-127"/>
+              <a:ea typeface="THE정고딕110" panose="02020603020101020101" pitchFamily="18" charset="-127"/>
+            </a:endParaRPr>
+          </a:p>
+        </p:txBody>
+      </p:sp>
+      <p:sp>
+        <p:nvSpPr>
+          <p:cNvPr id="11" name="직사각형 10">
+            <a:extLst>
+              <a:ext uri="{FF2B5EF4-FFF2-40B4-BE49-F238E27FC236}">
+                <a16:creationId xmlns:a16="http://schemas.microsoft.com/office/drawing/2014/main" id="{681BDCB5-2890-4B80-8156-3B0F3D4322EC}"/>
+              </a:ext>
+            </a:extLst>
+          </p:cNvPr>
+          <p:cNvSpPr/>
+          <p:nvPr/>
+        </p:nvSpPr>
+        <p:spPr>
+          <a:xfrm>
+            <a:off x="800432" y="1722921"/>
+            <a:ext cx="3899998" cy="3093777"/>
           </a:xfrm>
           <a:prstGeom prst="rect">
             <a:avLst/>
@@ -7002,7 +6609,7 @@
           </a:fontRef>
         </p:style>
         <p:txBody>
-          <a:bodyPr rtlCol="0" anchor="ctr"/>
+          <a:bodyPr rtlCol="0" anchor="t"/>
           <a:lstStyle/>
           <a:p>
             <a:pPr algn="ctr"/>
@@ -7016,7 +6623,987 @@
                 <a:latin typeface="THE정고딕110" panose="02020603020101020101" pitchFamily="18" charset="-127"/>
                 <a:ea typeface="THE정고딕110" panose="02020603020101020101" pitchFamily="18" charset="-127"/>
               </a:rPr>
-              <a:t>Object</a:t>
+              <a:t>Room</a:t>
+            </a:r>
+          </a:p>
+        </p:txBody>
+      </p:sp>
+      <p:sp>
+        <p:nvSpPr>
+          <p:cNvPr id="30" name="직사각형 29">
+            <a:extLst>
+              <a:ext uri="{FF2B5EF4-FFF2-40B4-BE49-F238E27FC236}">
+                <a16:creationId xmlns:a16="http://schemas.microsoft.com/office/drawing/2014/main" id="{A9A9AA95-578D-441A-BEC2-8D7E95A7BA8D}"/>
+              </a:ext>
+            </a:extLst>
+          </p:cNvPr>
+          <p:cNvSpPr/>
+          <p:nvPr/>
+        </p:nvSpPr>
+        <p:spPr>
+          <a:xfrm>
+            <a:off x="3760780" y="3501643"/>
+            <a:ext cx="805876" cy="1108881"/>
+          </a:xfrm>
+          <a:prstGeom prst="rect">
+            <a:avLst/>
+          </a:prstGeom>
+          <a:solidFill>
+            <a:schemeClr val="accent2">
+              <a:lumMod val="60000"/>
+              <a:lumOff val="40000"/>
+            </a:schemeClr>
+          </a:solidFill>
+          <a:ln>
+            <a:noFill/>
+          </a:ln>
+        </p:spPr>
+        <p:style>
+          <a:lnRef idx="2">
+            <a:schemeClr val="accent1">
+              <a:shade val="50000"/>
+            </a:schemeClr>
+          </a:lnRef>
+          <a:fillRef idx="1">
+            <a:schemeClr val="accent1"/>
+          </a:fillRef>
+          <a:effectRef idx="0">
+            <a:schemeClr val="accent1"/>
+          </a:effectRef>
+          <a:fontRef idx="minor">
+            <a:schemeClr val="lt1"/>
+          </a:fontRef>
+        </p:style>
+        <p:txBody>
+          <a:bodyPr rtlCol="0" anchor="ctr"/>
+          <a:lstStyle/>
+          <a:p>
+            <a:pPr algn="ctr"/>
+            <a:r>
+              <a:rPr lang="en-US" altLang="ko-KR" sz="1400">
+                <a:solidFill>
+                  <a:schemeClr val="accent2">
+                    <a:lumMod val="50000"/>
+                  </a:schemeClr>
+                </a:solidFill>
+                <a:latin typeface="THE정고딕110" panose="02020603020101020101" pitchFamily="18" charset="-127"/>
+                <a:ea typeface="THE정고딕110" panose="02020603020101020101" pitchFamily="18" charset="-127"/>
+              </a:rPr>
+              <a:t>Client</a:t>
+            </a:r>
+            <a:br>
+              <a:rPr lang="en-US" altLang="ko-KR" sz="1400">
+                <a:solidFill>
+                  <a:schemeClr val="accent2">
+                    <a:lumMod val="50000"/>
+                  </a:schemeClr>
+                </a:solidFill>
+                <a:latin typeface="THE정고딕110" panose="02020603020101020101" pitchFamily="18" charset="-127"/>
+                <a:ea typeface="THE정고딕110" panose="02020603020101020101" pitchFamily="18" charset="-127"/>
+              </a:rPr>
+            </a:br>
+            <a:r>
+              <a:rPr lang="en-US" altLang="ko-KR" sz="1400">
+                <a:solidFill>
+                  <a:schemeClr val="accent2">
+                    <a:lumMod val="50000"/>
+                  </a:schemeClr>
+                </a:solidFill>
+                <a:latin typeface="THE정고딕110" panose="02020603020101020101" pitchFamily="18" charset="-127"/>
+                <a:ea typeface="THE정고딕110" panose="02020603020101020101" pitchFamily="18" charset="-127"/>
+              </a:rPr>
+              <a:t>Socket</a:t>
+            </a:r>
+          </a:p>
+        </p:txBody>
+      </p:sp>
+      <p:sp>
+        <p:nvSpPr>
+          <p:cNvPr id="33" name="직사각형 32">
+            <a:extLst>
+              <a:ext uri="{FF2B5EF4-FFF2-40B4-BE49-F238E27FC236}">
+                <a16:creationId xmlns:a16="http://schemas.microsoft.com/office/drawing/2014/main" id="{5293A61A-C24C-47E6-A572-67F60B2CA8F7}"/>
+              </a:ext>
+            </a:extLst>
+          </p:cNvPr>
+          <p:cNvSpPr/>
+          <p:nvPr/>
+        </p:nvSpPr>
+        <p:spPr>
+          <a:xfrm>
+            <a:off x="899524" y="3501642"/>
+            <a:ext cx="805876" cy="1108881"/>
+          </a:xfrm>
+          <a:prstGeom prst="rect">
+            <a:avLst/>
+          </a:prstGeom>
+          <a:solidFill>
+            <a:schemeClr val="accent2">
+              <a:lumMod val="60000"/>
+              <a:lumOff val="40000"/>
+            </a:schemeClr>
+          </a:solidFill>
+          <a:ln>
+            <a:noFill/>
+          </a:ln>
+        </p:spPr>
+        <p:style>
+          <a:lnRef idx="2">
+            <a:schemeClr val="accent1">
+              <a:shade val="50000"/>
+            </a:schemeClr>
+          </a:lnRef>
+          <a:fillRef idx="1">
+            <a:schemeClr val="accent1"/>
+          </a:fillRef>
+          <a:effectRef idx="0">
+            <a:schemeClr val="accent1"/>
+          </a:effectRef>
+          <a:fontRef idx="minor">
+            <a:schemeClr val="lt1"/>
+          </a:fontRef>
+        </p:style>
+        <p:txBody>
+          <a:bodyPr rtlCol="0" anchor="ctr"/>
+          <a:lstStyle/>
+          <a:p>
+            <a:pPr algn="ctr"/>
+            <a:r>
+              <a:rPr lang="en-US" altLang="ko-KR" sz="1400">
+                <a:solidFill>
+                  <a:schemeClr val="accent2">
+                    <a:lumMod val="50000"/>
+                  </a:schemeClr>
+                </a:solidFill>
+                <a:latin typeface="THE정고딕110" panose="02020603020101020101" pitchFamily="18" charset="-127"/>
+                <a:ea typeface="THE정고딕110" panose="02020603020101020101" pitchFamily="18" charset="-127"/>
+              </a:rPr>
+              <a:t>Client</a:t>
+            </a:r>
+            <a:br>
+              <a:rPr lang="en-US" altLang="ko-KR" sz="1400">
+                <a:solidFill>
+                  <a:schemeClr val="accent2">
+                    <a:lumMod val="50000"/>
+                  </a:schemeClr>
+                </a:solidFill>
+                <a:latin typeface="THE정고딕110" panose="02020603020101020101" pitchFamily="18" charset="-127"/>
+                <a:ea typeface="THE정고딕110" panose="02020603020101020101" pitchFamily="18" charset="-127"/>
+              </a:rPr>
+            </a:br>
+            <a:r>
+              <a:rPr lang="en-US" altLang="ko-KR" sz="1400">
+                <a:solidFill>
+                  <a:schemeClr val="accent2">
+                    <a:lumMod val="50000"/>
+                  </a:schemeClr>
+                </a:solidFill>
+                <a:latin typeface="THE정고딕110" panose="02020603020101020101" pitchFamily="18" charset="-127"/>
+                <a:ea typeface="THE정고딕110" panose="02020603020101020101" pitchFamily="18" charset="-127"/>
+              </a:rPr>
+              <a:t>Socket</a:t>
+            </a:r>
+          </a:p>
+        </p:txBody>
+      </p:sp>
+      <p:sp>
+        <p:nvSpPr>
+          <p:cNvPr id="34" name="직사각형 33">
+            <a:extLst>
+              <a:ext uri="{FF2B5EF4-FFF2-40B4-BE49-F238E27FC236}">
+                <a16:creationId xmlns:a16="http://schemas.microsoft.com/office/drawing/2014/main" id="{26E472F1-5047-4926-B40E-3391D2CC0428}"/>
+              </a:ext>
+            </a:extLst>
+          </p:cNvPr>
+          <p:cNvSpPr/>
+          <p:nvPr/>
+        </p:nvSpPr>
+        <p:spPr>
+          <a:xfrm>
+            <a:off x="1853276" y="3501641"/>
+            <a:ext cx="805876" cy="1108881"/>
+          </a:xfrm>
+          <a:prstGeom prst="rect">
+            <a:avLst/>
+          </a:prstGeom>
+          <a:solidFill>
+            <a:schemeClr val="accent2">
+              <a:lumMod val="60000"/>
+              <a:lumOff val="40000"/>
+            </a:schemeClr>
+          </a:solidFill>
+          <a:ln>
+            <a:noFill/>
+          </a:ln>
+        </p:spPr>
+        <p:style>
+          <a:lnRef idx="2">
+            <a:schemeClr val="accent1">
+              <a:shade val="50000"/>
+            </a:schemeClr>
+          </a:lnRef>
+          <a:fillRef idx="1">
+            <a:schemeClr val="accent1"/>
+          </a:fillRef>
+          <a:effectRef idx="0">
+            <a:schemeClr val="accent1"/>
+          </a:effectRef>
+          <a:fontRef idx="minor">
+            <a:schemeClr val="lt1"/>
+          </a:fontRef>
+        </p:style>
+        <p:txBody>
+          <a:bodyPr rtlCol="0" anchor="ctr"/>
+          <a:lstStyle/>
+          <a:p>
+            <a:pPr algn="ctr"/>
+            <a:r>
+              <a:rPr lang="en-US" altLang="ko-KR" sz="1400">
+                <a:solidFill>
+                  <a:schemeClr val="accent2">
+                    <a:lumMod val="50000"/>
+                  </a:schemeClr>
+                </a:solidFill>
+                <a:latin typeface="THE정고딕110" panose="02020603020101020101" pitchFamily="18" charset="-127"/>
+                <a:ea typeface="THE정고딕110" panose="02020603020101020101" pitchFamily="18" charset="-127"/>
+              </a:rPr>
+              <a:t>Client</a:t>
+            </a:r>
+            <a:br>
+              <a:rPr lang="en-US" altLang="ko-KR" sz="1400">
+                <a:solidFill>
+                  <a:schemeClr val="accent2">
+                    <a:lumMod val="50000"/>
+                  </a:schemeClr>
+                </a:solidFill>
+                <a:latin typeface="THE정고딕110" panose="02020603020101020101" pitchFamily="18" charset="-127"/>
+                <a:ea typeface="THE정고딕110" panose="02020603020101020101" pitchFamily="18" charset="-127"/>
+              </a:rPr>
+            </a:br>
+            <a:r>
+              <a:rPr lang="en-US" altLang="ko-KR" sz="1400">
+                <a:solidFill>
+                  <a:schemeClr val="accent2">
+                    <a:lumMod val="50000"/>
+                  </a:schemeClr>
+                </a:solidFill>
+                <a:latin typeface="THE정고딕110" panose="02020603020101020101" pitchFamily="18" charset="-127"/>
+                <a:ea typeface="THE정고딕110" panose="02020603020101020101" pitchFamily="18" charset="-127"/>
+              </a:rPr>
+              <a:t>Socket</a:t>
+            </a:r>
+          </a:p>
+        </p:txBody>
+      </p:sp>
+      <p:sp>
+        <p:nvSpPr>
+          <p:cNvPr id="35" name="직사각형 34">
+            <a:extLst>
+              <a:ext uri="{FF2B5EF4-FFF2-40B4-BE49-F238E27FC236}">
+                <a16:creationId xmlns:a16="http://schemas.microsoft.com/office/drawing/2014/main" id="{53AAA3EC-522B-4B41-9914-2EA1D838DD82}"/>
+              </a:ext>
+            </a:extLst>
+          </p:cNvPr>
+          <p:cNvSpPr/>
+          <p:nvPr/>
+        </p:nvSpPr>
+        <p:spPr>
+          <a:xfrm>
+            <a:off x="2807028" y="3501641"/>
+            <a:ext cx="805876" cy="1108881"/>
+          </a:xfrm>
+          <a:prstGeom prst="rect">
+            <a:avLst/>
+          </a:prstGeom>
+          <a:solidFill>
+            <a:schemeClr val="accent2">
+              <a:lumMod val="60000"/>
+              <a:lumOff val="40000"/>
+            </a:schemeClr>
+          </a:solidFill>
+          <a:ln>
+            <a:noFill/>
+          </a:ln>
+        </p:spPr>
+        <p:style>
+          <a:lnRef idx="2">
+            <a:schemeClr val="accent1">
+              <a:shade val="50000"/>
+            </a:schemeClr>
+          </a:lnRef>
+          <a:fillRef idx="1">
+            <a:schemeClr val="accent1"/>
+          </a:fillRef>
+          <a:effectRef idx="0">
+            <a:schemeClr val="accent1"/>
+          </a:effectRef>
+          <a:fontRef idx="minor">
+            <a:schemeClr val="lt1"/>
+          </a:fontRef>
+        </p:style>
+        <p:txBody>
+          <a:bodyPr rtlCol="0" anchor="ctr"/>
+          <a:lstStyle/>
+          <a:p>
+            <a:pPr algn="ctr"/>
+            <a:r>
+              <a:rPr lang="en-US" altLang="ko-KR" sz="1400">
+                <a:solidFill>
+                  <a:schemeClr val="accent2">
+                    <a:lumMod val="50000"/>
+                  </a:schemeClr>
+                </a:solidFill>
+                <a:latin typeface="THE정고딕110" panose="02020603020101020101" pitchFamily="18" charset="-127"/>
+                <a:ea typeface="THE정고딕110" panose="02020603020101020101" pitchFamily="18" charset="-127"/>
+              </a:rPr>
+              <a:t>Client</a:t>
+            </a:r>
+            <a:br>
+              <a:rPr lang="en-US" altLang="ko-KR" sz="1400">
+                <a:solidFill>
+                  <a:schemeClr val="accent2">
+                    <a:lumMod val="50000"/>
+                  </a:schemeClr>
+                </a:solidFill>
+                <a:latin typeface="THE정고딕110" panose="02020603020101020101" pitchFamily="18" charset="-127"/>
+                <a:ea typeface="THE정고딕110" panose="02020603020101020101" pitchFamily="18" charset="-127"/>
+              </a:rPr>
+            </a:br>
+            <a:r>
+              <a:rPr lang="en-US" altLang="ko-KR" sz="1400">
+                <a:solidFill>
+                  <a:schemeClr val="accent2">
+                    <a:lumMod val="50000"/>
+                  </a:schemeClr>
+                </a:solidFill>
+                <a:latin typeface="THE정고딕110" panose="02020603020101020101" pitchFamily="18" charset="-127"/>
+                <a:ea typeface="THE정고딕110" panose="02020603020101020101" pitchFamily="18" charset="-127"/>
+              </a:rPr>
+              <a:t>Socket</a:t>
+            </a:r>
+          </a:p>
+        </p:txBody>
+      </p:sp>
+      <p:sp>
+        <p:nvSpPr>
+          <p:cNvPr id="36" name="직사각형 35">
+            <a:extLst>
+              <a:ext uri="{FF2B5EF4-FFF2-40B4-BE49-F238E27FC236}">
+                <a16:creationId xmlns:a16="http://schemas.microsoft.com/office/drawing/2014/main" id="{B2C004F5-30B8-4A38-B0DC-685432638B3E}"/>
+              </a:ext>
+            </a:extLst>
+          </p:cNvPr>
+          <p:cNvSpPr/>
+          <p:nvPr/>
+        </p:nvSpPr>
+        <p:spPr>
+          <a:xfrm>
+            <a:off x="4115983" y="5180825"/>
+            <a:ext cx="805876" cy="1108881"/>
+          </a:xfrm>
+          <a:prstGeom prst="rect">
+            <a:avLst/>
+          </a:prstGeom>
+          <a:solidFill>
+            <a:schemeClr val="accent2">
+              <a:lumMod val="60000"/>
+              <a:lumOff val="40000"/>
+            </a:schemeClr>
+          </a:solidFill>
+          <a:ln>
+            <a:noFill/>
+          </a:ln>
+        </p:spPr>
+        <p:style>
+          <a:lnRef idx="2">
+            <a:schemeClr val="accent1">
+              <a:shade val="50000"/>
+            </a:schemeClr>
+          </a:lnRef>
+          <a:fillRef idx="1">
+            <a:schemeClr val="accent1"/>
+          </a:fillRef>
+          <a:effectRef idx="0">
+            <a:schemeClr val="accent1"/>
+          </a:effectRef>
+          <a:fontRef idx="minor">
+            <a:schemeClr val="lt1"/>
+          </a:fontRef>
+        </p:style>
+        <p:txBody>
+          <a:bodyPr rtlCol="0" anchor="ctr"/>
+          <a:lstStyle/>
+          <a:p>
+            <a:pPr algn="ctr"/>
+            <a:r>
+              <a:rPr lang="en-US" altLang="ko-KR" sz="1400">
+                <a:solidFill>
+                  <a:schemeClr val="accent2">
+                    <a:lumMod val="50000"/>
+                  </a:schemeClr>
+                </a:solidFill>
+                <a:latin typeface="THE정고딕110" panose="02020603020101020101" pitchFamily="18" charset="-127"/>
+                <a:ea typeface="THE정고딕110" panose="02020603020101020101" pitchFamily="18" charset="-127"/>
+              </a:rPr>
+              <a:t>Listen</a:t>
+            </a:r>
+            <a:br>
+              <a:rPr lang="en-US" altLang="ko-KR" sz="1400">
+                <a:solidFill>
+                  <a:schemeClr val="accent2">
+                    <a:lumMod val="50000"/>
+                  </a:schemeClr>
+                </a:solidFill>
+                <a:latin typeface="THE정고딕110" panose="02020603020101020101" pitchFamily="18" charset="-127"/>
+                <a:ea typeface="THE정고딕110" panose="02020603020101020101" pitchFamily="18" charset="-127"/>
+              </a:rPr>
+            </a:br>
+            <a:r>
+              <a:rPr lang="en-US" altLang="ko-KR" sz="1400">
+                <a:solidFill>
+                  <a:schemeClr val="accent2">
+                    <a:lumMod val="50000"/>
+                  </a:schemeClr>
+                </a:solidFill>
+                <a:latin typeface="THE정고딕110" panose="02020603020101020101" pitchFamily="18" charset="-127"/>
+                <a:ea typeface="THE정고딕110" panose="02020603020101020101" pitchFamily="18" charset="-127"/>
+              </a:rPr>
+              <a:t>Socket</a:t>
+            </a:r>
+          </a:p>
+        </p:txBody>
+      </p:sp>
+      <p:sp>
+        <p:nvSpPr>
+          <p:cNvPr id="37" name="직사각형 36">
+            <a:extLst>
+              <a:ext uri="{FF2B5EF4-FFF2-40B4-BE49-F238E27FC236}">
+                <a16:creationId xmlns:a16="http://schemas.microsoft.com/office/drawing/2014/main" id="{81F71DEE-CA8E-4AC3-9B48-8F54BB31DA91}"/>
+              </a:ext>
+            </a:extLst>
+          </p:cNvPr>
+          <p:cNvSpPr/>
+          <p:nvPr/>
+        </p:nvSpPr>
+        <p:spPr>
+          <a:xfrm>
+            <a:off x="6237344" y="5180824"/>
+            <a:ext cx="805876" cy="1108881"/>
+          </a:xfrm>
+          <a:prstGeom prst="rect">
+            <a:avLst/>
+          </a:prstGeom>
+          <a:solidFill>
+            <a:schemeClr val="accent1">
+              <a:lumMod val="60000"/>
+              <a:lumOff val="40000"/>
+            </a:schemeClr>
+          </a:solidFill>
+          <a:ln>
+            <a:noFill/>
+          </a:ln>
+        </p:spPr>
+        <p:style>
+          <a:lnRef idx="2">
+            <a:schemeClr val="accent1">
+              <a:shade val="50000"/>
+            </a:schemeClr>
+          </a:lnRef>
+          <a:fillRef idx="1">
+            <a:schemeClr val="accent1"/>
+          </a:fillRef>
+          <a:effectRef idx="0">
+            <a:schemeClr val="accent1"/>
+          </a:effectRef>
+          <a:fontRef idx="minor">
+            <a:schemeClr val="lt1"/>
+          </a:fontRef>
+        </p:style>
+        <p:txBody>
+          <a:bodyPr rtlCol="0" anchor="ctr"/>
+          <a:lstStyle/>
+          <a:p>
+            <a:pPr algn="ctr"/>
+            <a:r>
+              <a:rPr lang="en-US" altLang="ko-KR" sz="1400">
+                <a:solidFill>
+                  <a:schemeClr val="accent1">
+                    <a:lumMod val="50000"/>
+                  </a:schemeClr>
+                </a:solidFill>
+                <a:latin typeface="THE정고딕110" panose="02020603020101020101" pitchFamily="18" charset="-127"/>
+                <a:ea typeface="THE정고딕110" panose="02020603020101020101" pitchFamily="18" charset="-127"/>
+              </a:rPr>
+              <a:t>Listen</a:t>
+            </a:r>
+            <a:br>
+              <a:rPr lang="en-US" altLang="ko-KR" sz="1400">
+                <a:solidFill>
+                  <a:schemeClr val="accent1">
+                    <a:lumMod val="50000"/>
+                  </a:schemeClr>
+                </a:solidFill>
+                <a:latin typeface="THE정고딕110" panose="02020603020101020101" pitchFamily="18" charset="-127"/>
+                <a:ea typeface="THE정고딕110" panose="02020603020101020101" pitchFamily="18" charset="-127"/>
+              </a:rPr>
+            </a:br>
+            <a:r>
+              <a:rPr lang="en-US" altLang="ko-KR" sz="1400">
+                <a:solidFill>
+                  <a:schemeClr val="accent1">
+                    <a:lumMod val="50000"/>
+                  </a:schemeClr>
+                </a:solidFill>
+                <a:latin typeface="THE정고딕110" panose="02020603020101020101" pitchFamily="18" charset="-127"/>
+                <a:ea typeface="THE정고딕110" panose="02020603020101020101" pitchFamily="18" charset="-127"/>
+              </a:rPr>
+              <a:t>Socket</a:t>
+            </a:r>
+          </a:p>
+        </p:txBody>
+      </p:sp>
+      <p:cxnSp>
+        <p:nvCxnSpPr>
+          <p:cNvPr id="3" name="직선 연결선 2">
+            <a:extLst>
+              <a:ext uri="{FF2B5EF4-FFF2-40B4-BE49-F238E27FC236}">
+                <a16:creationId xmlns:a16="http://schemas.microsoft.com/office/drawing/2014/main" id="{20C9E6A4-84C8-4861-98EB-A82485E90EBC}"/>
+              </a:ext>
+            </a:extLst>
+          </p:cNvPr>
+          <p:cNvCxnSpPr>
+            <a:cxnSpLocks/>
+            <a:stCxn id="37" idx="1"/>
+            <a:endCxn id="36" idx="3"/>
+          </p:cNvCxnSpPr>
+          <p:nvPr/>
+        </p:nvCxnSpPr>
+        <p:spPr>
+          <a:xfrm flipH="1">
+            <a:off x="4921859" y="5735265"/>
+            <a:ext cx="1315485" cy="1"/>
+          </a:xfrm>
+          <a:prstGeom prst="line">
+            <a:avLst/>
+          </a:prstGeom>
+          <a:ln w="28575">
+            <a:solidFill>
+              <a:schemeClr val="accent2">
+                <a:lumMod val="75000"/>
+              </a:schemeClr>
+            </a:solidFill>
+            <a:tailEnd type="triangle" w="lg" len="lg"/>
+          </a:ln>
+        </p:spPr>
+        <p:style>
+          <a:lnRef idx="1">
+            <a:schemeClr val="accent1"/>
+          </a:lnRef>
+          <a:fillRef idx="0">
+            <a:schemeClr val="accent1"/>
+          </a:fillRef>
+          <a:effectRef idx="0">
+            <a:schemeClr val="accent1"/>
+          </a:effectRef>
+          <a:fontRef idx="minor">
+            <a:schemeClr val="tx1"/>
+          </a:fontRef>
+        </p:style>
+      </p:cxnSp>
+      <p:cxnSp>
+        <p:nvCxnSpPr>
+          <p:cNvPr id="39" name="연결선: 구부러짐 38">
+            <a:extLst>
+              <a:ext uri="{FF2B5EF4-FFF2-40B4-BE49-F238E27FC236}">
+                <a16:creationId xmlns:a16="http://schemas.microsoft.com/office/drawing/2014/main" id="{FEDBDF64-9F3F-4047-8D3D-6251FF213702}"/>
+              </a:ext>
+            </a:extLst>
+          </p:cNvPr>
+          <p:cNvCxnSpPr>
+            <a:stCxn id="36" idx="0"/>
+            <a:endCxn id="30" idx="2"/>
+          </p:cNvCxnSpPr>
+          <p:nvPr/>
+        </p:nvCxnSpPr>
+        <p:spPr>
+          <a:xfrm rot="16200000" flipV="1">
+            <a:off x="4056170" y="4718073"/>
+            <a:ext cx="570301" cy="355203"/>
+          </a:xfrm>
+          <a:prstGeom prst="curvedConnector3">
+            <a:avLst/>
+          </a:prstGeom>
+          <a:ln w="28575">
+            <a:solidFill>
+              <a:schemeClr val="accent2">
+                <a:lumMod val="75000"/>
+              </a:schemeClr>
+            </a:solidFill>
+            <a:headEnd type="none" w="lg" len="lg"/>
+            <a:tailEnd type="triangle" w="lg" len="lg"/>
+          </a:ln>
+        </p:spPr>
+        <p:style>
+          <a:lnRef idx="1">
+            <a:schemeClr val="accent1"/>
+          </a:lnRef>
+          <a:fillRef idx="0">
+            <a:schemeClr val="accent1"/>
+          </a:fillRef>
+          <a:effectRef idx="0">
+            <a:schemeClr val="accent1"/>
+          </a:effectRef>
+          <a:fontRef idx="minor">
+            <a:schemeClr val="tx1"/>
+          </a:fontRef>
+        </p:style>
+      </p:cxnSp>
+      <p:sp>
+        <p:nvSpPr>
+          <p:cNvPr id="40" name="TextBox 39">
+            <a:extLst>
+              <a:ext uri="{FF2B5EF4-FFF2-40B4-BE49-F238E27FC236}">
+                <a16:creationId xmlns:a16="http://schemas.microsoft.com/office/drawing/2014/main" id="{645A9341-76FC-4B29-904E-4CDABF45F3F5}"/>
+              </a:ext>
+            </a:extLst>
+          </p:cNvPr>
+          <p:cNvSpPr txBox="1"/>
+          <p:nvPr/>
+        </p:nvSpPr>
+        <p:spPr>
+          <a:xfrm>
+            <a:off x="5258748" y="5430465"/>
+            <a:ext cx="726930" cy="276999"/>
+          </a:xfrm>
+          <a:prstGeom prst="rect">
+            <a:avLst/>
+          </a:prstGeom>
+          <a:noFill/>
+        </p:spPr>
+        <p:txBody>
+          <a:bodyPr wrap="none" rtlCol="0">
+            <a:spAutoFit/>
+          </a:bodyPr>
+          <a:lstStyle/>
+          <a:p>
+            <a:r>
+              <a:rPr lang="en-US" altLang="ko-KR" sz="1200">
+                <a:solidFill>
+                  <a:schemeClr val="bg2">
+                    <a:lumMod val="25000"/>
+                  </a:schemeClr>
+                </a:solidFill>
+                <a:latin typeface="THE정고딕110" panose="02020603020101020101" pitchFamily="18" charset="-127"/>
+                <a:ea typeface="THE정고딕110" panose="02020603020101020101" pitchFamily="18" charset="-127"/>
+              </a:rPr>
+              <a:t>Accapt</a:t>
+            </a:r>
+          </a:p>
+        </p:txBody>
+      </p:sp>
+      <p:sp>
+        <p:nvSpPr>
+          <p:cNvPr id="13" name="직사각형 12">
+            <a:extLst>
+              <a:ext uri="{FF2B5EF4-FFF2-40B4-BE49-F238E27FC236}">
+                <a16:creationId xmlns:a16="http://schemas.microsoft.com/office/drawing/2014/main" id="{23954AA2-3D96-485E-B2C8-9EEB19EFDCD4}"/>
+              </a:ext>
+            </a:extLst>
+          </p:cNvPr>
+          <p:cNvSpPr/>
+          <p:nvPr/>
+        </p:nvSpPr>
+        <p:spPr>
+          <a:xfrm>
+            <a:off x="916865" y="2150010"/>
+            <a:ext cx="3667132" cy="1108881"/>
+          </a:xfrm>
+          <a:prstGeom prst="rect">
+            <a:avLst/>
+          </a:prstGeom>
+          <a:solidFill>
+            <a:schemeClr val="accent2">
+              <a:lumMod val="60000"/>
+              <a:lumOff val="40000"/>
+            </a:schemeClr>
+          </a:solidFill>
+          <a:ln>
+            <a:noFill/>
+          </a:ln>
+        </p:spPr>
+        <p:style>
+          <a:lnRef idx="2">
+            <a:schemeClr val="accent1">
+              <a:shade val="50000"/>
+            </a:schemeClr>
+          </a:lnRef>
+          <a:fillRef idx="1">
+            <a:schemeClr val="accent1"/>
+          </a:fillRef>
+          <a:effectRef idx="0">
+            <a:schemeClr val="accent1"/>
+          </a:effectRef>
+          <a:fontRef idx="minor">
+            <a:schemeClr val="lt1"/>
+          </a:fontRef>
+        </p:style>
+        <p:txBody>
+          <a:bodyPr rtlCol="0" anchor="ctr"/>
+          <a:lstStyle/>
+          <a:p>
+            <a:pPr algn="ctr"/>
+            <a:r>
+              <a:rPr lang="en-US" altLang="ko-KR" sz="1400">
+                <a:solidFill>
+                  <a:schemeClr val="accent2">
+                    <a:lumMod val="50000"/>
+                  </a:schemeClr>
+                </a:solidFill>
+                <a:latin typeface="THE정고딕110" panose="02020603020101020101" pitchFamily="18" charset="-127"/>
+                <a:ea typeface="THE정고딕110" panose="02020603020101020101" pitchFamily="18" charset="-127"/>
+              </a:rPr>
+              <a:t>Shared Memory</a:t>
+            </a:r>
+          </a:p>
+        </p:txBody>
+      </p:sp>
+      <p:sp>
+        <p:nvSpPr>
+          <p:cNvPr id="15" name="직사각형 14">
+            <a:extLst>
+              <a:ext uri="{FF2B5EF4-FFF2-40B4-BE49-F238E27FC236}">
+                <a16:creationId xmlns:a16="http://schemas.microsoft.com/office/drawing/2014/main" id="{0710B7EB-700E-4486-959B-1C4D33062409}"/>
+              </a:ext>
+            </a:extLst>
+          </p:cNvPr>
+          <p:cNvSpPr/>
+          <p:nvPr/>
+        </p:nvSpPr>
+        <p:spPr>
+          <a:xfrm>
+            <a:off x="5316469" y="2786886"/>
+            <a:ext cx="1527576" cy="1108881"/>
+          </a:xfrm>
+          <a:prstGeom prst="rect">
+            <a:avLst/>
+          </a:prstGeom>
+          <a:solidFill>
+            <a:schemeClr val="accent2">
+              <a:lumMod val="50000"/>
+            </a:schemeClr>
+          </a:solidFill>
+          <a:ln>
+            <a:noFill/>
+          </a:ln>
+        </p:spPr>
+        <p:style>
+          <a:lnRef idx="2">
+            <a:schemeClr val="accent1">
+              <a:shade val="50000"/>
+            </a:schemeClr>
+          </a:lnRef>
+          <a:fillRef idx="1">
+            <a:schemeClr val="accent1"/>
+          </a:fillRef>
+          <a:effectRef idx="0">
+            <a:schemeClr val="accent1"/>
+          </a:effectRef>
+          <a:fontRef idx="minor">
+            <a:schemeClr val="lt1"/>
+          </a:fontRef>
+        </p:style>
+        <p:txBody>
+          <a:bodyPr rtlCol="0" anchor="ctr"/>
+          <a:lstStyle/>
+          <a:p>
+            <a:pPr algn="ctr"/>
+            <a:r>
+              <a:rPr lang="en-US" altLang="ko-KR" sz="1400">
+                <a:solidFill>
+                  <a:schemeClr val="accent2">
+                    <a:lumMod val="50000"/>
+                  </a:schemeClr>
+                </a:solidFill>
+                <a:latin typeface="THE정고딕110" panose="02020603020101020101" pitchFamily="18" charset="-127"/>
+                <a:ea typeface="THE정고딕110" panose="02020603020101020101" pitchFamily="18" charset="-127"/>
+              </a:rPr>
+              <a:t>Communication</a:t>
+            </a:r>
+          </a:p>
+          <a:p>
+            <a:pPr algn="ctr"/>
+            <a:r>
+              <a:rPr lang="en-US" altLang="ko-KR" sz="1400">
+                <a:solidFill>
+                  <a:schemeClr val="accent2">
+                    <a:lumMod val="50000"/>
+                  </a:schemeClr>
+                </a:solidFill>
+                <a:latin typeface="THE정고딕110" panose="02020603020101020101" pitchFamily="18" charset="-127"/>
+                <a:ea typeface="THE정고딕110" panose="02020603020101020101" pitchFamily="18" charset="-127"/>
+              </a:rPr>
+              <a:t>Thread</a:t>
+            </a:r>
+          </a:p>
+        </p:txBody>
+      </p:sp>
+      <p:sp>
+        <p:nvSpPr>
+          <p:cNvPr id="16" name="직사각형 15">
+            <a:extLst>
+              <a:ext uri="{FF2B5EF4-FFF2-40B4-BE49-F238E27FC236}">
+                <a16:creationId xmlns:a16="http://schemas.microsoft.com/office/drawing/2014/main" id="{E07BF199-57DE-4EC9-94BC-0881F32B3C37}"/>
+              </a:ext>
+            </a:extLst>
+          </p:cNvPr>
+          <p:cNvSpPr/>
+          <p:nvPr/>
+        </p:nvSpPr>
+        <p:spPr>
+          <a:xfrm>
+            <a:off x="5468869" y="2939286"/>
+            <a:ext cx="1527576" cy="1108881"/>
+          </a:xfrm>
+          <a:prstGeom prst="rect">
+            <a:avLst/>
+          </a:prstGeom>
+          <a:solidFill>
+            <a:schemeClr val="accent2">
+              <a:lumMod val="75000"/>
+            </a:schemeClr>
+          </a:solidFill>
+          <a:ln>
+            <a:noFill/>
+          </a:ln>
+        </p:spPr>
+        <p:style>
+          <a:lnRef idx="2">
+            <a:schemeClr val="accent1">
+              <a:shade val="50000"/>
+            </a:schemeClr>
+          </a:lnRef>
+          <a:fillRef idx="1">
+            <a:schemeClr val="accent1"/>
+          </a:fillRef>
+          <a:effectRef idx="0">
+            <a:schemeClr val="accent1"/>
+          </a:effectRef>
+          <a:fontRef idx="minor">
+            <a:schemeClr val="lt1"/>
+          </a:fontRef>
+        </p:style>
+        <p:txBody>
+          <a:bodyPr rtlCol="0" anchor="ctr"/>
+          <a:lstStyle/>
+          <a:p>
+            <a:pPr algn="ctr"/>
+            <a:r>
+              <a:rPr lang="en-US" altLang="ko-KR" sz="1400">
+                <a:solidFill>
+                  <a:schemeClr val="accent2">
+                    <a:lumMod val="50000"/>
+                  </a:schemeClr>
+                </a:solidFill>
+                <a:latin typeface="THE정고딕110" panose="02020603020101020101" pitchFamily="18" charset="-127"/>
+                <a:ea typeface="THE정고딕110" panose="02020603020101020101" pitchFamily="18" charset="-127"/>
+              </a:rPr>
+              <a:t>Communication</a:t>
+            </a:r>
+          </a:p>
+          <a:p>
+            <a:pPr algn="ctr"/>
+            <a:r>
+              <a:rPr lang="en-US" altLang="ko-KR" sz="1400">
+                <a:solidFill>
+                  <a:schemeClr val="accent2">
+                    <a:lumMod val="50000"/>
+                  </a:schemeClr>
+                </a:solidFill>
+                <a:latin typeface="THE정고딕110" panose="02020603020101020101" pitchFamily="18" charset="-127"/>
+                <a:ea typeface="THE정고딕110" panose="02020603020101020101" pitchFamily="18" charset="-127"/>
+              </a:rPr>
+              <a:t>Thread</a:t>
+            </a:r>
+          </a:p>
+        </p:txBody>
+      </p:sp>
+      <p:sp>
+        <p:nvSpPr>
+          <p:cNvPr id="17" name="직사각형 16">
+            <a:extLst>
+              <a:ext uri="{FF2B5EF4-FFF2-40B4-BE49-F238E27FC236}">
+                <a16:creationId xmlns:a16="http://schemas.microsoft.com/office/drawing/2014/main" id="{76B7E330-91D9-4B40-B6CE-4322675D8AA4}"/>
+              </a:ext>
+            </a:extLst>
+          </p:cNvPr>
+          <p:cNvSpPr/>
+          <p:nvPr/>
+        </p:nvSpPr>
+        <p:spPr>
+          <a:xfrm>
+            <a:off x="5621269" y="3091686"/>
+            <a:ext cx="1527576" cy="1108881"/>
+          </a:xfrm>
+          <a:prstGeom prst="rect">
+            <a:avLst/>
+          </a:prstGeom>
+          <a:solidFill>
+            <a:schemeClr val="accent2">
+              <a:lumMod val="60000"/>
+              <a:lumOff val="40000"/>
+            </a:schemeClr>
+          </a:solidFill>
+          <a:ln>
+            <a:noFill/>
+          </a:ln>
+        </p:spPr>
+        <p:style>
+          <a:lnRef idx="2">
+            <a:schemeClr val="accent1">
+              <a:shade val="50000"/>
+            </a:schemeClr>
+          </a:lnRef>
+          <a:fillRef idx="1">
+            <a:schemeClr val="accent1"/>
+          </a:fillRef>
+          <a:effectRef idx="0">
+            <a:schemeClr val="accent1"/>
+          </a:effectRef>
+          <a:fontRef idx="minor">
+            <a:schemeClr val="lt1"/>
+          </a:fontRef>
+        </p:style>
+        <p:txBody>
+          <a:bodyPr rtlCol="0" anchor="ctr"/>
+          <a:lstStyle/>
+          <a:p>
+            <a:pPr algn="ctr"/>
+            <a:r>
+              <a:rPr lang="en-US" altLang="ko-KR" sz="1400">
+                <a:solidFill>
+                  <a:schemeClr val="accent2">
+                    <a:lumMod val="50000"/>
+                  </a:schemeClr>
+                </a:solidFill>
+                <a:latin typeface="THE정고딕110" panose="02020603020101020101" pitchFamily="18" charset="-127"/>
+                <a:ea typeface="THE정고딕110" panose="02020603020101020101" pitchFamily="18" charset="-127"/>
+              </a:rPr>
+              <a:t>Communication</a:t>
+            </a:r>
+          </a:p>
+          <a:p>
+            <a:pPr algn="ctr"/>
+            <a:r>
+              <a:rPr lang="en-US" altLang="ko-KR" sz="1400">
+                <a:solidFill>
+                  <a:schemeClr val="accent2">
+                    <a:lumMod val="50000"/>
+                  </a:schemeClr>
+                </a:solidFill>
+                <a:latin typeface="THE정고딕110" panose="02020603020101020101" pitchFamily="18" charset="-127"/>
+                <a:ea typeface="THE정고딕110" panose="02020603020101020101" pitchFamily="18" charset="-127"/>
+              </a:rPr>
+              <a:t>Thread</a:t>
             </a:r>
           </a:p>
         </p:txBody>
@@ -7024,7 +7611,7 @@
     </p:spTree>
     <p:extLst>
       <p:ext uri="{BB962C8B-B14F-4D97-AF65-F5344CB8AC3E}">
-        <p14:creationId xmlns:p14="http://schemas.microsoft.com/office/powerpoint/2010/main" val="3556853517"/>
+        <p14:creationId xmlns:p14="http://schemas.microsoft.com/office/powerpoint/2010/main" val="953728036"/>
       </p:ext>
     </p:extLst>
   </p:cSld>
@@ -7053,10 +7640,10 @@
       </p:grpSpPr>
       <p:sp>
         <p:nvSpPr>
-          <p:cNvPr id="2" name="직사각형 1">
-            <a:extLst>
-              <a:ext uri="{FF2B5EF4-FFF2-40B4-BE49-F238E27FC236}">
-                <a16:creationId xmlns:a16="http://schemas.microsoft.com/office/drawing/2014/main" id="{D0E0508B-D046-49CD-A3C1-42BFDBA87D3F}"/>
+          <p:cNvPr id="8" name="직사각형 7">
+            <a:extLst>
+              <a:ext uri="{FF2B5EF4-FFF2-40B4-BE49-F238E27FC236}">
+                <a16:creationId xmlns:a16="http://schemas.microsoft.com/office/drawing/2014/main" id="{FAA25D90-BD67-49C9-84DA-96925BEB157F}"/>
               </a:ext>
             </a:extLst>
           </p:cNvPr>
@@ -7065,8 +7652,8 @@
         </p:nvSpPr>
         <p:spPr>
           <a:xfrm>
-            <a:off x="636188" y="423886"/>
-            <a:ext cx="10913363" cy="5976914"/>
+            <a:off x="634617" y="1251285"/>
+            <a:ext cx="5461384" cy="3792354"/>
           </a:xfrm>
           <a:prstGeom prst="rect">
             <a:avLst/>
@@ -7111,17 +7698,28 @@
                 <a:latin typeface="THE정고딕110" panose="02020603020101020101" pitchFamily="18" charset="-127"/>
                 <a:ea typeface="THE정고딕110" panose="02020603020101020101" pitchFamily="18" charset="-127"/>
               </a:rPr>
-              <a:t>Scene</a:t>
-            </a:r>
-          </a:p>
-        </p:txBody>
-      </p:sp>
-      <p:sp>
-        <p:nvSpPr>
-          <p:cNvPr id="3" name="직사각형 2">
-            <a:extLst>
-              <a:ext uri="{FF2B5EF4-FFF2-40B4-BE49-F238E27FC236}">
-                <a16:creationId xmlns:a16="http://schemas.microsoft.com/office/drawing/2014/main" id="{BF8FB7FC-42BD-4F46-AE0D-451B04ED5B2C}"/>
+              <a:t>Server</a:t>
+            </a:r>
+          </a:p>
+          <a:p>
+            <a:endParaRPr lang="en-US" altLang="ko-KR" sz="1400">
+              <a:solidFill>
+                <a:schemeClr val="accent2">
+                  <a:lumMod val="75000"/>
+                </a:schemeClr>
+              </a:solidFill>
+              <a:latin typeface="THE정고딕110" panose="02020603020101020101" pitchFamily="18" charset="-127"/>
+              <a:ea typeface="THE정고딕110" panose="02020603020101020101" pitchFamily="18" charset="-127"/>
+            </a:endParaRPr>
+          </a:p>
+        </p:txBody>
+      </p:sp>
+      <p:sp>
+        <p:nvSpPr>
+          <p:cNvPr id="11" name="직사각형 10">
+            <a:extLst>
+              <a:ext uri="{FF2B5EF4-FFF2-40B4-BE49-F238E27FC236}">
+                <a16:creationId xmlns:a16="http://schemas.microsoft.com/office/drawing/2014/main" id="{681BDCB5-2890-4B80-8156-3B0F3D4322EC}"/>
               </a:ext>
             </a:extLst>
           </p:cNvPr>
@@ -7130,8 +7728,8 @@
         </p:nvSpPr>
         <p:spPr>
           <a:xfrm>
-            <a:off x="636188" y="4603605"/>
-            <a:ext cx="3652073" cy="784652"/>
+            <a:off x="800432" y="1722921"/>
+            <a:ext cx="3899998" cy="3093777"/>
           </a:xfrm>
           <a:prstGeom prst="rect">
             <a:avLst/>
@@ -7168,7 +7766,7 @@
           <a:p>
             <a:pPr algn="ctr"/>
             <a:r>
-              <a:rPr lang="ko-KR" altLang="en-US" sz="1400">
+              <a:rPr lang="en-US" altLang="ko-KR" sz="1400">
                 <a:solidFill>
                   <a:schemeClr val="accent2">
                     <a:lumMod val="75000"/>
@@ -7177,53 +7775,17 @@
                 <a:latin typeface="THE정고딕110" panose="02020603020101020101" pitchFamily="18" charset="-127"/>
                 <a:ea typeface="THE정고딕110" panose="02020603020101020101" pitchFamily="18" charset="-127"/>
               </a:rPr>
-              <a:t>서술자 힙</a:t>
-            </a:r>
-            <a:endParaRPr lang="en-US" altLang="ko-KR" sz="1400">
-              <a:solidFill>
-                <a:schemeClr val="accent2">
-                  <a:lumMod val="75000"/>
-                </a:schemeClr>
-              </a:solidFill>
-              <a:latin typeface="THE정고딕110" panose="02020603020101020101" pitchFamily="18" charset="-127"/>
-              <a:ea typeface="THE정고딕110" panose="02020603020101020101" pitchFamily="18" charset="-127"/>
-            </a:endParaRPr>
-          </a:p>
-          <a:p>
-            <a:pPr algn="ctr"/>
-            <a:endParaRPr lang="en-US" altLang="ko-KR" sz="1400">
-              <a:solidFill>
-                <a:schemeClr val="accent2">
-                  <a:lumMod val="75000"/>
-                </a:schemeClr>
-              </a:solidFill>
-              <a:latin typeface="THE정고딕110" panose="02020603020101020101" pitchFamily="18" charset="-127"/>
-              <a:ea typeface="THE정고딕110" panose="02020603020101020101" pitchFamily="18" charset="-127"/>
-            </a:endParaRPr>
-          </a:p>
-          <a:p>
-            <a:pPr algn="ctr"/>
-            <a:r>
-              <a:rPr lang="en-US" altLang="ko-KR" sz="1400">
-                <a:solidFill>
-                  <a:schemeClr val="accent2">
-                    <a:lumMod val="75000"/>
-                  </a:schemeClr>
-                </a:solidFill>
-                <a:latin typeface="THE정고딕110" panose="02020603020101020101" pitchFamily="18" charset="-127"/>
-                <a:ea typeface="THE정고딕110" panose="02020603020101020101" pitchFamily="18" charset="-127"/>
-              </a:rPr>
-              <a:t>	…</a:t>
-            </a:r>
-          </a:p>
-        </p:txBody>
-      </p:sp>
-      <p:sp>
-        <p:nvSpPr>
-          <p:cNvPr id="4" name="직사각형 3">
-            <a:extLst>
-              <a:ext uri="{FF2B5EF4-FFF2-40B4-BE49-F238E27FC236}">
-                <a16:creationId xmlns:a16="http://schemas.microsoft.com/office/drawing/2014/main" id="{CAFA19CF-C717-4B01-A276-31CDB7DDFE94}"/>
+              <a:t>Room</a:t>
+            </a:r>
+          </a:p>
+        </p:txBody>
+      </p:sp>
+      <p:sp>
+        <p:nvSpPr>
+          <p:cNvPr id="30" name="직사각형 29">
+            <a:extLst>
+              <a:ext uri="{FF2B5EF4-FFF2-40B4-BE49-F238E27FC236}">
+                <a16:creationId xmlns:a16="http://schemas.microsoft.com/office/drawing/2014/main" id="{A9A9AA95-578D-441A-BEC2-8D7E95A7BA8D}"/>
               </a:ext>
             </a:extLst>
           </p:cNvPr>
@@ -7232,224 +7794,8 @@
         </p:nvSpPr>
         <p:spPr>
           <a:xfrm>
-            <a:off x="636187" y="5616149"/>
-            <a:ext cx="3645812" cy="784651"/>
-          </a:xfrm>
-          <a:prstGeom prst="rect">
-            <a:avLst/>
-          </a:prstGeom>
-          <a:solidFill>
-            <a:schemeClr val="accent2">
-              <a:lumMod val="40000"/>
-              <a:lumOff val="60000"/>
-            </a:schemeClr>
-          </a:solidFill>
-          <a:ln>
-            <a:noFill/>
-          </a:ln>
-        </p:spPr>
-        <p:style>
-          <a:lnRef idx="2">
-            <a:schemeClr val="accent1">
-              <a:shade val="50000"/>
-            </a:schemeClr>
-          </a:lnRef>
-          <a:fillRef idx="1">
-            <a:schemeClr val="accent1"/>
-          </a:fillRef>
-          <a:effectRef idx="0">
-            <a:schemeClr val="accent1"/>
-          </a:effectRef>
-          <a:fontRef idx="minor">
-            <a:schemeClr val="lt1"/>
-          </a:fontRef>
-        </p:style>
-        <p:txBody>
-          <a:bodyPr rtlCol="0" anchor="t"/>
-          <a:lstStyle/>
-          <a:p>
-            <a:pPr algn="ctr"/>
-            <a:r>
-              <a:rPr lang="ko-KR" altLang="en-US" sz="1400">
-                <a:solidFill>
-                  <a:schemeClr val="accent2">
-                    <a:lumMod val="75000"/>
-                  </a:schemeClr>
-                </a:solidFill>
-                <a:latin typeface="THE정고딕110" panose="02020603020101020101" pitchFamily="18" charset="-127"/>
-                <a:ea typeface="THE정고딕110" panose="02020603020101020101" pitchFamily="18" charset="-127"/>
-              </a:rPr>
-              <a:t>상수버퍼</a:t>
-            </a:r>
-            <a:endParaRPr lang="en-US" altLang="ko-KR" sz="1400">
-              <a:solidFill>
-                <a:schemeClr val="accent2">
-                  <a:lumMod val="75000"/>
-                </a:schemeClr>
-              </a:solidFill>
-              <a:latin typeface="THE정고딕110" panose="02020603020101020101" pitchFamily="18" charset="-127"/>
-              <a:ea typeface="THE정고딕110" panose="02020603020101020101" pitchFamily="18" charset="-127"/>
-            </a:endParaRPr>
-          </a:p>
-          <a:p>
-            <a:pPr algn="ctr"/>
-            <a:endParaRPr lang="en-US" altLang="ko-KR" sz="1400">
-              <a:solidFill>
-                <a:schemeClr val="accent2">
-                  <a:lumMod val="75000"/>
-                </a:schemeClr>
-              </a:solidFill>
-              <a:latin typeface="THE정고딕110" panose="02020603020101020101" pitchFamily="18" charset="-127"/>
-              <a:ea typeface="THE정고딕110" panose="02020603020101020101" pitchFamily="18" charset="-127"/>
-            </a:endParaRPr>
-          </a:p>
-          <a:p>
-            <a:pPr algn="ctr"/>
-            <a:r>
-              <a:rPr lang="en-US" altLang="ko-KR" sz="1400">
-                <a:solidFill>
-                  <a:schemeClr val="accent2">
-                    <a:lumMod val="75000"/>
-                  </a:schemeClr>
-                </a:solidFill>
-                <a:latin typeface="THE정고딕110" panose="02020603020101020101" pitchFamily="18" charset="-127"/>
-                <a:ea typeface="THE정고딕110" panose="02020603020101020101" pitchFamily="18" charset="-127"/>
-              </a:rPr>
-              <a:t>	…</a:t>
-            </a:r>
-          </a:p>
-        </p:txBody>
-      </p:sp>
-      <p:sp>
-        <p:nvSpPr>
-          <p:cNvPr id="5" name="직사각형 4">
-            <a:extLst>
-              <a:ext uri="{FF2B5EF4-FFF2-40B4-BE49-F238E27FC236}">
-                <a16:creationId xmlns:a16="http://schemas.microsoft.com/office/drawing/2014/main" id="{06B77301-BBB4-466C-9BE0-1A322CBADEE1}"/>
-              </a:ext>
-            </a:extLst>
-          </p:cNvPr>
-          <p:cNvSpPr/>
-          <p:nvPr/>
-        </p:nvSpPr>
-        <p:spPr>
-          <a:xfrm>
-            <a:off x="642448" y="3591060"/>
-            <a:ext cx="3639551" cy="784652"/>
-          </a:xfrm>
-          <a:prstGeom prst="rect">
-            <a:avLst/>
-          </a:prstGeom>
-          <a:solidFill>
-            <a:schemeClr val="accent2">
-              <a:lumMod val="40000"/>
-              <a:lumOff val="60000"/>
-            </a:schemeClr>
-          </a:solidFill>
-          <a:ln>
-            <a:noFill/>
-          </a:ln>
-        </p:spPr>
-        <p:style>
-          <a:lnRef idx="2">
-            <a:schemeClr val="accent1">
-              <a:shade val="50000"/>
-            </a:schemeClr>
-          </a:lnRef>
-          <a:fillRef idx="1">
-            <a:schemeClr val="accent1"/>
-          </a:fillRef>
-          <a:effectRef idx="0">
-            <a:schemeClr val="accent1"/>
-          </a:effectRef>
-          <a:fontRef idx="minor">
-            <a:schemeClr val="lt1"/>
-          </a:fontRef>
-        </p:style>
-        <p:txBody>
-          <a:bodyPr rtlCol="0" anchor="t"/>
-          <a:lstStyle/>
-          <a:p>
-            <a:pPr algn="ctr"/>
-            <a:r>
-              <a:rPr lang="en-US" altLang="ko-KR" sz="1400">
-                <a:solidFill>
-                  <a:schemeClr val="accent2">
-                    <a:lumMod val="75000"/>
-                  </a:schemeClr>
-                </a:solidFill>
-                <a:latin typeface="THE정고딕110" panose="02020603020101020101" pitchFamily="18" charset="-127"/>
-                <a:ea typeface="THE정고딕110" panose="02020603020101020101" pitchFamily="18" charset="-127"/>
-              </a:rPr>
-              <a:t>Object </a:t>
-            </a:r>
-            <a:r>
-              <a:rPr lang="ko-KR" altLang="en-US" sz="1400">
-                <a:solidFill>
-                  <a:schemeClr val="accent2">
-                    <a:lumMod val="75000"/>
-                  </a:schemeClr>
-                </a:solidFill>
-                <a:latin typeface="THE정고딕110" panose="02020603020101020101" pitchFamily="18" charset="-127"/>
-                <a:ea typeface="THE정고딕110" panose="02020603020101020101" pitchFamily="18" charset="-127"/>
-              </a:rPr>
-              <a:t>버퍼</a:t>
-            </a:r>
-            <a:endParaRPr lang="en-US" altLang="ko-KR" sz="1400">
-              <a:solidFill>
-                <a:schemeClr val="accent2">
-                  <a:lumMod val="75000"/>
-                </a:schemeClr>
-              </a:solidFill>
-              <a:latin typeface="THE정고딕110" panose="02020603020101020101" pitchFamily="18" charset="-127"/>
-              <a:ea typeface="THE정고딕110" panose="02020603020101020101" pitchFamily="18" charset="-127"/>
-            </a:endParaRPr>
-          </a:p>
-          <a:p>
-            <a:pPr algn="ctr"/>
-            <a:endParaRPr lang="en-US" altLang="ko-KR" sz="1400">
-              <a:solidFill>
-                <a:schemeClr val="accent2">
-                  <a:lumMod val="75000"/>
-                </a:schemeClr>
-              </a:solidFill>
-              <a:latin typeface="THE정고딕110" panose="02020603020101020101" pitchFamily="18" charset="-127"/>
-              <a:ea typeface="THE정고딕110" panose="02020603020101020101" pitchFamily="18" charset="-127"/>
-            </a:endParaRPr>
-          </a:p>
-          <a:p>
-            <a:pPr algn="ctr"/>
-            <a:r>
-              <a:rPr lang="en-US" altLang="ko-KR" sz="1400">
-                <a:solidFill>
-                  <a:schemeClr val="accent2">
-                    <a:lumMod val="75000"/>
-                  </a:schemeClr>
-                </a:solidFill>
-                <a:latin typeface="THE정고딕110" panose="02020603020101020101" pitchFamily="18" charset="-127"/>
-                <a:ea typeface="THE정고딕110" panose="02020603020101020101" pitchFamily="18" charset="-127"/>
-              </a:rPr>
-              <a:t>	…</a:t>
-            </a:r>
-          </a:p>
-        </p:txBody>
-      </p:sp>
-      <p:sp>
-        <p:nvSpPr>
-          <p:cNvPr id="6" name="직사각형 5">
-            <a:extLst>
-              <a:ext uri="{FF2B5EF4-FFF2-40B4-BE49-F238E27FC236}">
-                <a16:creationId xmlns:a16="http://schemas.microsoft.com/office/drawing/2014/main" id="{EAE7181B-E703-4785-9177-3728BC3CE529}"/>
-              </a:ext>
-            </a:extLst>
-          </p:cNvPr>
-          <p:cNvSpPr/>
-          <p:nvPr/>
-        </p:nvSpPr>
-        <p:spPr>
-          <a:xfrm>
-            <a:off x="636188" y="4912723"/>
-            <a:ext cx="751908" cy="475534"/>
+            <a:off x="3760780" y="3501643"/>
+            <a:ext cx="805876" cy="1108881"/>
           </a:xfrm>
           <a:prstGeom prst="rect">
             <a:avLst/>
@@ -7486,7 +7832,7 @@
           <a:p>
             <a:pPr algn="ctr"/>
             <a:r>
-              <a:rPr lang="ko-KR" altLang="en-US" sz="1400">
+              <a:rPr lang="en-US" altLang="ko-KR" sz="1400">
                 <a:solidFill>
                   <a:schemeClr val="accent2">
                     <a:lumMod val="50000"/>
@@ -7495,26 +7841,40 @@
                 <a:latin typeface="THE정고딕110" panose="02020603020101020101" pitchFamily="18" charset="-127"/>
                 <a:ea typeface="THE정고딕110" panose="02020603020101020101" pitchFamily="18" charset="-127"/>
               </a:rPr>
-              <a:t>서술자</a:t>
-            </a:r>
-            <a:endParaRPr lang="en-US" altLang="ko-KR" sz="1400">
-              <a:solidFill>
-                <a:schemeClr val="accent2">
-                  <a:lumMod val="50000"/>
-                </a:schemeClr>
-              </a:solidFill>
-              <a:latin typeface="THE정고딕110" panose="02020603020101020101" pitchFamily="18" charset="-127"/>
-              <a:ea typeface="THE정고딕110" panose="02020603020101020101" pitchFamily="18" charset="-127"/>
-            </a:endParaRPr>
-          </a:p>
-        </p:txBody>
-      </p:sp>
-      <p:sp>
-        <p:nvSpPr>
-          <p:cNvPr id="7" name="직사각형 6">
-            <a:extLst>
-              <a:ext uri="{FF2B5EF4-FFF2-40B4-BE49-F238E27FC236}">
-                <a16:creationId xmlns:a16="http://schemas.microsoft.com/office/drawing/2014/main" id="{F5CE6244-C0E7-444E-B8D3-39D77EB3F528}"/>
+              <a:t>Client</a:t>
+            </a:r>
+            <a:br>
+              <a:rPr lang="en-US" altLang="ko-KR" sz="1400">
+                <a:solidFill>
+                  <a:schemeClr val="accent2">
+                    <a:lumMod val="50000"/>
+                  </a:schemeClr>
+                </a:solidFill>
+                <a:latin typeface="THE정고딕110" panose="02020603020101020101" pitchFamily="18" charset="-127"/>
+                <a:ea typeface="THE정고딕110" panose="02020603020101020101" pitchFamily="18" charset="-127"/>
+              </a:rPr>
+            </a:br>
+            <a:r>
+              <a:rPr lang="en-US" altLang="ko-KR" sz="1400">
+                <a:solidFill>
+                  <a:schemeClr val="accent2">
+                    <a:lumMod val="50000"/>
+                  </a:schemeClr>
+                </a:solidFill>
+                <a:latin typeface="THE정고딕110" panose="02020603020101020101" pitchFamily="18" charset="-127"/>
+                <a:ea typeface="THE정고딕110" panose="02020603020101020101" pitchFamily="18" charset="-127"/>
+              </a:rPr>
+              <a:t>Socket</a:t>
+            </a:r>
+          </a:p>
+        </p:txBody>
+      </p:sp>
+      <p:sp>
+        <p:nvSpPr>
+          <p:cNvPr id="33" name="직사각형 32">
+            <a:extLst>
+              <a:ext uri="{FF2B5EF4-FFF2-40B4-BE49-F238E27FC236}">
+                <a16:creationId xmlns:a16="http://schemas.microsoft.com/office/drawing/2014/main" id="{5293A61A-C24C-47E6-A572-67F60B2CA8F7}"/>
               </a:ext>
             </a:extLst>
           </p:cNvPr>
@@ -7523,8 +7883,8 @@
         </p:nvSpPr>
         <p:spPr>
           <a:xfrm>
-            <a:off x="1565170" y="4912723"/>
-            <a:ext cx="751908" cy="475534"/>
+            <a:off x="899524" y="3501642"/>
+            <a:ext cx="805876" cy="1108881"/>
           </a:xfrm>
           <a:prstGeom prst="rect">
             <a:avLst/>
@@ -7561,7 +7921,7 @@
           <a:p>
             <a:pPr algn="ctr"/>
             <a:r>
-              <a:rPr lang="ko-KR" altLang="en-US" sz="1400">
+              <a:rPr lang="en-US" altLang="ko-KR" sz="1400">
                 <a:solidFill>
                   <a:schemeClr val="accent2">
                     <a:lumMod val="50000"/>
@@ -7570,26 +7930,40 @@
                 <a:latin typeface="THE정고딕110" panose="02020603020101020101" pitchFamily="18" charset="-127"/>
                 <a:ea typeface="THE정고딕110" panose="02020603020101020101" pitchFamily="18" charset="-127"/>
               </a:rPr>
-              <a:t>서술자</a:t>
-            </a:r>
-            <a:endParaRPr lang="en-US" altLang="ko-KR" sz="1400">
-              <a:solidFill>
-                <a:schemeClr val="accent2">
-                  <a:lumMod val="50000"/>
-                </a:schemeClr>
-              </a:solidFill>
-              <a:latin typeface="THE정고딕110" panose="02020603020101020101" pitchFamily="18" charset="-127"/>
-              <a:ea typeface="THE정고딕110" panose="02020603020101020101" pitchFamily="18" charset="-127"/>
-            </a:endParaRPr>
-          </a:p>
-        </p:txBody>
-      </p:sp>
-      <p:sp>
-        <p:nvSpPr>
-          <p:cNvPr id="8" name="직사각형 7">
-            <a:extLst>
-              <a:ext uri="{FF2B5EF4-FFF2-40B4-BE49-F238E27FC236}">
-                <a16:creationId xmlns:a16="http://schemas.microsoft.com/office/drawing/2014/main" id="{B45EB81B-4928-4278-8583-DFA32EE11CB7}"/>
+              <a:t>Client</a:t>
+            </a:r>
+            <a:br>
+              <a:rPr lang="en-US" altLang="ko-KR" sz="1400">
+                <a:solidFill>
+                  <a:schemeClr val="accent2">
+                    <a:lumMod val="50000"/>
+                  </a:schemeClr>
+                </a:solidFill>
+                <a:latin typeface="THE정고딕110" panose="02020603020101020101" pitchFamily="18" charset="-127"/>
+                <a:ea typeface="THE정고딕110" panose="02020603020101020101" pitchFamily="18" charset="-127"/>
+              </a:rPr>
+            </a:br>
+            <a:r>
+              <a:rPr lang="en-US" altLang="ko-KR" sz="1400">
+                <a:solidFill>
+                  <a:schemeClr val="accent2">
+                    <a:lumMod val="50000"/>
+                  </a:schemeClr>
+                </a:solidFill>
+                <a:latin typeface="THE정고딕110" panose="02020603020101020101" pitchFamily="18" charset="-127"/>
+                <a:ea typeface="THE정고딕110" panose="02020603020101020101" pitchFamily="18" charset="-127"/>
+              </a:rPr>
+              <a:t>Socket</a:t>
+            </a:r>
+          </a:p>
+        </p:txBody>
+      </p:sp>
+      <p:sp>
+        <p:nvSpPr>
+          <p:cNvPr id="34" name="직사각형 33">
+            <a:extLst>
+              <a:ext uri="{FF2B5EF4-FFF2-40B4-BE49-F238E27FC236}">
+                <a16:creationId xmlns:a16="http://schemas.microsoft.com/office/drawing/2014/main" id="{26E472F1-5047-4926-B40E-3391D2CC0428}"/>
               </a:ext>
             </a:extLst>
           </p:cNvPr>
@@ -7598,8 +7972,8 @@
         </p:nvSpPr>
         <p:spPr>
           <a:xfrm>
-            <a:off x="3536354" y="4912723"/>
-            <a:ext cx="751908" cy="475534"/>
+            <a:off x="1853276" y="3501641"/>
+            <a:ext cx="805876" cy="1108881"/>
           </a:xfrm>
           <a:prstGeom prst="rect">
             <a:avLst/>
@@ -7636,7 +8010,7 @@
           <a:p>
             <a:pPr algn="ctr"/>
             <a:r>
-              <a:rPr lang="ko-KR" altLang="en-US" sz="1400">
+              <a:rPr lang="en-US" altLang="ko-KR" sz="1400">
                 <a:solidFill>
                   <a:schemeClr val="accent2">
                     <a:lumMod val="50000"/>
@@ -7645,26 +8019,40 @@
                 <a:latin typeface="THE정고딕110" panose="02020603020101020101" pitchFamily="18" charset="-127"/>
                 <a:ea typeface="THE정고딕110" panose="02020603020101020101" pitchFamily="18" charset="-127"/>
               </a:rPr>
-              <a:t>서술자</a:t>
-            </a:r>
-            <a:endParaRPr lang="en-US" altLang="ko-KR" sz="1400">
-              <a:solidFill>
-                <a:schemeClr val="accent2">
-                  <a:lumMod val="50000"/>
-                </a:schemeClr>
-              </a:solidFill>
-              <a:latin typeface="THE정고딕110" panose="02020603020101020101" pitchFamily="18" charset="-127"/>
-              <a:ea typeface="THE정고딕110" panose="02020603020101020101" pitchFamily="18" charset="-127"/>
-            </a:endParaRPr>
-          </a:p>
-        </p:txBody>
-      </p:sp>
-      <p:sp>
-        <p:nvSpPr>
-          <p:cNvPr id="9" name="직사각형 8">
-            <a:extLst>
-              <a:ext uri="{FF2B5EF4-FFF2-40B4-BE49-F238E27FC236}">
-                <a16:creationId xmlns:a16="http://schemas.microsoft.com/office/drawing/2014/main" id="{3575C4FD-B11A-4A1B-A9A5-BAFAE06E37D0}"/>
+              <a:t>Client</a:t>
+            </a:r>
+            <a:br>
+              <a:rPr lang="en-US" altLang="ko-KR" sz="1400">
+                <a:solidFill>
+                  <a:schemeClr val="accent2">
+                    <a:lumMod val="50000"/>
+                  </a:schemeClr>
+                </a:solidFill>
+                <a:latin typeface="THE정고딕110" panose="02020603020101020101" pitchFamily="18" charset="-127"/>
+                <a:ea typeface="THE정고딕110" panose="02020603020101020101" pitchFamily="18" charset="-127"/>
+              </a:rPr>
+            </a:br>
+            <a:r>
+              <a:rPr lang="en-US" altLang="ko-KR" sz="1400">
+                <a:solidFill>
+                  <a:schemeClr val="accent2">
+                    <a:lumMod val="50000"/>
+                  </a:schemeClr>
+                </a:solidFill>
+                <a:latin typeface="THE정고딕110" panose="02020603020101020101" pitchFamily="18" charset="-127"/>
+                <a:ea typeface="THE정고딕110" panose="02020603020101020101" pitchFamily="18" charset="-127"/>
+              </a:rPr>
+              <a:t>Socket</a:t>
+            </a:r>
+          </a:p>
+        </p:txBody>
+      </p:sp>
+      <p:sp>
+        <p:nvSpPr>
+          <p:cNvPr id="35" name="직사각형 34">
+            <a:extLst>
+              <a:ext uri="{FF2B5EF4-FFF2-40B4-BE49-F238E27FC236}">
+                <a16:creationId xmlns:a16="http://schemas.microsoft.com/office/drawing/2014/main" id="{53AAA3EC-522B-4B41-9914-2EA1D838DD82}"/>
               </a:ext>
             </a:extLst>
           </p:cNvPr>
@@ -7673,8 +8061,8 @@
         </p:nvSpPr>
         <p:spPr>
           <a:xfrm>
-            <a:off x="636186" y="3900178"/>
-            <a:ext cx="751908" cy="475534"/>
+            <a:off x="2807028" y="3501641"/>
+            <a:ext cx="805876" cy="1108881"/>
           </a:xfrm>
           <a:prstGeom prst="rect">
             <a:avLst/>
@@ -7711,7 +8099,7 @@
           <a:p>
             <a:pPr algn="ctr"/>
             <a:r>
-              <a:rPr lang="ko-KR" altLang="en-US" sz="1400">
+              <a:rPr lang="en-US" altLang="ko-KR" sz="1400">
                 <a:solidFill>
                   <a:schemeClr val="accent2">
                     <a:lumMod val="50000"/>
@@ -7720,26 +8108,40 @@
                 <a:latin typeface="THE정고딕110" panose="02020603020101020101" pitchFamily="18" charset="-127"/>
                 <a:ea typeface="THE정고딕110" panose="02020603020101020101" pitchFamily="18" charset="-127"/>
               </a:rPr>
-              <a:t>객체</a:t>
-            </a:r>
-            <a:endParaRPr lang="en-US" altLang="ko-KR" sz="1400">
-              <a:solidFill>
-                <a:schemeClr val="accent2">
-                  <a:lumMod val="50000"/>
-                </a:schemeClr>
-              </a:solidFill>
-              <a:latin typeface="THE정고딕110" panose="02020603020101020101" pitchFamily="18" charset="-127"/>
-              <a:ea typeface="THE정고딕110" panose="02020603020101020101" pitchFamily="18" charset="-127"/>
-            </a:endParaRPr>
-          </a:p>
-        </p:txBody>
-      </p:sp>
-      <p:sp>
-        <p:nvSpPr>
-          <p:cNvPr id="10" name="직사각형 9">
-            <a:extLst>
-              <a:ext uri="{FF2B5EF4-FFF2-40B4-BE49-F238E27FC236}">
-                <a16:creationId xmlns:a16="http://schemas.microsoft.com/office/drawing/2014/main" id="{67171B14-38D0-4487-978C-96D541550861}"/>
+              <a:t>Client</a:t>
+            </a:r>
+            <a:br>
+              <a:rPr lang="en-US" altLang="ko-KR" sz="1400">
+                <a:solidFill>
+                  <a:schemeClr val="accent2">
+                    <a:lumMod val="50000"/>
+                  </a:schemeClr>
+                </a:solidFill>
+                <a:latin typeface="THE정고딕110" panose="02020603020101020101" pitchFamily="18" charset="-127"/>
+                <a:ea typeface="THE정고딕110" panose="02020603020101020101" pitchFamily="18" charset="-127"/>
+              </a:rPr>
+            </a:br>
+            <a:r>
+              <a:rPr lang="en-US" altLang="ko-KR" sz="1400">
+                <a:solidFill>
+                  <a:schemeClr val="accent2">
+                    <a:lumMod val="50000"/>
+                  </a:schemeClr>
+                </a:solidFill>
+                <a:latin typeface="THE정고딕110" panose="02020603020101020101" pitchFamily="18" charset="-127"/>
+                <a:ea typeface="THE정고딕110" panose="02020603020101020101" pitchFamily="18" charset="-127"/>
+              </a:rPr>
+              <a:t>Socket</a:t>
+            </a:r>
+          </a:p>
+        </p:txBody>
+      </p:sp>
+      <p:sp>
+        <p:nvSpPr>
+          <p:cNvPr id="13" name="직사각형 12">
+            <a:extLst>
+              <a:ext uri="{FF2B5EF4-FFF2-40B4-BE49-F238E27FC236}">
+                <a16:creationId xmlns:a16="http://schemas.microsoft.com/office/drawing/2014/main" id="{23954AA2-3D96-485E-B2C8-9EEB19EFDCD4}"/>
               </a:ext>
             </a:extLst>
           </p:cNvPr>
@@ -7748,8 +8150,8 @@
         </p:nvSpPr>
         <p:spPr>
           <a:xfrm>
-            <a:off x="1559080" y="3900178"/>
-            <a:ext cx="751908" cy="475534"/>
+            <a:off x="916865" y="2150010"/>
+            <a:ext cx="3667132" cy="1108881"/>
           </a:xfrm>
           <a:prstGeom prst="rect">
             <a:avLst/>
@@ -7786,7 +8188,7 @@
           <a:p>
             <a:pPr algn="ctr"/>
             <a:r>
-              <a:rPr lang="ko-KR" altLang="en-US" sz="1400">
+              <a:rPr lang="en-US" altLang="ko-KR" sz="1400">
                 <a:solidFill>
                   <a:schemeClr val="accent2">
                     <a:lumMod val="50000"/>
@@ -7795,26 +8197,17 @@
                 <a:latin typeface="THE정고딕110" panose="02020603020101020101" pitchFamily="18" charset="-127"/>
                 <a:ea typeface="THE정고딕110" panose="02020603020101020101" pitchFamily="18" charset="-127"/>
               </a:rPr>
-              <a:t>객체</a:t>
-            </a:r>
-            <a:endParaRPr lang="en-US" altLang="ko-KR" sz="1400">
-              <a:solidFill>
-                <a:schemeClr val="accent2">
-                  <a:lumMod val="50000"/>
-                </a:schemeClr>
-              </a:solidFill>
-              <a:latin typeface="THE정고딕110" panose="02020603020101020101" pitchFamily="18" charset="-127"/>
-              <a:ea typeface="THE정고딕110" panose="02020603020101020101" pitchFamily="18" charset="-127"/>
-            </a:endParaRPr>
-          </a:p>
-        </p:txBody>
-      </p:sp>
-      <p:sp>
-        <p:nvSpPr>
-          <p:cNvPr id="11" name="직사각형 10">
-            <a:extLst>
-              <a:ext uri="{FF2B5EF4-FFF2-40B4-BE49-F238E27FC236}">
-                <a16:creationId xmlns:a16="http://schemas.microsoft.com/office/drawing/2014/main" id="{B1754982-C3E9-4F8F-9632-5073850AC38B}"/>
+              <a:t>Shared Memory</a:t>
+            </a:r>
+          </a:p>
+        </p:txBody>
+      </p:sp>
+      <p:sp>
+        <p:nvSpPr>
+          <p:cNvPr id="15" name="직사각형 14">
+            <a:extLst>
+              <a:ext uri="{FF2B5EF4-FFF2-40B4-BE49-F238E27FC236}">
+                <a16:creationId xmlns:a16="http://schemas.microsoft.com/office/drawing/2014/main" id="{0710B7EB-700E-4486-959B-1C4D33062409}"/>
               </a:ext>
             </a:extLst>
           </p:cNvPr>
@@ -7823,8 +8216,168 @@
         </p:nvSpPr>
         <p:spPr>
           <a:xfrm>
-            <a:off x="3525706" y="3900178"/>
-            <a:ext cx="751908" cy="475534"/>
+            <a:off x="5314700" y="3403017"/>
+            <a:ext cx="1527576" cy="1108881"/>
+          </a:xfrm>
+          <a:prstGeom prst="rect">
+            <a:avLst/>
+          </a:prstGeom>
+          <a:solidFill>
+            <a:schemeClr val="accent2">
+              <a:lumMod val="50000"/>
+            </a:schemeClr>
+          </a:solidFill>
+          <a:ln>
+            <a:noFill/>
+          </a:ln>
+        </p:spPr>
+        <p:style>
+          <a:lnRef idx="2">
+            <a:schemeClr val="accent1">
+              <a:shade val="50000"/>
+            </a:schemeClr>
+          </a:lnRef>
+          <a:fillRef idx="1">
+            <a:schemeClr val="accent1"/>
+          </a:fillRef>
+          <a:effectRef idx="0">
+            <a:schemeClr val="accent1"/>
+          </a:effectRef>
+          <a:fontRef idx="minor">
+            <a:schemeClr val="lt1"/>
+          </a:fontRef>
+        </p:style>
+        <p:txBody>
+          <a:bodyPr rtlCol="0" anchor="ctr"/>
+          <a:lstStyle/>
+          <a:p>
+            <a:pPr algn="ctr"/>
+            <a:r>
+              <a:rPr lang="en-US" altLang="ko-KR" sz="1400">
+                <a:solidFill>
+                  <a:schemeClr val="accent2">
+                    <a:lumMod val="50000"/>
+                  </a:schemeClr>
+                </a:solidFill>
+                <a:latin typeface="THE정고딕110" panose="02020603020101020101" pitchFamily="18" charset="-127"/>
+                <a:ea typeface="THE정고딕110" panose="02020603020101020101" pitchFamily="18" charset="-127"/>
+              </a:rPr>
+              <a:t>Communication</a:t>
+            </a:r>
+          </a:p>
+          <a:p>
+            <a:pPr algn="ctr"/>
+            <a:r>
+              <a:rPr lang="en-US" altLang="ko-KR" sz="1400">
+                <a:solidFill>
+                  <a:schemeClr val="accent2">
+                    <a:lumMod val="50000"/>
+                  </a:schemeClr>
+                </a:solidFill>
+                <a:latin typeface="THE정고딕110" panose="02020603020101020101" pitchFamily="18" charset="-127"/>
+                <a:ea typeface="THE정고딕110" panose="02020603020101020101" pitchFamily="18" charset="-127"/>
+              </a:rPr>
+              <a:t>Thread</a:t>
+            </a:r>
+          </a:p>
+        </p:txBody>
+      </p:sp>
+      <p:sp>
+        <p:nvSpPr>
+          <p:cNvPr id="16" name="직사각형 15">
+            <a:extLst>
+              <a:ext uri="{FF2B5EF4-FFF2-40B4-BE49-F238E27FC236}">
+                <a16:creationId xmlns:a16="http://schemas.microsoft.com/office/drawing/2014/main" id="{E07BF199-57DE-4EC9-94BC-0881F32B3C37}"/>
+              </a:ext>
+            </a:extLst>
+          </p:cNvPr>
+          <p:cNvSpPr/>
+          <p:nvPr/>
+        </p:nvSpPr>
+        <p:spPr>
+          <a:xfrm>
+            <a:off x="5467100" y="3555417"/>
+            <a:ext cx="1527576" cy="1108881"/>
+          </a:xfrm>
+          <a:prstGeom prst="rect">
+            <a:avLst/>
+          </a:prstGeom>
+          <a:solidFill>
+            <a:schemeClr val="accent2">
+              <a:lumMod val="75000"/>
+            </a:schemeClr>
+          </a:solidFill>
+          <a:ln>
+            <a:noFill/>
+          </a:ln>
+        </p:spPr>
+        <p:style>
+          <a:lnRef idx="2">
+            <a:schemeClr val="accent1">
+              <a:shade val="50000"/>
+            </a:schemeClr>
+          </a:lnRef>
+          <a:fillRef idx="1">
+            <a:schemeClr val="accent1"/>
+          </a:fillRef>
+          <a:effectRef idx="0">
+            <a:schemeClr val="accent1"/>
+          </a:effectRef>
+          <a:fontRef idx="minor">
+            <a:schemeClr val="lt1"/>
+          </a:fontRef>
+        </p:style>
+        <p:txBody>
+          <a:bodyPr rtlCol="0" anchor="ctr"/>
+          <a:lstStyle/>
+          <a:p>
+            <a:pPr algn="ctr"/>
+            <a:r>
+              <a:rPr lang="en-US" altLang="ko-KR" sz="1400">
+                <a:solidFill>
+                  <a:schemeClr val="accent2">
+                    <a:lumMod val="50000"/>
+                  </a:schemeClr>
+                </a:solidFill>
+                <a:latin typeface="THE정고딕110" panose="02020603020101020101" pitchFamily="18" charset="-127"/>
+                <a:ea typeface="THE정고딕110" panose="02020603020101020101" pitchFamily="18" charset="-127"/>
+              </a:rPr>
+              <a:t>Communication</a:t>
+            </a:r>
+          </a:p>
+          <a:p>
+            <a:pPr algn="ctr"/>
+            <a:r>
+              <a:rPr lang="en-US" altLang="ko-KR" sz="1400">
+                <a:solidFill>
+                  <a:schemeClr val="accent2">
+                    <a:lumMod val="50000"/>
+                  </a:schemeClr>
+                </a:solidFill>
+                <a:latin typeface="THE정고딕110" panose="02020603020101020101" pitchFamily="18" charset="-127"/>
+                <a:ea typeface="THE정고딕110" panose="02020603020101020101" pitchFamily="18" charset="-127"/>
+              </a:rPr>
+              <a:t>Thread</a:t>
+            </a:r>
+          </a:p>
+        </p:txBody>
+      </p:sp>
+      <p:sp>
+        <p:nvSpPr>
+          <p:cNvPr id="17" name="직사각형 16">
+            <a:extLst>
+              <a:ext uri="{FF2B5EF4-FFF2-40B4-BE49-F238E27FC236}">
+                <a16:creationId xmlns:a16="http://schemas.microsoft.com/office/drawing/2014/main" id="{76B7E330-91D9-4B40-B6CE-4322675D8AA4}"/>
+              </a:ext>
+            </a:extLst>
+          </p:cNvPr>
+          <p:cNvSpPr/>
+          <p:nvPr/>
+        </p:nvSpPr>
+        <p:spPr>
+          <a:xfrm>
+            <a:off x="5619500" y="3707817"/>
+            <a:ext cx="1527576" cy="1108881"/>
           </a:xfrm>
           <a:prstGeom prst="rect">
             <a:avLst/>
@@ -7861,7 +8414,7 @@
           <a:p>
             <a:pPr algn="ctr"/>
             <a:r>
-              <a:rPr lang="ko-KR" altLang="en-US" sz="1400">
+              <a:rPr lang="en-US" altLang="ko-KR" sz="1400">
                 <a:solidFill>
                   <a:schemeClr val="accent2">
                     <a:lumMod val="50000"/>
@@ -7870,26 +8423,32 @@
                 <a:latin typeface="THE정고딕110" panose="02020603020101020101" pitchFamily="18" charset="-127"/>
                 <a:ea typeface="THE정고딕110" panose="02020603020101020101" pitchFamily="18" charset="-127"/>
               </a:rPr>
-              <a:t>객체</a:t>
-            </a:r>
-            <a:endParaRPr lang="en-US" altLang="ko-KR" sz="1400">
-              <a:solidFill>
-                <a:schemeClr val="accent2">
-                  <a:lumMod val="50000"/>
-                </a:schemeClr>
-              </a:solidFill>
-              <a:latin typeface="THE정고딕110" panose="02020603020101020101" pitchFamily="18" charset="-127"/>
-              <a:ea typeface="THE정고딕110" panose="02020603020101020101" pitchFamily="18" charset="-127"/>
-            </a:endParaRPr>
-          </a:p>
-        </p:txBody>
-      </p:sp>
-      <p:sp>
-        <p:nvSpPr>
-          <p:cNvPr id="12" name="직사각형 11">
-            <a:extLst>
-              <a:ext uri="{FF2B5EF4-FFF2-40B4-BE49-F238E27FC236}">
-                <a16:creationId xmlns:a16="http://schemas.microsoft.com/office/drawing/2014/main" id="{E6B7C53C-3CD4-45EF-BEB1-424C143B47CE}"/>
+              <a:t>Communication</a:t>
+            </a:r>
+          </a:p>
+          <a:p>
+            <a:pPr algn="ctr"/>
+            <a:r>
+              <a:rPr lang="en-US" altLang="ko-KR" sz="1400">
+                <a:solidFill>
+                  <a:schemeClr val="accent2">
+                    <a:lumMod val="50000"/>
+                  </a:schemeClr>
+                </a:solidFill>
+                <a:latin typeface="THE정고딕110" panose="02020603020101020101" pitchFamily="18" charset="-127"/>
+                <a:ea typeface="THE정고딕110" panose="02020603020101020101" pitchFamily="18" charset="-127"/>
+              </a:rPr>
+              <a:t>Thread</a:t>
+            </a:r>
+          </a:p>
+        </p:txBody>
+      </p:sp>
+      <p:sp>
+        <p:nvSpPr>
+          <p:cNvPr id="18" name="직사각형 17">
+            <a:extLst>
+              <a:ext uri="{FF2B5EF4-FFF2-40B4-BE49-F238E27FC236}">
+                <a16:creationId xmlns:a16="http://schemas.microsoft.com/office/drawing/2014/main" id="{60C28458-1699-4056-8D86-6F234461516D}"/>
               </a:ext>
             </a:extLst>
           </p:cNvPr>
@@ -7898,8 +8457,8 @@
         </p:nvSpPr>
         <p:spPr>
           <a:xfrm>
-            <a:off x="636186" y="5925265"/>
-            <a:ext cx="751908" cy="475534"/>
+            <a:off x="5448646" y="2141736"/>
+            <a:ext cx="1527576" cy="1108881"/>
           </a:xfrm>
           <a:prstGeom prst="rect">
             <a:avLst/>
@@ -7936,7 +8495,7 @@
           <a:p>
             <a:pPr algn="ctr"/>
             <a:r>
-              <a:rPr lang="ko-KR" altLang="en-US" sz="1400">
+              <a:rPr lang="en-US" altLang="ko-KR" sz="1400">
                 <a:solidFill>
                   <a:schemeClr val="accent2">
                     <a:lumMod val="50000"/>
@@ -7945,174 +8504,420 @@
                 <a:latin typeface="THE정고딕110" panose="02020603020101020101" pitchFamily="18" charset="-127"/>
                 <a:ea typeface="THE정고딕110" panose="02020603020101020101" pitchFamily="18" charset="-127"/>
               </a:rPr>
-              <a:t>쉐이더</a:t>
-            </a:r>
-            <a:endParaRPr lang="en-US" altLang="ko-KR" sz="1400">
-              <a:solidFill>
-                <a:schemeClr val="accent2">
-                  <a:lumMod val="50000"/>
-                </a:schemeClr>
-              </a:solidFill>
-              <a:latin typeface="THE정고딕110" panose="02020603020101020101" pitchFamily="18" charset="-127"/>
-              <a:ea typeface="THE정고딕110" panose="02020603020101020101" pitchFamily="18" charset="-127"/>
-            </a:endParaRPr>
-          </a:p>
-        </p:txBody>
-      </p:sp>
-      <p:sp>
-        <p:nvSpPr>
-          <p:cNvPr id="13" name="직사각형 12">
-            <a:extLst>
-              <a:ext uri="{FF2B5EF4-FFF2-40B4-BE49-F238E27FC236}">
-                <a16:creationId xmlns:a16="http://schemas.microsoft.com/office/drawing/2014/main" id="{790221BE-3932-4800-BF18-BA369973FA5C}"/>
-              </a:ext>
-            </a:extLst>
-          </p:cNvPr>
-          <p:cNvSpPr/>
+              <a:t>Game</a:t>
+            </a:r>
+          </a:p>
+          <a:p>
+            <a:pPr algn="ctr"/>
+            <a:r>
+              <a:rPr lang="en-US" altLang="ko-KR" sz="1400">
+                <a:solidFill>
+                  <a:schemeClr val="accent2">
+                    <a:lumMod val="50000"/>
+                  </a:schemeClr>
+                </a:solidFill>
+                <a:latin typeface="THE정고딕110" panose="02020603020101020101" pitchFamily="18" charset="-127"/>
+                <a:ea typeface="THE정고딕110" panose="02020603020101020101" pitchFamily="18" charset="-127"/>
+              </a:rPr>
+              <a:t>Thread</a:t>
+            </a:r>
+          </a:p>
+        </p:txBody>
+      </p:sp>
+      <p:cxnSp>
+        <p:nvCxnSpPr>
+          <p:cNvPr id="6" name="직선 화살표 연결선 5">
+            <a:extLst>
+              <a:ext uri="{FF2B5EF4-FFF2-40B4-BE49-F238E27FC236}">
+                <a16:creationId xmlns:a16="http://schemas.microsoft.com/office/drawing/2014/main" id="{EFD584E1-6253-4271-B6CB-692C85C19DEC}"/>
+              </a:ext>
+            </a:extLst>
+          </p:cNvPr>
+          <p:cNvCxnSpPr/>
           <p:nvPr/>
-        </p:nvSpPr>
+        </p:nvCxnSpPr>
         <p:spPr>
           <a:xfrm>
-            <a:off x="1559080" y="5925265"/>
-            <a:ext cx="751908" cy="475534"/>
+            <a:off x="4566656" y="2425566"/>
+            <a:ext cx="881990" cy="0"/>
+          </a:xfrm>
+          <a:prstGeom prst="straightConnector1">
+            <a:avLst/>
+          </a:prstGeom>
+          <a:ln w="28575">
+            <a:solidFill>
+              <a:schemeClr val="accent2">
+                <a:lumMod val="75000"/>
+              </a:schemeClr>
+            </a:solidFill>
+            <a:tailEnd type="triangle"/>
+          </a:ln>
+        </p:spPr>
+        <p:style>
+          <a:lnRef idx="1">
+            <a:schemeClr val="accent1"/>
+          </a:lnRef>
+          <a:fillRef idx="0">
+            <a:schemeClr val="accent1"/>
+          </a:fillRef>
+          <a:effectRef idx="0">
+            <a:schemeClr val="accent1"/>
+          </a:effectRef>
+          <a:fontRef idx="minor">
+            <a:schemeClr val="tx1"/>
+          </a:fontRef>
+        </p:style>
+      </p:cxnSp>
+      <p:cxnSp>
+        <p:nvCxnSpPr>
+          <p:cNvPr id="9" name="직선 화살표 연결선 8">
+            <a:extLst>
+              <a:ext uri="{FF2B5EF4-FFF2-40B4-BE49-F238E27FC236}">
+                <a16:creationId xmlns:a16="http://schemas.microsoft.com/office/drawing/2014/main" id="{2D971725-00E3-4EA0-A595-3DDBA99BE03F}"/>
+              </a:ext>
+            </a:extLst>
+          </p:cNvPr>
+          <p:cNvCxnSpPr/>
+          <p:nvPr/>
+        </p:nvCxnSpPr>
+        <p:spPr>
+          <a:xfrm flipH="1">
+            <a:off x="4583997" y="2935705"/>
+            <a:ext cx="864649" cy="0"/>
+          </a:xfrm>
+          <a:prstGeom prst="straightConnector1">
+            <a:avLst/>
+          </a:prstGeom>
+          <a:ln w="28575">
+            <a:solidFill>
+              <a:schemeClr val="accent2">
+                <a:lumMod val="75000"/>
+              </a:schemeClr>
+            </a:solidFill>
+            <a:tailEnd type="triangle"/>
+          </a:ln>
+        </p:spPr>
+        <p:style>
+          <a:lnRef idx="1">
+            <a:schemeClr val="accent1"/>
+          </a:lnRef>
+          <a:fillRef idx="0">
+            <a:schemeClr val="accent1"/>
+          </a:fillRef>
+          <a:effectRef idx="0">
+            <a:schemeClr val="accent1"/>
+          </a:effectRef>
+          <a:fontRef idx="minor">
+            <a:schemeClr val="tx1"/>
+          </a:fontRef>
+        </p:style>
+      </p:cxnSp>
+      <p:cxnSp>
+        <p:nvCxnSpPr>
+          <p:cNvPr id="25" name="직선 화살표 연결선 24">
+            <a:extLst>
+              <a:ext uri="{FF2B5EF4-FFF2-40B4-BE49-F238E27FC236}">
+                <a16:creationId xmlns:a16="http://schemas.microsoft.com/office/drawing/2014/main" id="{43862574-CBB0-44FB-BD3B-997BC5FC7961}"/>
+              </a:ext>
+            </a:extLst>
+          </p:cNvPr>
+          <p:cNvCxnSpPr/>
+          <p:nvPr/>
+        </p:nvCxnSpPr>
+        <p:spPr>
+          <a:xfrm>
+            <a:off x="4566656" y="3790749"/>
+            <a:ext cx="881990" cy="0"/>
+          </a:xfrm>
+          <a:prstGeom prst="straightConnector1">
+            <a:avLst/>
+          </a:prstGeom>
+          <a:ln w="28575">
+            <a:solidFill>
+              <a:schemeClr val="accent2">
+                <a:lumMod val="75000"/>
+              </a:schemeClr>
+            </a:solidFill>
+            <a:tailEnd type="triangle"/>
+          </a:ln>
+        </p:spPr>
+        <p:style>
+          <a:lnRef idx="1">
+            <a:schemeClr val="accent1"/>
+          </a:lnRef>
+          <a:fillRef idx="0">
+            <a:schemeClr val="accent1"/>
+          </a:fillRef>
+          <a:effectRef idx="0">
+            <a:schemeClr val="accent1"/>
+          </a:effectRef>
+          <a:fontRef idx="minor">
+            <a:schemeClr val="tx1"/>
+          </a:fontRef>
+        </p:style>
+      </p:cxnSp>
+      <p:cxnSp>
+        <p:nvCxnSpPr>
+          <p:cNvPr id="26" name="직선 화살표 연결선 25">
+            <a:extLst>
+              <a:ext uri="{FF2B5EF4-FFF2-40B4-BE49-F238E27FC236}">
+                <a16:creationId xmlns:a16="http://schemas.microsoft.com/office/drawing/2014/main" id="{8F74A975-A6AD-42E9-9DBE-F7C0CEC2CDC9}"/>
+              </a:ext>
+            </a:extLst>
+          </p:cNvPr>
+          <p:cNvCxnSpPr/>
+          <p:nvPr/>
+        </p:nvCxnSpPr>
+        <p:spPr>
+          <a:xfrm flipH="1">
+            <a:off x="4566656" y="4185385"/>
+            <a:ext cx="864649" cy="0"/>
+          </a:xfrm>
+          <a:prstGeom prst="straightConnector1">
+            <a:avLst/>
+          </a:prstGeom>
+          <a:ln w="28575">
+            <a:solidFill>
+              <a:schemeClr val="accent2">
+                <a:lumMod val="75000"/>
+              </a:schemeClr>
+            </a:solidFill>
+            <a:tailEnd type="triangle"/>
+          </a:ln>
+        </p:spPr>
+        <p:style>
+          <a:lnRef idx="1">
+            <a:schemeClr val="accent1"/>
+          </a:lnRef>
+          <a:fillRef idx="0">
+            <a:schemeClr val="accent1"/>
+          </a:fillRef>
+          <a:effectRef idx="0">
+            <a:schemeClr val="accent1"/>
+          </a:effectRef>
+          <a:fontRef idx="minor">
+            <a:schemeClr val="tx1"/>
+          </a:fontRef>
+        </p:style>
+      </p:cxnSp>
+      <p:sp>
+        <p:nvSpPr>
+          <p:cNvPr id="10" name="TextBox 9">
+            <a:extLst>
+              <a:ext uri="{FF2B5EF4-FFF2-40B4-BE49-F238E27FC236}">
+                <a16:creationId xmlns:a16="http://schemas.microsoft.com/office/drawing/2014/main" id="{321B4C9E-4F00-46CC-A70F-41D0CA1A4AC2}"/>
+              </a:ext>
+            </a:extLst>
+          </p:cNvPr>
+          <p:cNvSpPr txBox="1"/>
+          <p:nvPr/>
+        </p:nvSpPr>
+        <p:spPr>
+          <a:xfrm>
+            <a:off x="4375084" y="2495179"/>
+            <a:ext cx="1164101" cy="369332"/>
           </a:xfrm>
           <a:prstGeom prst="rect">
             <a:avLst/>
           </a:prstGeom>
-          <a:solidFill>
-            <a:schemeClr val="accent2">
-              <a:lumMod val="60000"/>
-              <a:lumOff val="40000"/>
-            </a:schemeClr>
-          </a:solidFill>
-          <a:ln>
-            <a:noFill/>
+          <a:noFill/>
+        </p:spPr>
+        <p:txBody>
+          <a:bodyPr wrap="none" rtlCol="0">
+            <a:spAutoFit/>
+          </a:bodyPr>
+          <a:lstStyle/>
+          <a:p>
+            <a:r>
+              <a:rPr lang="en-US" altLang="ko-KR">
+                <a:latin typeface="THE정고딕110" panose="02020603020101020101" pitchFamily="18" charset="-127"/>
+                <a:ea typeface="THE정고딕110" panose="02020603020101020101" pitchFamily="18" charset="-127"/>
+              </a:rPr>
+              <a:t>Update()</a:t>
+            </a:r>
+            <a:endParaRPr lang="ko-KR" altLang="en-US">
+              <a:latin typeface="THE정고딕110" panose="02020603020101020101" pitchFamily="18" charset="-127"/>
+              <a:ea typeface="THE정고딕110" panose="02020603020101020101" pitchFamily="18" charset="-127"/>
+            </a:endParaRPr>
+          </a:p>
+        </p:txBody>
+      </p:sp>
+      <p:cxnSp>
+        <p:nvCxnSpPr>
+          <p:cNvPr id="28" name="직선 화살표 연결선 27">
+            <a:extLst>
+              <a:ext uri="{FF2B5EF4-FFF2-40B4-BE49-F238E27FC236}">
+                <a16:creationId xmlns:a16="http://schemas.microsoft.com/office/drawing/2014/main" id="{ABDECB40-C141-489F-9828-87A16DB1C57B}"/>
+              </a:ext>
+            </a:extLst>
+          </p:cNvPr>
+          <p:cNvCxnSpPr/>
+          <p:nvPr/>
+        </p:nvCxnSpPr>
+        <p:spPr>
+          <a:xfrm>
+            <a:off x="7147076" y="3790749"/>
+            <a:ext cx="881990" cy="0"/>
+          </a:xfrm>
+          <a:prstGeom prst="straightConnector1">
+            <a:avLst/>
+          </a:prstGeom>
+          <a:ln w="28575">
+            <a:solidFill>
+              <a:schemeClr val="accent2">
+                <a:lumMod val="75000"/>
+              </a:schemeClr>
+            </a:solidFill>
+            <a:tailEnd type="triangle"/>
           </a:ln>
         </p:spPr>
         <p:style>
-          <a:lnRef idx="2">
-            <a:schemeClr val="accent1">
-              <a:shade val="50000"/>
-            </a:schemeClr>
+          <a:lnRef idx="1">
+            <a:schemeClr val="accent1"/>
           </a:lnRef>
-          <a:fillRef idx="1">
+          <a:fillRef idx="0">
             <a:schemeClr val="accent1"/>
           </a:fillRef>
           <a:effectRef idx="0">
             <a:schemeClr val="accent1"/>
           </a:effectRef>
           <a:fontRef idx="minor">
-            <a:schemeClr val="lt1"/>
+            <a:schemeClr val="tx1"/>
           </a:fontRef>
         </p:style>
-        <p:txBody>
-          <a:bodyPr rtlCol="0" anchor="ctr"/>
-          <a:lstStyle/>
-          <a:p>
-            <a:pPr algn="ctr"/>
-            <a:r>
-              <a:rPr lang="ko-KR" altLang="en-US" sz="1400">
-                <a:solidFill>
-                  <a:schemeClr val="accent2">
-                    <a:lumMod val="50000"/>
-                  </a:schemeClr>
-                </a:solidFill>
-                <a:latin typeface="THE정고딕110" panose="02020603020101020101" pitchFamily="18" charset="-127"/>
-                <a:ea typeface="THE정고딕110" panose="02020603020101020101" pitchFamily="18" charset="-127"/>
-              </a:rPr>
-              <a:t>에서쓸</a:t>
-            </a:r>
-            <a:endParaRPr lang="en-US" altLang="ko-KR" sz="1400">
-              <a:solidFill>
-                <a:schemeClr val="accent2">
-                  <a:lumMod val="50000"/>
-                </a:schemeClr>
-              </a:solidFill>
-              <a:latin typeface="THE정고딕110" panose="02020603020101020101" pitchFamily="18" charset="-127"/>
-              <a:ea typeface="THE정고딕110" panose="02020603020101020101" pitchFamily="18" charset="-127"/>
-            </a:endParaRPr>
-          </a:p>
-        </p:txBody>
-      </p:sp>
-      <p:sp>
-        <p:nvSpPr>
-          <p:cNvPr id="14" name="직사각형 13">
-            <a:extLst>
-              <a:ext uri="{FF2B5EF4-FFF2-40B4-BE49-F238E27FC236}">
-                <a16:creationId xmlns:a16="http://schemas.microsoft.com/office/drawing/2014/main" id="{2914E1A2-C75B-48DC-9BA0-B498537D41C9}"/>
-              </a:ext>
-            </a:extLst>
-          </p:cNvPr>
-          <p:cNvSpPr/>
+      </p:cxnSp>
+      <p:cxnSp>
+        <p:nvCxnSpPr>
+          <p:cNvPr id="29" name="직선 화살표 연결선 28">
+            <a:extLst>
+              <a:ext uri="{FF2B5EF4-FFF2-40B4-BE49-F238E27FC236}">
+                <a16:creationId xmlns:a16="http://schemas.microsoft.com/office/drawing/2014/main" id="{AFF93FF0-5AE7-4940-AC5B-48AC48BD53D0}"/>
+              </a:ext>
+            </a:extLst>
+          </p:cNvPr>
+          <p:cNvCxnSpPr/>
+          <p:nvPr/>
+        </p:nvCxnSpPr>
+        <p:spPr>
+          <a:xfrm flipH="1">
+            <a:off x="7147076" y="4185385"/>
+            <a:ext cx="864649" cy="0"/>
+          </a:xfrm>
+          <a:prstGeom prst="straightConnector1">
+            <a:avLst/>
+          </a:prstGeom>
+          <a:ln w="28575">
+            <a:solidFill>
+              <a:schemeClr val="accent2">
+                <a:lumMod val="75000"/>
+              </a:schemeClr>
+            </a:solidFill>
+            <a:tailEnd type="triangle"/>
+          </a:ln>
+        </p:spPr>
+        <p:style>
+          <a:lnRef idx="1">
+            <a:schemeClr val="accent1"/>
+          </a:lnRef>
+          <a:fillRef idx="0">
+            <a:schemeClr val="accent1"/>
+          </a:fillRef>
+          <a:effectRef idx="0">
+            <a:schemeClr val="accent1"/>
+          </a:effectRef>
+          <a:fontRef idx="minor">
+            <a:schemeClr val="tx1"/>
+          </a:fontRef>
+        </p:style>
+      </p:cxnSp>
+      <p:sp>
+        <p:nvSpPr>
+          <p:cNvPr id="12" name="TextBox 11">
+            <a:extLst>
+              <a:ext uri="{FF2B5EF4-FFF2-40B4-BE49-F238E27FC236}">
+                <a16:creationId xmlns:a16="http://schemas.microsoft.com/office/drawing/2014/main" id="{44D26A90-3849-4155-831E-43E5CC81544A}"/>
+              </a:ext>
+            </a:extLst>
+          </p:cNvPr>
+          <p:cNvSpPr txBox="1"/>
           <p:nvPr/>
         </p:nvSpPr>
         <p:spPr>
           <a:xfrm>
-            <a:off x="3525706" y="5925265"/>
-            <a:ext cx="751908" cy="475534"/>
+            <a:off x="8122498" y="3606083"/>
+            <a:ext cx="881973" cy="369332"/>
           </a:xfrm>
           <a:prstGeom prst="rect">
             <a:avLst/>
           </a:prstGeom>
-          <a:solidFill>
-            <a:schemeClr val="accent2">
-              <a:lumMod val="60000"/>
-              <a:lumOff val="40000"/>
-            </a:schemeClr>
-          </a:solidFill>
-          <a:ln>
-            <a:noFill/>
-          </a:ln>
+          <a:noFill/>
         </p:spPr>
-        <p:style>
-          <a:lnRef idx="2">
-            <a:schemeClr val="accent1">
-              <a:shade val="50000"/>
-            </a:schemeClr>
-          </a:lnRef>
-          <a:fillRef idx="1">
-            <a:schemeClr val="accent1"/>
-          </a:fillRef>
-          <a:effectRef idx="0">
-            <a:schemeClr val="accent1"/>
-          </a:effectRef>
-          <a:fontRef idx="minor">
-            <a:schemeClr val="lt1"/>
-          </a:fontRef>
-        </p:style>
-        <p:txBody>
-          <a:bodyPr rtlCol="0" anchor="ctr"/>
-          <a:lstStyle/>
-          <a:p>
-            <a:pPr algn="ctr"/>
-            <a:r>
-              <a:rPr lang="ko-KR" altLang="en-US" sz="1400">
-                <a:solidFill>
-                  <a:schemeClr val="accent2">
-                    <a:lumMod val="50000"/>
-                  </a:schemeClr>
-                </a:solidFill>
+        <p:txBody>
+          <a:bodyPr wrap="none" rtlCol="0">
+            <a:spAutoFit/>
+          </a:bodyPr>
+          <a:lstStyle/>
+          <a:p>
+            <a:r>
+              <a:rPr lang="en-US" altLang="ko-KR">
                 <a:latin typeface="THE정고딕110" panose="02020603020101020101" pitchFamily="18" charset="-127"/>
                 <a:ea typeface="THE정고딕110" panose="02020603020101020101" pitchFamily="18" charset="-127"/>
               </a:rPr>
-              <a:t>내용들</a:t>
-            </a:r>
-            <a:endParaRPr lang="en-US" altLang="ko-KR" sz="1400">
-              <a:solidFill>
-                <a:schemeClr val="accent2">
-                  <a:lumMod val="50000"/>
-                </a:schemeClr>
-              </a:solidFill>
+              <a:t>Send()</a:t>
+            </a:r>
+            <a:endParaRPr lang="ko-KR" altLang="en-US">
               <a:latin typeface="THE정고딕110" panose="02020603020101020101" pitchFamily="18" charset="-127"/>
               <a:ea typeface="THE정고딕110" panose="02020603020101020101" pitchFamily="18" charset="-127"/>
             </a:endParaRPr>
           </a:p>
         </p:txBody>
       </p:sp>
+      <p:sp>
+        <p:nvSpPr>
+          <p:cNvPr id="31" name="TextBox 30">
+            <a:extLst>
+              <a:ext uri="{FF2B5EF4-FFF2-40B4-BE49-F238E27FC236}">
+                <a16:creationId xmlns:a16="http://schemas.microsoft.com/office/drawing/2014/main" id="{CCD9653C-19BB-4100-BC2F-67C11439013C}"/>
+              </a:ext>
+            </a:extLst>
+          </p:cNvPr>
+          <p:cNvSpPr txBox="1"/>
+          <p:nvPr/>
+        </p:nvSpPr>
+        <p:spPr>
+          <a:xfrm>
+            <a:off x="8122498" y="4000719"/>
+            <a:ext cx="854401" cy="369332"/>
+          </a:xfrm>
+          <a:prstGeom prst="rect">
+            <a:avLst/>
+          </a:prstGeom>
+          <a:noFill/>
+        </p:spPr>
+        <p:txBody>
+          <a:bodyPr wrap="none" rtlCol="0">
+            <a:spAutoFit/>
+          </a:bodyPr>
+          <a:lstStyle/>
+          <a:p>
+            <a:r>
+              <a:rPr lang="en-US" altLang="ko-KR">
+                <a:latin typeface="THE정고딕110" panose="02020603020101020101" pitchFamily="18" charset="-127"/>
+                <a:ea typeface="THE정고딕110" panose="02020603020101020101" pitchFamily="18" charset="-127"/>
+              </a:rPr>
+              <a:t>Recv()</a:t>
+            </a:r>
+            <a:endParaRPr lang="ko-KR" altLang="en-US">
+              <a:latin typeface="THE정고딕110" panose="02020603020101020101" pitchFamily="18" charset="-127"/>
+              <a:ea typeface="THE정고딕110" panose="02020603020101020101" pitchFamily="18" charset="-127"/>
+            </a:endParaRPr>
+          </a:p>
+        </p:txBody>
+      </p:sp>
     </p:spTree>
     <p:extLst>
       <p:ext uri="{BB962C8B-B14F-4D97-AF65-F5344CB8AC3E}">
-        <p14:creationId xmlns:p14="http://schemas.microsoft.com/office/powerpoint/2010/main" val="2674636084"/>
+        <p14:creationId xmlns:p14="http://schemas.microsoft.com/office/powerpoint/2010/main" val="291515232"/>
       </p:ext>
     </p:extLst>
   </p:cSld>

--- a/문서/생각정리.pptx
+++ b/문서/생각정리.pptx
@@ -5,12 +5,13 @@
     <p:sldMasterId id="2147483648" r:id="rId1"/>
   </p:sldMasterIdLst>
   <p:notesMasterIdLst>
-    <p:notesMasterId r:id="rId5"/>
+    <p:notesMasterId r:id="rId6"/>
   </p:notesMasterIdLst>
   <p:sldIdLst>
     <p:sldId id="256" r:id="rId2"/>
     <p:sldId id="257" r:id="rId3"/>
     <p:sldId id="258" r:id="rId4"/>
+    <p:sldId id="259" r:id="rId5"/>
   </p:sldIdLst>
   <p:sldSz cx="12192000" cy="6858000"/>
   <p:notesSz cx="6858000" cy="9144000"/>
@@ -199,7 +200,7 @@
           <a:p>
             <a:fld id="{744E812C-DC74-4926-B257-E8B8B1303800}" type="datetimeFigureOut">
               <a:rPr lang="ko-KR" altLang="en-US" smtClean="0"/>
-              <a:t>2019-01-21</a:t>
+              <a:t>2019-03-17</a:t>
             </a:fld>
             <a:endParaRPr lang="ko-KR" altLang="en-US"/>
           </a:p>
@@ -1603,6 +1604,975 @@
 </p:notes>
 </file>
 
+<file path=ppt/notesSlides/notesSlide4.xml><?xml version="1.0" encoding="utf-8"?>
+<p:notes xmlns:a="http://schemas.openxmlformats.org/drawingml/2006/main" xmlns:r="http://schemas.openxmlformats.org/officeDocument/2006/relationships" xmlns:p="http://schemas.openxmlformats.org/presentationml/2006/main">
+  <p:cSld>
+    <p:spTree>
+      <p:nvGrpSpPr>
+        <p:cNvPr id="1" name=""/>
+        <p:cNvGrpSpPr/>
+        <p:nvPr/>
+      </p:nvGrpSpPr>
+      <p:grpSpPr>
+        <a:xfrm>
+          <a:off x="0" y="0"/>
+          <a:ext cx="0" cy="0"/>
+          <a:chOff x="0" y="0"/>
+          <a:chExt cx="0" cy="0"/>
+        </a:xfrm>
+      </p:grpSpPr>
+      <p:sp>
+        <p:nvSpPr>
+          <p:cNvPr id="2" name="슬라이드 이미지 개체 틀 1"/>
+          <p:cNvSpPr>
+            <a:spLocks noGrp="1" noRot="1" noChangeAspect="1"/>
+          </p:cNvSpPr>
+          <p:nvPr>
+            <p:ph type="sldImg"/>
+          </p:nvPr>
+        </p:nvSpPr>
+        <p:spPr/>
+      </p:sp>
+      <p:sp>
+        <p:nvSpPr>
+          <p:cNvPr id="3" name="슬라이드 노트 개체 틀 2"/>
+          <p:cNvSpPr>
+            <a:spLocks noGrp="1"/>
+          </p:cNvSpPr>
+          <p:nvPr>
+            <p:ph type="body" idx="1"/>
+          </p:nvPr>
+        </p:nvSpPr>
+        <p:spPr/>
+        <p:txBody>
+          <a:bodyPr/>
+          <a:lstStyle/>
+          <a:p>
+            <a:r>
+              <a:rPr lang="ko-KR" altLang="en-US"/>
+              <a:t>알고있는대로 정리하기</a:t>
+            </a:r>
+            <a:endParaRPr lang="en-US" altLang="ko-KR"/>
+          </a:p>
+          <a:p>
+            <a:endParaRPr lang="en-US" altLang="ko-KR"/>
+          </a:p>
+          <a:p>
+            <a:r>
+              <a:rPr lang="ko-KR" altLang="en-US"/>
+              <a:t>루트시그니처를 만든다</a:t>
+            </a:r>
+            <a:r>
+              <a:rPr lang="en-US" altLang="ko-KR"/>
+              <a:t>.</a:t>
+            </a:r>
+          </a:p>
+          <a:p>
+            <a:r>
+              <a:rPr lang="ko-KR" altLang="en-US"/>
+              <a:t>여기에선 루트 파라미터 몇 번이 </a:t>
+            </a:r>
+            <a:r>
+              <a:rPr lang="en-US" altLang="ko-KR"/>
+              <a:t>hlsl</a:t>
+            </a:r>
+            <a:r>
+              <a:rPr lang="ko-KR" altLang="en-US"/>
+              <a:t>의 버퍼와 연결되는지 서술</a:t>
+            </a:r>
+            <a:r>
+              <a:rPr lang="en-US" altLang="ko-KR"/>
+              <a:t>.</a:t>
+            </a:r>
+          </a:p>
+          <a:p>
+            <a:endParaRPr lang="en-US" altLang="ko-KR"/>
+          </a:p>
+          <a:p>
+            <a:r>
+              <a:rPr lang="en-US" altLang="ko-KR"/>
+              <a:t>PSO</a:t>
+            </a:r>
+            <a:r>
+              <a:rPr lang="ko-KR" altLang="en-US"/>
+              <a:t>를 만든다</a:t>
+            </a:r>
+            <a:r>
+              <a:rPr lang="en-US" altLang="ko-KR"/>
+              <a:t>.</a:t>
+            </a:r>
+          </a:p>
+          <a:p>
+            <a:r>
+              <a:rPr lang="en-US" altLang="ko-KR"/>
+              <a:t>PSO</a:t>
+            </a:r>
+            <a:r>
+              <a:rPr lang="ko-KR" altLang="en-US"/>
+              <a:t>는 쉐이더에 어떤 내용을 전해줄 것인지</a:t>
+            </a:r>
+            <a:r>
+              <a:rPr lang="en-US" altLang="ko-KR"/>
+              <a:t>, </a:t>
+            </a:r>
+            <a:r>
+              <a:rPr lang="ko-KR" altLang="en-US"/>
+              <a:t>어떤 쉐이더 함수와 연결할 것인지 등 렌더링 파이프라인에 대한 내용을 담고 있다</a:t>
+            </a:r>
+            <a:r>
+              <a:rPr lang="en-US" altLang="ko-KR"/>
+              <a:t>.</a:t>
+            </a:r>
+          </a:p>
+          <a:p>
+            <a:endParaRPr lang="en-US" altLang="ko-KR"/>
+          </a:p>
+          <a:p>
+            <a:r>
+              <a:rPr lang="en-US" altLang="ko-KR"/>
+              <a:t>Scene</a:t>
+            </a:r>
+            <a:r>
+              <a:rPr lang="ko-KR" altLang="en-US"/>
+              <a:t>에서는 서술자 힙을 만들고 상수버퍼도 만들고 상수버퍼 매핑도 해주고 상수버퍼에 각 오브젝트들이 접근할 수 있게</a:t>
+            </a:r>
+            <a:endParaRPr lang="en-US" altLang="ko-KR"/>
+          </a:p>
+          <a:p>
+            <a:r>
+              <a:rPr lang="ko-KR" altLang="en-US"/>
+              <a:t>상수버퍼 서술자도 만들어주고 한다</a:t>
+            </a:r>
+            <a:r>
+              <a:rPr lang="en-US" altLang="ko-KR"/>
+              <a:t>.</a:t>
+            </a:r>
+          </a:p>
+          <a:p>
+            <a:endParaRPr lang="en-US" altLang="ko-KR"/>
+          </a:p>
+          <a:p>
+            <a:r>
+              <a:rPr lang="ko-KR" altLang="en-US"/>
+              <a:t>서술자 힙을 생성하면 </a:t>
+            </a:r>
+            <a:r>
+              <a:rPr lang="en-US" altLang="ko-KR" sz="1200" kern="1200">
+                <a:solidFill>
+                  <a:schemeClr val="tx1"/>
+                </a:solidFill>
+                <a:latin typeface="+mn-lt"/>
+                <a:ea typeface="+mn-ea"/>
+                <a:cs typeface="+mn-cs"/>
+              </a:rPr>
+              <a:t>GetGPUDescriptorHandleForHeapStart() </a:t>
+            </a:r>
+            <a:r>
+              <a:rPr lang="ko-KR" altLang="en-US" sz="1200" kern="1200">
+                <a:solidFill>
+                  <a:schemeClr val="tx1"/>
+                </a:solidFill>
+                <a:latin typeface="+mn-lt"/>
+                <a:ea typeface="+mn-ea"/>
+                <a:cs typeface="+mn-cs"/>
+              </a:rPr>
+              <a:t>등을 통해서 </a:t>
+            </a:r>
+            <a:r>
+              <a:rPr lang="en-US" altLang="ko-KR" sz="1200" kern="1200">
+                <a:solidFill>
+                  <a:schemeClr val="tx1"/>
+                </a:solidFill>
+                <a:latin typeface="+mn-lt"/>
+                <a:ea typeface="+mn-ea"/>
+                <a:cs typeface="+mn-cs"/>
+              </a:rPr>
+              <a:t>m_d3dCbvGPUDescriptorStartHandle</a:t>
+            </a:r>
+            <a:r>
+              <a:rPr lang="ko-KR" altLang="en-US" sz="1200" kern="1200">
+                <a:solidFill>
+                  <a:schemeClr val="tx1"/>
+                </a:solidFill>
+                <a:latin typeface="+mn-lt"/>
+                <a:ea typeface="+mn-ea"/>
+                <a:cs typeface="+mn-cs"/>
+              </a:rPr>
+              <a:t>를 얻을 수 있다</a:t>
+            </a:r>
+            <a:r>
+              <a:rPr lang="en-US" altLang="ko-KR" sz="1200" kern="1200">
+                <a:solidFill>
+                  <a:schemeClr val="tx1"/>
+                </a:solidFill>
+                <a:latin typeface="+mn-lt"/>
+                <a:ea typeface="+mn-ea"/>
+                <a:cs typeface="+mn-cs"/>
+              </a:rPr>
+              <a:t>.</a:t>
+            </a:r>
+          </a:p>
+          <a:p>
+            <a:r>
+              <a:rPr lang="en-US" altLang="ko-KR" sz="1200" kern="1200">
+                <a:solidFill>
+                  <a:schemeClr val="tx1"/>
+                </a:solidFill>
+                <a:latin typeface="+mn-lt"/>
+                <a:ea typeface="+mn-ea"/>
+                <a:cs typeface="+mn-cs"/>
+              </a:rPr>
+              <a:t>m_d3dCbvGPUDescriptorStartHandle</a:t>
+            </a:r>
+            <a:r>
+              <a:rPr lang="ko-KR" altLang="en-US" sz="1200" kern="1200">
+                <a:solidFill>
+                  <a:schemeClr val="tx1"/>
+                </a:solidFill>
+                <a:latin typeface="+mn-lt"/>
+                <a:ea typeface="+mn-ea"/>
+                <a:cs typeface="+mn-cs"/>
+              </a:rPr>
+              <a:t>를 가지고 각 </a:t>
+            </a:r>
+            <a:r>
+              <a:rPr lang="en-US" altLang="ko-KR" sz="1200" kern="1200">
+                <a:solidFill>
+                  <a:schemeClr val="tx1"/>
+                </a:solidFill>
+                <a:latin typeface="+mn-lt"/>
+                <a:ea typeface="+mn-ea"/>
+                <a:cs typeface="+mn-cs"/>
+              </a:rPr>
+              <a:t>Object</a:t>
+            </a:r>
+            <a:r>
+              <a:rPr lang="ko-KR" altLang="en-US" sz="1200" kern="1200">
+                <a:solidFill>
+                  <a:schemeClr val="tx1"/>
+                </a:solidFill>
+                <a:latin typeface="+mn-lt"/>
+                <a:ea typeface="+mn-ea"/>
+                <a:cs typeface="+mn-cs"/>
+              </a:rPr>
+              <a:t>별로 상수버퍼 서술자를 만들어 준다</a:t>
+            </a:r>
+            <a:r>
+              <a:rPr lang="en-US" altLang="ko-KR" sz="1200" kern="1200">
+                <a:solidFill>
+                  <a:schemeClr val="tx1"/>
+                </a:solidFill>
+                <a:latin typeface="+mn-lt"/>
+                <a:ea typeface="+mn-ea"/>
+                <a:cs typeface="+mn-cs"/>
+              </a:rPr>
+              <a:t>.(</a:t>
+            </a:r>
+            <a:r>
+              <a:rPr lang="ko-KR" altLang="en-US" sz="1200" kern="1200">
+                <a:solidFill>
+                  <a:schemeClr val="tx1"/>
+                </a:solidFill>
+                <a:latin typeface="+mn-lt"/>
+                <a:ea typeface="+mn-ea"/>
+                <a:cs typeface="+mn-cs"/>
+              </a:rPr>
+              <a:t>이거 할 때 </a:t>
+            </a:r>
+            <a:r>
+              <a:rPr lang="en-US" altLang="ko-KR" sz="1200" kern="1200">
+                <a:solidFill>
+                  <a:schemeClr val="tx1"/>
+                </a:solidFill>
+                <a:latin typeface="+mn-lt"/>
+                <a:ea typeface="+mn-ea"/>
+                <a:cs typeface="+mn-cs"/>
+              </a:rPr>
+              <a:t>d3dCBVDesc.BufferLocation</a:t>
+            </a:r>
+            <a:r>
+              <a:rPr lang="ko-KR" altLang="en-US" sz="1200" kern="1200">
+                <a:solidFill>
+                  <a:schemeClr val="tx1"/>
+                </a:solidFill>
+                <a:latin typeface="+mn-lt"/>
+                <a:ea typeface="+mn-ea"/>
+                <a:cs typeface="+mn-cs"/>
+              </a:rPr>
+              <a:t>를 사용함</a:t>
+            </a:r>
+            <a:r>
+              <a:rPr lang="en-US" altLang="ko-KR" sz="1200" kern="1200">
+                <a:solidFill>
+                  <a:schemeClr val="tx1"/>
+                </a:solidFill>
+                <a:latin typeface="+mn-lt"/>
+                <a:ea typeface="+mn-ea"/>
+                <a:cs typeface="+mn-cs"/>
+              </a:rPr>
+              <a:t>)</a:t>
+            </a:r>
+          </a:p>
+          <a:p>
+            <a:endParaRPr lang="en-US" altLang="ko-KR" sz="1200" kern="1200">
+              <a:solidFill>
+                <a:schemeClr val="tx1"/>
+              </a:solidFill>
+              <a:latin typeface="+mn-lt"/>
+              <a:ea typeface="+mn-ea"/>
+              <a:cs typeface="+mn-cs"/>
+            </a:endParaRPr>
+          </a:p>
+          <a:p>
+            <a:r>
+              <a:rPr lang="ko-KR" altLang="en-US" sz="1200" kern="1200">
+                <a:solidFill>
+                  <a:schemeClr val="tx1"/>
+                </a:solidFill>
+                <a:latin typeface="+mn-lt"/>
+                <a:ea typeface="+mn-ea"/>
+                <a:cs typeface="+mn-cs"/>
+              </a:rPr>
+              <a:t>이게 </a:t>
+            </a:r>
+            <a:r>
+              <a:rPr lang="en-US" altLang="ko-KR" sz="1200" kern="1200">
+                <a:solidFill>
+                  <a:schemeClr val="tx1"/>
+                </a:solidFill>
+                <a:latin typeface="+mn-lt"/>
+                <a:ea typeface="+mn-ea"/>
+                <a:cs typeface="+mn-cs"/>
+              </a:rPr>
+              <a:t>Object</a:t>
+            </a:r>
+            <a:r>
+              <a:rPr lang="ko-KR" altLang="en-US" sz="1200" kern="1200">
+                <a:solidFill>
+                  <a:schemeClr val="tx1"/>
+                </a:solidFill>
+                <a:latin typeface="+mn-lt"/>
+                <a:ea typeface="+mn-ea"/>
+                <a:cs typeface="+mn-cs"/>
+              </a:rPr>
+              <a:t>에 뭔가를 주는게 아니라 </a:t>
+            </a:r>
+            <a:r>
+              <a:rPr lang="en-US" altLang="ko-KR" sz="1200" kern="1200">
+                <a:solidFill>
+                  <a:schemeClr val="tx1"/>
+                </a:solidFill>
+                <a:latin typeface="+mn-lt"/>
+                <a:ea typeface="+mn-ea"/>
+                <a:cs typeface="+mn-cs"/>
+              </a:rPr>
+              <a:t>‘</a:t>
+            </a:r>
+            <a:r>
+              <a:rPr lang="ko-KR" altLang="en-US" sz="1200" kern="1200">
+                <a:solidFill>
+                  <a:schemeClr val="tx1"/>
+                </a:solidFill>
+                <a:latin typeface="+mn-lt"/>
+                <a:ea typeface="+mn-ea"/>
+                <a:cs typeface="+mn-cs"/>
+              </a:rPr>
+              <a:t>상수버퍼 서술자 핸들</a:t>
+            </a:r>
+            <a:r>
+              <a:rPr lang="en-US" altLang="ko-KR" sz="1200" kern="1200">
+                <a:solidFill>
+                  <a:schemeClr val="tx1"/>
+                </a:solidFill>
+                <a:latin typeface="+mn-lt"/>
+                <a:ea typeface="+mn-ea"/>
+                <a:cs typeface="+mn-cs"/>
+              </a:rPr>
+              <a:t>’</a:t>
+            </a:r>
+            <a:r>
+              <a:rPr lang="ko-KR" altLang="en-US" sz="1200" kern="1200">
+                <a:solidFill>
+                  <a:schemeClr val="tx1"/>
+                </a:solidFill>
+                <a:latin typeface="+mn-lt"/>
+                <a:ea typeface="+mn-ea"/>
+                <a:cs typeface="+mn-cs"/>
+              </a:rPr>
+              <a:t>을 만들고 걔한테 </a:t>
+            </a:r>
+            <a:r>
+              <a:rPr lang="en-US" altLang="ko-KR" sz="1200" kern="1200">
+                <a:solidFill>
+                  <a:schemeClr val="tx1"/>
+                </a:solidFill>
+                <a:latin typeface="+mn-lt"/>
+                <a:ea typeface="+mn-ea"/>
+                <a:cs typeface="+mn-cs"/>
+              </a:rPr>
+              <a:t>m_d3dCbvCPUDescriptorStartHandle</a:t>
+            </a:r>
+            <a:r>
+              <a:rPr lang="ko-KR" altLang="en-US" sz="1200" kern="1200">
+                <a:solidFill>
+                  <a:schemeClr val="tx1"/>
+                </a:solidFill>
+                <a:latin typeface="+mn-lt"/>
+                <a:ea typeface="+mn-ea"/>
+                <a:cs typeface="+mn-cs"/>
+              </a:rPr>
+              <a:t>의 주소를 준 뒤에 </a:t>
+            </a:r>
+            <a:endParaRPr lang="en-US" altLang="ko-KR" sz="1200" kern="1200">
+              <a:solidFill>
+                <a:schemeClr val="tx1"/>
+              </a:solidFill>
+              <a:latin typeface="+mn-lt"/>
+              <a:ea typeface="+mn-ea"/>
+              <a:cs typeface="+mn-cs"/>
+            </a:endParaRPr>
+          </a:p>
+          <a:p>
+            <a:r>
+              <a:rPr lang="en-US" altLang="ko-KR" sz="1200" kern="1200">
+                <a:solidFill>
+                  <a:schemeClr val="tx1"/>
+                </a:solidFill>
+                <a:latin typeface="+mn-lt"/>
+                <a:ea typeface="+mn-ea"/>
+                <a:cs typeface="+mn-cs"/>
+              </a:rPr>
+              <a:t>d3dCBVDesc.BufferLocation</a:t>
+            </a:r>
+            <a:r>
+              <a:rPr lang="ko-KR" altLang="en-US" sz="1200" kern="1200">
+                <a:solidFill>
+                  <a:schemeClr val="tx1"/>
+                </a:solidFill>
+                <a:latin typeface="+mn-lt"/>
+                <a:ea typeface="+mn-ea"/>
+                <a:cs typeface="+mn-cs"/>
+              </a:rPr>
+              <a:t>를 사용해서 </a:t>
+            </a:r>
+            <a:r>
+              <a:rPr lang="en-US" altLang="ko-KR" sz="1200" kern="1200">
+                <a:solidFill>
+                  <a:schemeClr val="tx1"/>
+                </a:solidFill>
+                <a:latin typeface="+mn-lt"/>
+                <a:ea typeface="+mn-ea"/>
+                <a:cs typeface="+mn-cs"/>
+              </a:rPr>
+              <a:t>pd3dDevice-&gt;CreateConstantBufferView()</a:t>
+            </a:r>
+            <a:r>
+              <a:rPr lang="ko-KR" altLang="en-US" sz="1200" kern="1200">
+                <a:solidFill>
+                  <a:schemeClr val="tx1"/>
+                </a:solidFill>
+                <a:latin typeface="+mn-lt"/>
+                <a:ea typeface="+mn-ea"/>
+                <a:cs typeface="+mn-cs"/>
+              </a:rPr>
+              <a:t>를 함</a:t>
+            </a:r>
+            <a:r>
+              <a:rPr lang="en-US" altLang="ko-KR" sz="1200" kern="1200">
+                <a:solidFill>
+                  <a:schemeClr val="tx1"/>
+                </a:solidFill>
+                <a:latin typeface="+mn-lt"/>
+                <a:ea typeface="+mn-ea"/>
+                <a:cs typeface="+mn-cs"/>
+              </a:rPr>
+              <a:t>.</a:t>
+            </a:r>
+          </a:p>
+          <a:p>
+            <a:endParaRPr lang="en-US" altLang="ko-KR" sz="1200" kern="1200">
+              <a:solidFill>
+                <a:schemeClr val="tx1"/>
+              </a:solidFill>
+              <a:latin typeface="+mn-lt"/>
+              <a:ea typeface="+mn-ea"/>
+              <a:cs typeface="+mn-cs"/>
+            </a:endParaRPr>
+          </a:p>
+          <a:p>
+            <a:r>
+              <a:rPr lang="ko-KR" altLang="en-US" sz="1200" kern="1200">
+                <a:solidFill>
+                  <a:schemeClr val="tx1"/>
+                </a:solidFill>
+                <a:latin typeface="+mn-lt"/>
+                <a:ea typeface="+mn-ea"/>
+                <a:cs typeface="+mn-cs"/>
+              </a:rPr>
+              <a:t>이 행위에 무슨 의미가 있지 교수님께 여쭤보자</a:t>
+            </a:r>
+            <a:r>
+              <a:rPr lang="en-US" altLang="ko-KR" sz="1200" kern="1200">
+                <a:solidFill>
+                  <a:schemeClr val="tx1"/>
+                </a:solidFill>
+                <a:latin typeface="+mn-lt"/>
+                <a:ea typeface="+mn-ea"/>
+                <a:cs typeface="+mn-cs"/>
+              </a:rPr>
+              <a:t>!</a:t>
+            </a:r>
+          </a:p>
+          <a:p>
+            <a:endParaRPr lang="en-US" altLang="ko-KR" sz="1200" kern="1200">
+              <a:solidFill>
+                <a:schemeClr val="tx1"/>
+              </a:solidFill>
+              <a:latin typeface="+mn-lt"/>
+              <a:ea typeface="+mn-ea"/>
+              <a:cs typeface="+mn-cs"/>
+            </a:endParaRPr>
+          </a:p>
+          <a:p>
+            <a:r>
+              <a:rPr lang="en-US" altLang="ko-KR" sz="1200" kern="1200">
+                <a:solidFill>
+                  <a:schemeClr val="tx1"/>
+                </a:solidFill>
+                <a:latin typeface="+mn-lt"/>
+                <a:ea typeface="+mn-ea"/>
+                <a:cs typeface="+mn-cs"/>
+              </a:rPr>
+              <a:t>// </a:t>
+            </a:r>
+            <a:r>
+              <a:rPr lang="ko-KR" altLang="en-US" sz="1200" kern="1200">
+                <a:solidFill>
+                  <a:schemeClr val="tx1"/>
+                </a:solidFill>
+                <a:latin typeface="+mn-lt"/>
+                <a:ea typeface="+mn-ea"/>
+                <a:cs typeface="+mn-cs"/>
+              </a:rPr>
+              <a:t>참고 </a:t>
+            </a:r>
+            <a:r>
+              <a:rPr lang="en-US" altLang="ko-KR" sz="1200" kern="1200">
+                <a:solidFill>
+                  <a:schemeClr val="tx1"/>
+                </a:solidFill>
+                <a:latin typeface="+mn-lt"/>
+                <a:ea typeface="+mn-ea"/>
+                <a:cs typeface="+mn-cs"/>
+              </a:rPr>
+              <a:t>: d3dCBVDesc.BufferLocation = d3dGpuVirtualAddress + (ncbElementBytes * j);</a:t>
+            </a:r>
+          </a:p>
+          <a:p>
+            <a:endParaRPr lang="en-US" altLang="ko-KR" sz="1200" kern="1200">
+              <a:solidFill>
+                <a:schemeClr val="tx1"/>
+              </a:solidFill>
+              <a:latin typeface="+mn-lt"/>
+              <a:ea typeface="+mn-ea"/>
+              <a:cs typeface="+mn-cs"/>
+            </a:endParaRPr>
+          </a:p>
+          <a:p>
+            <a:r>
+              <a:rPr lang="en-US" altLang="ko-KR" sz="1200" kern="1200">
+                <a:solidFill>
+                  <a:schemeClr val="tx1"/>
+                </a:solidFill>
+                <a:latin typeface="+mn-lt"/>
+                <a:ea typeface="+mn-ea"/>
+                <a:cs typeface="+mn-cs"/>
+              </a:rPr>
+              <a:t>Object</a:t>
+            </a:r>
+            <a:r>
+              <a:rPr lang="ko-KR" altLang="en-US" sz="1200" kern="1200">
+                <a:solidFill>
+                  <a:schemeClr val="tx1"/>
+                </a:solidFill>
+                <a:latin typeface="+mn-lt"/>
+                <a:ea typeface="+mn-ea"/>
+                <a:cs typeface="+mn-cs"/>
+              </a:rPr>
+              <a:t> 버퍼의 내용은 어디에 쓰는가</a:t>
+            </a:r>
+            <a:r>
+              <a:rPr lang="en-US" altLang="ko-KR" sz="1200" kern="1200">
+                <a:solidFill>
+                  <a:schemeClr val="tx1"/>
+                </a:solidFill>
+                <a:latin typeface="+mn-lt"/>
+                <a:ea typeface="+mn-ea"/>
+                <a:cs typeface="+mn-cs"/>
+              </a:rPr>
+              <a:t>?? </a:t>
+            </a:r>
+            <a:r>
+              <a:rPr lang="ko-KR" altLang="en-US" sz="1200" kern="1200">
+                <a:solidFill>
+                  <a:schemeClr val="tx1"/>
+                </a:solidFill>
+                <a:latin typeface="+mn-lt"/>
+                <a:ea typeface="+mn-ea"/>
+                <a:cs typeface="+mn-cs"/>
+              </a:rPr>
+              <a:t>그것은 상수버퍼를 만들고 매핑을 한 </a:t>
+            </a:r>
+            <a:r>
+              <a:rPr lang="en-US" altLang="ko-KR" sz="1200" kern="1200">
+                <a:solidFill>
+                  <a:schemeClr val="tx1"/>
+                </a:solidFill>
+                <a:latin typeface="+mn-lt"/>
+                <a:ea typeface="+mn-ea"/>
+                <a:cs typeface="+mn-cs"/>
+              </a:rPr>
+              <a:t>m_pcbMappedGameObjects</a:t>
+            </a:r>
+            <a:r>
+              <a:rPr lang="ko-KR" altLang="en-US" sz="1200" kern="1200">
+                <a:solidFill>
+                  <a:schemeClr val="tx1"/>
+                </a:solidFill>
+                <a:latin typeface="+mn-lt"/>
+                <a:ea typeface="+mn-ea"/>
+                <a:cs typeface="+mn-cs"/>
+              </a:rPr>
+              <a:t>을 통해서 한다</a:t>
+            </a:r>
+            <a:r>
+              <a:rPr lang="en-US" altLang="ko-KR" sz="1200" kern="1200">
+                <a:solidFill>
+                  <a:schemeClr val="tx1"/>
+                </a:solidFill>
+                <a:latin typeface="+mn-lt"/>
+                <a:ea typeface="+mn-ea"/>
+                <a:cs typeface="+mn-cs"/>
+              </a:rPr>
+              <a:t>.</a:t>
+            </a:r>
+          </a:p>
+          <a:p>
+            <a:r>
+              <a:rPr lang="ko-KR" altLang="en-US" sz="1200" kern="1200">
+                <a:solidFill>
+                  <a:schemeClr val="tx1"/>
+                </a:solidFill>
+                <a:latin typeface="+mn-lt"/>
+                <a:ea typeface="+mn-ea"/>
+                <a:cs typeface="+mn-cs"/>
+              </a:rPr>
+              <a:t>상수버퍼를 </a:t>
+            </a:r>
+            <a:r>
+              <a:rPr lang="en-US" altLang="ko-KR" sz="1200" kern="1200">
+                <a:solidFill>
+                  <a:schemeClr val="tx1"/>
+                </a:solidFill>
+                <a:latin typeface="+mn-lt"/>
+                <a:ea typeface="+mn-ea"/>
+                <a:cs typeface="+mn-cs"/>
+              </a:rPr>
+              <a:t>ID3D12Resource</a:t>
+            </a:r>
+            <a:r>
+              <a:rPr lang="ko-KR" altLang="en-US" sz="1200" kern="1200">
+                <a:solidFill>
+                  <a:schemeClr val="tx1"/>
+                </a:solidFill>
+                <a:latin typeface="+mn-lt"/>
+                <a:ea typeface="+mn-ea"/>
+                <a:cs typeface="+mn-cs"/>
+              </a:rPr>
+              <a:t>로 만들어주고 걔를 </a:t>
+            </a:r>
+            <a:r>
+              <a:rPr lang="en-US" altLang="ko-KR" sz="1200" kern="1200">
+                <a:solidFill>
+                  <a:schemeClr val="tx1"/>
+                </a:solidFill>
+                <a:latin typeface="+mn-lt"/>
+                <a:ea typeface="+mn-ea"/>
+                <a:cs typeface="+mn-cs"/>
+              </a:rPr>
+              <a:t>m_pcbMappedGameObjects</a:t>
+            </a:r>
+            <a:r>
+              <a:rPr lang="ko-KR" altLang="en-US" sz="1200" kern="1200">
+                <a:solidFill>
+                  <a:schemeClr val="tx1"/>
+                </a:solidFill>
+                <a:latin typeface="+mn-lt"/>
+                <a:ea typeface="+mn-ea"/>
+                <a:cs typeface="+mn-cs"/>
+              </a:rPr>
+              <a:t>에 매핑해주는데</a:t>
+            </a:r>
+            <a:r>
+              <a:rPr lang="en-US" altLang="ko-KR" sz="1200" kern="1200">
+                <a:solidFill>
+                  <a:schemeClr val="tx1"/>
+                </a:solidFill>
+                <a:latin typeface="+mn-lt"/>
+                <a:ea typeface="+mn-ea"/>
+                <a:cs typeface="+mn-cs"/>
+              </a:rPr>
+              <a:t>(</a:t>
+            </a:r>
+            <a:r>
+              <a:rPr lang="ko-KR" altLang="en-US" sz="1200" kern="1200">
+                <a:solidFill>
+                  <a:schemeClr val="tx1"/>
+                </a:solidFill>
+                <a:latin typeface="+mn-lt"/>
+                <a:ea typeface="+mn-ea"/>
+                <a:cs typeface="+mn-cs"/>
+              </a:rPr>
+              <a:t>만들어준 애는 위에서 주소 만들어줄 때 씀</a:t>
+            </a:r>
+            <a:r>
+              <a:rPr lang="en-US" altLang="ko-KR" sz="1200" kern="1200">
+                <a:solidFill>
+                  <a:schemeClr val="tx1"/>
+                </a:solidFill>
+                <a:latin typeface="+mn-lt"/>
+                <a:ea typeface="+mn-ea"/>
+                <a:cs typeface="+mn-cs"/>
+              </a:rPr>
+              <a:t>)</a:t>
+            </a:r>
+          </a:p>
+          <a:p>
+            <a:r>
+              <a:rPr lang="en-US" altLang="ko-KR" sz="1200" kern="1200">
+                <a:solidFill>
+                  <a:schemeClr val="tx1"/>
+                </a:solidFill>
+                <a:latin typeface="+mn-lt"/>
+                <a:ea typeface="+mn-ea"/>
+                <a:cs typeface="+mn-cs"/>
+              </a:rPr>
+              <a:t>m_pcbMappedGameObjects</a:t>
+            </a:r>
+            <a:r>
+              <a:rPr lang="ko-KR" altLang="en-US" sz="1200" kern="1200">
+                <a:solidFill>
+                  <a:schemeClr val="tx1"/>
+                </a:solidFill>
+                <a:latin typeface="+mn-lt"/>
+                <a:ea typeface="+mn-ea"/>
+                <a:cs typeface="+mn-cs"/>
+              </a:rPr>
+              <a:t>를 사용해서 접근함</a:t>
+            </a:r>
+            <a:r>
+              <a:rPr lang="en-US" altLang="ko-KR" sz="1200" kern="1200">
+                <a:solidFill>
+                  <a:schemeClr val="tx1"/>
+                </a:solidFill>
+                <a:latin typeface="+mn-lt"/>
+                <a:ea typeface="+mn-ea"/>
+                <a:cs typeface="+mn-cs"/>
+              </a:rPr>
+              <a:t>.</a:t>
+            </a:r>
+          </a:p>
+          <a:p>
+            <a:endParaRPr lang="en-US" altLang="ko-KR" sz="1200" kern="1200">
+              <a:solidFill>
+                <a:schemeClr val="tx1"/>
+              </a:solidFill>
+              <a:latin typeface="+mn-lt"/>
+              <a:ea typeface="+mn-ea"/>
+              <a:cs typeface="+mn-cs"/>
+            </a:endParaRPr>
+          </a:p>
+          <a:p>
+            <a:r>
+              <a:rPr lang="ko-KR" altLang="en-US" sz="1200" kern="1200">
+                <a:solidFill>
+                  <a:schemeClr val="tx1"/>
+                </a:solidFill>
+                <a:latin typeface="+mn-lt"/>
+                <a:ea typeface="+mn-ea"/>
+                <a:cs typeface="+mn-cs"/>
+              </a:rPr>
+              <a:t>상수버퍼에 올라온 내용을 바탕으로 쉐이더에선 렌더링을 시작</a:t>
+            </a:r>
+            <a:r>
+              <a:rPr lang="en-US" altLang="ko-KR" sz="1200" kern="1200">
+                <a:solidFill>
+                  <a:schemeClr val="tx1"/>
+                </a:solidFill>
+                <a:latin typeface="+mn-lt"/>
+                <a:ea typeface="+mn-ea"/>
+                <a:cs typeface="+mn-cs"/>
+              </a:rPr>
+              <a:t>.</a:t>
+            </a:r>
+          </a:p>
+          <a:p>
+            <a:endParaRPr lang="en-US" altLang="ko-KR" sz="1200" kern="1200">
+              <a:solidFill>
+                <a:schemeClr val="tx1"/>
+              </a:solidFill>
+              <a:latin typeface="+mn-lt"/>
+              <a:ea typeface="+mn-ea"/>
+              <a:cs typeface="+mn-cs"/>
+            </a:endParaRPr>
+          </a:p>
+          <a:p>
+            <a:endParaRPr lang="en-US" altLang="ko-KR" sz="1200" kern="1200">
+              <a:solidFill>
+                <a:schemeClr val="tx1"/>
+              </a:solidFill>
+              <a:latin typeface="+mn-lt"/>
+              <a:ea typeface="+mn-ea"/>
+              <a:cs typeface="+mn-cs"/>
+            </a:endParaRPr>
+          </a:p>
+          <a:p>
+            <a:endParaRPr lang="en-US" altLang="ko-KR" sz="1200" kern="1200">
+              <a:solidFill>
+                <a:schemeClr val="tx1"/>
+              </a:solidFill>
+              <a:latin typeface="+mn-lt"/>
+              <a:ea typeface="+mn-ea"/>
+              <a:cs typeface="+mn-cs"/>
+            </a:endParaRPr>
+          </a:p>
+          <a:p>
+            <a:endParaRPr lang="en-US" altLang="ko-KR" sz="1200" kern="1200">
+              <a:solidFill>
+                <a:schemeClr val="tx1"/>
+              </a:solidFill>
+              <a:latin typeface="+mn-lt"/>
+              <a:ea typeface="+mn-ea"/>
+              <a:cs typeface="+mn-cs"/>
+            </a:endParaRPr>
+          </a:p>
+          <a:p>
+            <a:endParaRPr lang="en-US" altLang="ko-KR" sz="1200" kern="1200">
+              <a:solidFill>
+                <a:schemeClr val="tx1"/>
+              </a:solidFill>
+              <a:latin typeface="+mn-lt"/>
+              <a:ea typeface="+mn-ea"/>
+              <a:cs typeface="+mn-cs"/>
+            </a:endParaRPr>
+          </a:p>
+          <a:p>
+            <a:endParaRPr lang="en-US" altLang="ko-KR" sz="1200" kern="1200">
+              <a:solidFill>
+                <a:schemeClr val="tx1"/>
+              </a:solidFill>
+              <a:latin typeface="+mn-lt"/>
+              <a:ea typeface="+mn-ea"/>
+              <a:cs typeface="+mn-cs"/>
+            </a:endParaRPr>
+          </a:p>
+          <a:p>
+            <a:endParaRPr lang="en-US" altLang="ko-KR" sz="1200" kern="1200">
+              <a:solidFill>
+                <a:schemeClr val="tx1"/>
+              </a:solidFill>
+              <a:latin typeface="+mn-lt"/>
+              <a:ea typeface="+mn-ea"/>
+              <a:cs typeface="+mn-cs"/>
+            </a:endParaRPr>
+          </a:p>
+          <a:p>
+            <a:endParaRPr lang="en-US" altLang="ko-KR" sz="1200" kern="1200">
+              <a:solidFill>
+                <a:schemeClr val="tx1"/>
+              </a:solidFill>
+              <a:latin typeface="+mn-lt"/>
+              <a:ea typeface="+mn-ea"/>
+              <a:cs typeface="+mn-cs"/>
+            </a:endParaRPr>
+          </a:p>
+          <a:p>
+            <a:endParaRPr lang="en-US" altLang="ko-KR" sz="1200" kern="1200">
+              <a:solidFill>
+                <a:schemeClr val="tx1"/>
+              </a:solidFill>
+              <a:latin typeface="+mn-lt"/>
+              <a:ea typeface="+mn-ea"/>
+              <a:cs typeface="+mn-cs"/>
+            </a:endParaRPr>
+          </a:p>
+          <a:p>
+            <a:endParaRPr lang="en-US" altLang="ko-KR" sz="1200" kern="1200">
+              <a:solidFill>
+                <a:schemeClr val="tx1"/>
+              </a:solidFill>
+              <a:latin typeface="+mn-lt"/>
+              <a:ea typeface="+mn-ea"/>
+              <a:cs typeface="+mn-cs"/>
+            </a:endParaRPr>
+          </a:p>
+          <a:p>
+            <a:endParaRPr lang="en-US" altLang="ko-KR" sz="1200" kern="1200">
+              <a:solidFill>
+                <a:schemeClr val="tx1"/>
+              </a:solidFill>
+              <a:latin typeface="+mn-lt"/>
+              <a:ea typeface="+mn-ea"/>
+              <a:cs typeface="+mn-cs"/>
+            </a:endParaRPr>
+          </a:p>
+          <a:p>
+            <a:endParaRPr lang="en-US" altLang="ko-KR"/>
+          </a:p>
+          <a:p>
+            <a:endParaRPr lang="en-US" altLang="ko-KR"/>
+          </a:p>
+          <a:p>
+            <a:endParaRPr lang="en-US" altLang="ko-KR"/>
+          </a:p>
+        </p:txBody>
+      </p:sp>
+      <p:sp>
+        <p:nvSpPr>
+          <p:cNvPr id="4" name="슬라이드 번호 개체 틀 3"/>
+          <p:cNvSpPr>
+            <a:spLocks noGrp="1"/>
+          </p:cNvSpPr>
+          <p:nvPr>
+            <p:ph type="sldNum" sz="quarter" idx="5"/>
+          </p:nvPr>
+        </p:nvSpPr>
+        <p:spPr/>
+        <p:txBody>
+          <a:bodyPr/>
+          <a:lstStyle/>
+          <a:p>
+            <a:fld id="{1D02F4C9-F9D1-4143-AD88-A5E64A705E18}" type="slidenum">
+              <a:rPr lang="ko-KR" altLang="en-US" smtClean="0"/>
+              <a:t>4</a:t>
+            </a:fld>
+            <a:endParaRPr lang="ko-KR" altLang="en-US"/>
+          </a:p>
+        </p:txBody>
+      </p:sp>
+    </p:spTree>
+    <p:extLst>
+      <p:ext uri="{BB962C8B-B14F-4D97-AF65-F5344CB8AC3E}">
+        <p14:creationId xmlns:p14="http://schemas.microsoft.com/office/powerpoint/2010/main" val="3918676335"/>
+      </p:ext>
+    </p:extLst>
+  </p:cSld>
+  <p:clrMapOvr>
+    <a:masterClrMapping/>
+  </p:clrMapOvr>
+</p:notes>
+</file>
+
 <file path=ppt/slideLayouts/slideLayout1.xml><?xml version="1.0" encoding="utf-8"?>
 <p:sldLayout xmlns:a="http://schemas.openxmlformats.org/drawingml/2006/main" xmlns:r="http://schemas.openxmlformats.org/officeDocument/2006/relationships" xmlns:p="http://schemas.openxmlformats.org/presentationml/2006/main" type="title" preserve="1">
   <p:cSld name="제목 슬라이드">
@@ -1750,7 +2720,7 @@
           <a:p>
             <a:fld id="{A1A5B55A-690E-4194-A3CE-743ACEAA9247}" type="datetimeFigureOut">
               <a:rPr lang="ko-KR" altLang="en-US" smtClean="0"/>
-              <a:t>2019-01-21</a:t>
+              <a:t>2019-03-17</a:t>
             </a:fld>
             <a:endParaRPr lang="ko-KR" altLang="en-US"/>
           </a:p>
@@ -1948,7 +2918,7 @@
           <a:p>
             <a:fld id="{A1A5B55A-690E-4194-A3CE-743ACEAA9247}" type="datetimeFigureOut">
               <a:rPr lang="ko-KR" altLang="en-US" smtClean="0"/>
-              <a:t>2019-01-21</a:t>
+              <a:t>2019-03-17</a:t>
             </a:fld>
             <a:endParaRPr lang="ko-KR" altLang="en-US"/>
           </a:p>
@@ -2156,7 +3126,7 @@
           <a:p>
             <a:fld id="{A1A5B55A-690E-4194-A3CE-743ACEAA9247}" type="datetimeFigureOut">
               <a:rPr lang="ko-KR" altLang="en-US" smtClean="0"/>
-              <a:t>2019-01-21</a:t>
+              <a:t>2019-03-17</a:t>
             </a:fld>
             <a:endParaRPr lang="ko-KR" altLang="en-US"/>
           </a:p>
@@ -2354,7 +3324,7 @@
           <a:p>
             <a:fld id="{A1A5B55A-690E-4194-A3CE-743ACEAA9247}" type="datetimeFigureOut">
               <a:rPr lang="ko-KR" altLang="en-US" smtClean="0"/>
-              <a:t>2019-01-21</a:t>
+              <a:t>2019-03-17</a:t>
             </a:fld>
             <a:endParaRPr lang="ko-KR" altLang="en-US"/>
           </a:p>
@@ -2629,7 +3599,7 @@
           <a:p>
             <a:fld id="{A1A5B55A-690E-4194-A3CE-743ACEAA9247}" type="datetimeFigureOut">
               <a:rPr lang="ko-KR" altLang="en-US" smtClean="0"/>
-              <a:t>2019-01-21</a:t>
+              <a:t>2019-03-17</a:t>
             </a:fld>
             <a:endParaRPr lang="ko-KR" altLang="en-US"/>
           </a:p>
@@ -2894,7 +3864,7 @@
           <a:p>
             <a:fld id="{A1A5B55A-690E-4194-A3CE-743ACEAA9247}" type="datetimeFigureOut">
               <a:rPr lang="ko-KR" altLang="en-US" smtClean="0"/>
-              <a:t>2019-01-21</a:t>
+              <a:t>2019-03-17</a:t>
             </a:fld>
             <a:endParaRPr lang="ko-KR" altLang="en-US"/>
           </a:p>
@@ -3306,7 +4276,7 @@
           <a:p>
             <a:fld id="{A1A5B55A-690E-4194-A3CE-743ACEAA9247}" type="datetimeFigureOut">
               <a:rPr lang="ko-KR" altLang="en-US" smtClean="0"/>
-              <a:t>2019-01-21</a:t>
+              <a:t>2019-03-17</a:t>
             </a:fld>
             <a:endParaRPr lang="ko-KR" altLang="en-US"/>
           </a:p>
@@ -3447,7 +4417,7 @@
           <a:p>
             <a:fld id="{A1A5B55A-690E-4194-A3CE-743ACEAA9247}" type="datetimeFigureOut">
               <a:rPr lang="ko-KR" altLang="en-US" smtClean="0"/>
-              <a:t>2019-01-21</a:t>
+              <a:t>2019-03-17</a:t>
             </a:fld>
             <a:endParaRPr lang="ko-KR" altLang="en-US"/>
           </a:p>
@@ -3560,7 +4530,7 @@
           <a:p>
             <a:fld id="{A1A5B55A-690E-4194-A3CE-743ACEAA9247}" type="datetimeFigureOut">
               <a:rPr lang="ko-KR" altLang="en-US" smtClean="0"/>
-              <a:t>2019-01-21</a:t>
+              <a:t>2019-03-17</a:t>
             </a:fld>
             <a:endParaRPr lang="ko-KR" altLang="en-US"/>
           </a:p>
@@ -3871,7 +4841,7 @@
           <a:p>
             <a:fld id="{A1A5B55A-690E-4194-A3CE-743ACEAA9247}" type="datetimeFigureOut">
               <a:rPr lang="ko-KR" altLang="en-US" smtClean="0"/>
-              <a:t>2019-01-21</a:t>
+              <a:t>2019-03-17</a:t>
             </a:fld>
             <a:endParaRPr lang="ko-KR" altLang="en-US"/>
           </a:p>
@@ -4159,7 +5129,7 @@
           <a:p>
             <a:fld id="{A1A5B55A-690E-4194-A3CE-743ACEAA9247}" type="datetimeFigureOut">
               <a:rPr lang="ko-KR" altLang="en-US" smtClean="0"/>
-              <a:t>2019-01-21</a:t>
+              <a:t>2019-03-17</a:t>
             </a:fld>
             <a:endParaRPr lang="ko-KR" altLang="en-US"/>
           </a:p>
@@ -4400,7 +5370,7 @@
           <a:p>
             <a:fld id="{A1A5B55A-690E-4194-A3CE-743ACEAA9247}" type="datetimeFigureOut">
               <a:rPr lang="ko-KR" altLang="en-US" smtClean="0"/>
-              <a:t>2019-01-21</a:t>
+              <a:t>2019-03-17</a:t>
             </a:fld>
             <a:endParaRPr lang="ko-KR" altLang="en-US"/>
           </a:p>
@@ -8918,6 +9888,964 @@
     <p:extLst>
       <p:ext uri="{BB962C8B-B14F-4D97-AF65-F5344CB8AC3E}">
         <p14:creationId xmlns:p14="http://schemas.microsoft.com/office/powerpoint/2010/main" val="291515232"/>
+      </p:ext>
+    </p:extLst>
+  </p:cSld>
+  <p:clrMapOvr>
+    <a:masterClrMapping/>
+  </p:clrMapOvr>
+</p:sld>
+</file>
+
+<file path=ppt/slides/slide4.xml><?xml version="1.0" encoding="utf-8"?>
+<p:sld xmlns:a="http://schemas.openxmlformats.org/drawingml/2006/main" xmlns:r="http://schemas.openxmlformats.org/officeDocument/2006/relationships" xmlns:p="http://schemas.openxmlformats.org/presentationml/2006/main">
+  <p:cSld>
+    <p:spTree>
+      <p:nvGrpSpPr>
+        <p:cNvPr id="1" name=""/>
+        <p:cNvGrpSpPr/>
+        <p:nvPr/>
+      </p:nvGrpSpPr>
+      <p:grpSpPr>
+        <a:xfrm>
+          <a:off x="0" y="0"/>
+          <a:ext cx="0" cy="0"/>
+          <a:chOff x="0" y="0"/>
+          <a:chExt cx="0" cy="0"/>
+        </a:xfrm>
+      </p:grpSpPr>
+      <p:sp>
+        <p:nvSpPr>
+          <p:cNvPr id="8" name="직사각형 7">
+            <a:extLst>
+              <a:ext uri="{FF2B5EF4-FFF2-40B4-BE49-F238E27FC236}">
+                <a16:creationId xmlns:a16="http://schemas.microsoft.com/office/drawing/2014/main" id="{FAA25D90-BD67-49C9-84DA-96925BEB157F}"/>
+              </a:ext>
+            </a:extLst>
+          </p:cNvPr>
+          <p:cNvSpPr/>
+          <p:nvPr/>
+        </p:nvSpPr>
+        <p:spPr>
+          <a:xfrm>
+            <a:off x="1164222" y="1943593"/>
+            <a:ext cx="4288795" cy="3454416"/>
+          </a:xfrm>
+          <a:prstGeom prst="rect">
+            <a:avLst/>
+          </a:prstGeom>
+          <a:solidFill>
+            <a:schemeClr val="accent2">
+              <a:lumMod val="20000"/>
+              <a:lumOff val="80000"/>
+            </a:schemeClr>
+          </a:solidFill>
+          <a:ln>
+            <a:noFill/>
+          </a:ln>
+        </p:spPr>
+        <p:style>
+          <a:lnRef idx="2">
+            <a:schemeClr val="accent1">
+              <a:shade val="50000"/>
+            </a:schemeClr>
+          </a:lnRef>
+          <a:fillRef idx="1">
+            <a:schemeClr val="accent1"/>
+          </a:fillRef>
+          <a:effectRef idx="0">
+            <a:schemeClr val="accent1"/>
+          </a:effectRef>
+          <a:fontRef idx="minor">
+            <a:schemeClr val="lt1"/>
+          </a:fontRef>
+        </p:style>
+        <p:txBody>
+          <a:bodyPr rtlCol="0" anchor="t"/>
+          <a:lstStyle/>
+          <a:p>
+            <a:r>
+              <a:rPr lang="en-US" altLang="ko-KR" sz="1400">
+                <a:solidFill>
+                  <a:schemeClr val="accent2">
+                    <a:lumMod val="75000"/>
+                  </a:schemeClr>
+                </a:solidFill>
+                <a:latin typeface="THE정고딕110" panose="02020603020101020101" pitchFamily="18" charset="-127"/>
+                <a:ea typeface="THE정고딕110" panose="02020603020101020101" pitchFamily="18" charset="-127"/>
+              </a:rPr>
+              <a:t>Geometry Data</a:t>
+            </a:r>
+          </a:p>
+        </p:txBody>
+      </p:sp>
+      <p:sp>
+        <p:nvSpPr>
+          <p:cNvPr id="9" name="직사각형 8">
+            <a:extLst>
+              <a:ext uri="{FF2B5EF4-FFF2-40B4-BE49-F238E27FC236}">
+                <a16:creationId xmlns:a16="http://schemas.microsoft.com/office/drawing/2014/main" id="{9CDA9C8E-5F62-490D-8054-08056806BEAA}"/>
+              </a:ext>
+            </a:extLst>
+          </p:cNvPr>
+          <p:cNvSpPr/>
+          <p:nvPr/>
+        </p:nvSpPr>
+        <p:spPr>
+          <a:xfrm>
+            <a:off x="2672490" y="2341903"/>
+            <a:ext cx="1351337" cy="2032321"/>
+          </a:xfrm>
+          <a:prstGeom prst="rect">
+            <a:avLst/>
+          </a:prstGeom>
+          <a:solidFill>
+            <a:schemeClr val="accent2">
+              <a:lumMod val="40000"/>
+              <a:lumOff val="60000"/>
+            </a:schemeClr>
+          </a:solidFill>
+          <a:ln>
+            <a:noFill/>
+          </a:ln>
+        </p:spPr>
+        <p:style>
+          <a:lnRef idx="2">
+            <a:schemeClr val="accent1">
+              <a:shade val="50000"/>
+            </a:schemeClr>
+          </a:lnRef>
+          <a:fillRef idx="1">
+            <a:schemeClr val="accent1"/>
+          </a:fillRef>
+          <a:effectRef idx="0">
+            <a:schemeClr val="accent1"/>
+          </a:effectRef>
+          <a:fontRef idx="minor">
+            <a:schemeClr val="lt1"/>
+          </a:fontRef>
+        </p:style>
+        <p:txBody>
+          <a:bodyPr rtlCol="0" anchor="t"/>
+          <a:lstStyle/>
+          <a:p>
+            <a:pPr algn="ctr"/>
+            <a:r>
+              <a:rPr lang="en-US" altLang="ko-KR" sz="1400">
+                <a:solidFill>
+                  <a:schemeClr val="accent2">
+                    <a:lumMod val="75000"/>
+                  </a:schemeClr>
+                </a:solidFill>
+                <a:latin typeface="THE정고딕110" panose="02020603020101020101" pitchFamily="18" charset="-127"/>
+                <a:ea typeface="THE정고딕110" panose="02020603020101020101" pitchFamily="18" charset="-127"/>
+              </a:rPr>
+              <a:t>Cluster Data</a:t>
+            </a:r>
+          </a:p>
+        </p:txBody>
+      </p:sp>
+      <p:sp>
+        <p:nvSpPr>
+          <p:cNvPr id="11" name="직사각형 10">
+            <a:extLst>
+              <a:ext uri="{FF2B5EF4-FFF2-40B4-BE49-F238E27FC236}">
+                <a16:creationId xmlns:a16="http://schemas.microsoft.com/office/drawing/2014/main" id="{681BDCB5-2890-4B80-8156-3B0F3D4322EC}"/>
+              </a:ext>
+            </a:extLst>
+          </p:cNvPr>
+          <p:cNvSpPr/>
+          <p:nvPr/>
+        </p:nvSpPr>
+        <p:spPr>
+          <a:xfrm>
+            <a:off x="1164222" y="2341903"/>
+            <a:ext cx="1351336" cy="2032322"/>
+          </a:xfrm>
+          <a:prstGeom prst="rect">
+            <a:avLst/>
+          </a:prstGeom>
+          <a:solidFill>
+            <a:schemeClr val="accent2">
+              <a:lumMod val="40000"/>
+              <a:lumOff val="60000"/>
+            </a:schemeClr>
+          </a:solidFill>
+          <a:ln>
+            <a:noFill/>
+          </a:ln>
+        </p:spPr>
+        <p:style>
+          <a:lnRef idx="2">
+            <a:schemeClr val="accent1">
+              <a:shade val="50000"/>
+            </a:schemeClr>
+          </a:lnRef>
+          <a:fillRef idx="1">
+            <a:schemeClr val="accent1"/>
+          </a:fillRef>
+          <a:effectRef idx="0">
+            <a:schemeClr val="accent1"/>
+          </a:effectRef>
+          <a:fontRef idx="minor">
+            <a:schemeClr val="lt1"/>
+          </a:fontRef>
+        </p:style>
+        <p:txBody>
+          <a:bodyPr rtlCol="0" anchor="t"/>
+          <a:lstStyle/>
+          <a:p>
+            <a:pPr algn="ctr"/>
+            <a:r>
+              <a:rPr lang="en-US" altLang="ko-KR" sz="1400">
+                <a:solidFill>
+                  <a:schemeClr val="accent2">
+                    <a:lumMod val="75000"/>
+                  </a:schemeClr>
+                </a:solidFill>
+                <a:latin typeface="THE정고딕110" panose="02020603020101020101" pitchFamily="18" charset="-127"/>
+                <a:ea typeface="THE정고딕110" panose="02020603020101020101" pitchFamily="18" charset="-127"/>
+              </a:rPr>
+              <a:t>Mesh Data</a:t>
+            </a:r>
+          </a:p>
+        </p:txBody>
+      </p:sp>
+      <p:sp>
+        <p:nvSpPr>
+          <p:cNvPr id="12" name="직사각형 11">
+            <a:extLst>
+              <a:ext uri="{FF2B5EF4-FFF2-40B4-BE49-F238E27FC236}">
+                <a16:creationId xmlns:a16="http://schemas.microsoft.com/office/drawing/2014/main" id="{5D4526ED-FE9E-4117-B7E3-D6B9A9E55386}"/>
+              </a:ext>
+            </a:extLst>
+          </p:cNvPr>
+          <p:cNvSpPr/>
+          <p:nvPr/>
+        </p:nvSpPr>
+        <p:spPr>
+          <a:xfrm>
+            <a:off x="1157961" y="4922475"/>
+            <a:ext cx="751908" cy="475534"/>
+          </a:xfrm>
+          <a:prstGeom prst="rect">
+            <a:avLst/>
+          </a:prstGeom>
+          <a:solidFill>
+            <a:schemeClr val="accent2">
+              <a:lumMod val="60000"/>
+              <a:lumOff val="40000"/>
+            </a:schemeClr>
+          </a:solidFill>
+          <a:ln>
+            <a:noFill/>
+          </a:ln>
+        </p:spPr>
+        <p:style>
+          <a:lnRef idx="2">
+            <a:schemeClr val="accent1">
+              <a:shade val="50000"/>
+            </a:schemeClr>
+          </a:lnRef>
+          <a:fillRef idx="1">
+            <a:schemeClr val="accent1"/>
+          </a:fillRef>
+          <a:effectRef idx="0">
+            <a:schemeClr val="accent1"/>
+          </a:effectRef>
+          <a:fontRef idx="minor">
+            <a:schemeClr val="lt1"/>
+          </a:fontRef>
+        </p:style>
+        <p:txBody>
+          <a:bodyPr rtlCol="0" anchor="ctr"/>
+          <a:lstStyle/>
+          <a:p>
+            <a:pPr algn="ctr"/>
+            <a:r>
+              <a:rPr lang="ko-KR" altLang="en-US" sz="1400">
+                <a:solidFill>
+                  <a:schemeClr val="accent2">
+                    <a:lumMod val="50000"/>
+                  </a:schemeClr>
+                </a:solidFill>
+                <a:latin typeface="THE정고딕110" panose="02020603020101020101" pitchFamily="18" charset="-127"/>
+                <a:ea typeface="THE정고딕110" panose="02020603020101020101" pitchFamily="18" charset="-127"/>
+              </a:rPr>
+              <a:t>서술자</a:t>
+            </a:r>
+            <a:endParaRPr lang="en-US" altLang="ko-KR" sz="1400">
+              <a:solidFill>
+                <a:schemeClr val="accent2">
+                  <a:lumMod val="50000"/>
+                </a:schemeClr>
+              </a:solidFill>
+              <a:latin typeface="THE정고딕110" panose="02020603020101020101" pitchFamily="18" charset="-127"/>
+              <a:ea typeface="THE정고딕110" panose="02020603020101020101" pitchFamily="18" charset="-127"/>
+            </a:endParaRPr>
+          </a:p>
+        </p:txBody>
+      </p:sp>
+      <p:sp>
+        <p:nvSpPr>
+          <p:cNvPr id="15" name="직사각형 14">
+            <a:extLst>
+              <a:ext uri="{FF2B5EF4-FFF2-40B4-BE49-F238E27FC236}">
+                <a16:creationId xmlns:a16="http://schemas.microsoft.com/office/drawing/2014/main" id="{41A5DC61-735A-4297-8586-4FC7970311ED}"/>
+              </a:ext>
+            </a:extLst>
+          </p:cNvPr>
+          <p:cNvSpPr/>
+          <p:nvPr/>
+        </p:nvSpPr>
+        <p:spPr>
+          <a:xfrm>
+            <a:off x="1164222" y="2649657"/>
+            <a:ext cx="1351336" cy="475534"/>
+          </a:xfrm>
+          <a:prstGeom prst="rect">
+            <a:avLst/>
+          </a:prstGeom>
+          <a:solidFill>
+            <a:schemeClr val="accent2">
+              <a:lumMod val="60000"/>
+              <a:lumOff val="40000"/>
+            </a:schemeClr>
+          </a:solidFill>
+          <a:ln>
+            <a:noFill/>
+          </a:ln>
+        </p:spPr>
+        <p:style>
+          <a:lnRef idx="2">
+            <a:schemeClr val="accent1">
+              <a:shade val="50000"/>
+            </a:schemeClr>
+          </a:lnRef>
+          <a:fillRef idx="1">
+            <a:schemeClr val="accent1"/>
+          </a:fillRef>
+          <a:effectRef idx="0">
+            <a:schemeClr val="accent1"/>
+          </a:effectRef>
+          <a:fontRef idx="minor">
+            <a:schemeClr val="lt1"/>
+          </a:fontRef>
+        </p:style>
+        <p:txBody>
+          <a:bodyPr rtlCol="0" anchor="ctr"/>
+          <a:lstStyle/>
+          <a:p>
+            <a:pPr algn="ctr"/>
+            <a:r>
+              <a:rPr lang="en-US" altLang="ko-KR" sz="1400">
+                <a:solidFill>
+                  <a:schemeClr val="accent2">
+                    <a:lumMod val="50000"/>
+                  </a:schemeClr>
+                </a:solidFill>
+                <a:latin typeface="THE정고딕110" panose="02020603020101020101" pitchFamily="18" charset="-127"/>
+                <a:ea typeface="THE정고딕110" panose="02020603020101020101" pitchFamily="18" charset="-127"/>
+              </a:rPr>
+              <a:t>Vertices</a:t>
+            </a:r>
+          </a:p>
+        </p:txBody>
+      </p:sp>
+      <p:sp>
+        <p:nvSpPr>
+          <p:cNvPr id="18" name="직사각형 17">
+            <a:extLst>
+              <a:ext uri="{FF2B5EF4-FFF2-40B4-BE49-F238E27FC236}">
+                <a16:creationId xmlns:a16="http://schemas.microsoft.com/office/drawing/2014/main" id="{3D92B7ED-527C-4E3B-BF80-34D9D2209F47}"/>
+              </a:ext>
+            </a:extLst>
+          </p:cNvPr>
+          <p:cNvSpPr/>
+          <p:nvPr/>
+        </p:nvSpPr>
+        <p:spPr>
+          <a:xfrm>
+            <a:off x="6096000" y="1943593"/>
+            <a:ext cx="4288795" cy="3454416"/>
+          </a:xfrm>
+          <a:prstGeom prst="rect">
+            <a:avLst/>
+          </a:prstGeom>
+          <a:solidFill>
+            <a:schemeClr val="accent1">
+              <a:lumMod val="20000"/>
+              <a:lumOff val="80000"/>
+            </a:schemeClr>
+          </a:solidFill>
+          <a:ln>
+            <a:noFill/>
+          </a:ln>
+        </p:spPr>
+        <p:style>
+          <a:lnRef idx="2">
+            <a:schemeClr val="accent1">
+              <a:shade val="50000"/>
+            </a:schemeClr>
+          </a:lnRef>
+          <a:fillRef idx="1">
+            <a:schemeClr val="accent1"/>
+          </a:fillRef>
+          <a:effectRef idx="0">
+            <a:schemeClr val="accent1"/>
+          </a:effectRef>
+          <a:fontRef idx="minor">
+            <a:schemeClr val="lt1"/>
+          </a:fontRef>
+        </p:style>
+        <p:txBody>
+          <a:bodyPr rtlCol="0" anchor="t"/>
+          <a:lstStyle/>
+          <a:p>
+            <a:r>
+              <a:rPr lang="en-US" altLang="ko-KR" sz="1400">
+                <a:solidFill>
+                  <a:schemeClr val="accent1">
+                    <a:lumMod val="75000"/>
+                  </a:schemeClr>
+                </a:solidFill>
+                <a:latin typeface="THE정고딕110" panose="02020603020101020101" pitchFamily="18" charset="-127"/>
+                <a:ea typeface="THE정고딕110" panose="02020603020101020101" pitchFamily="18" charset="-127"/>
+              </a:rPr>
+              <a:t>Animation Data</a:t>
+            </a:r>
+          </a:p>
+        </p:txBody>
+      </p:sp>
+      <p:sp>
+        <p:nvSpPr>
+          <p:cNvPr id="19" name="직사각형 18">
+            <a:extLst>
+              <a:ext uri="{FF2B5EF4-FFF2-40B4-BE49-F238E27FC236}">
+                <a16:creationId xmlns:a16="http://schemas.microsoft.com/office/drawing/2014/main" id="{7D43F24E-6B35-40E3-A611-835C4477CE11}"/>
+              </a:ext>
+            </a:extLst>
+          </p:cNvPr>
+          <p:cNvSpPr/>
+          <p:nvPr/>
+        </p:nvSpPr>
+        <p:spPr>
+          <a:xfrm>
+            <a:off x="6096000" y="4374226"/>
+            <a:ext cx="3645812" cy="784651"/>
+          </a:xfrm>
+          <a:prstGeom prst="rect">
+            <a:avLst/>
+          </a:prstGeom>
+          <a:solidFill>
+            <a:schemeClr val="accent1">
+              <a:lumMod val="40000"/>
+              <a:lumOff val="60000"/>
+            </a:schemeClr>
+          </a:solidFill>
+          <a:ln>
+            <a:noFill/>
+          </a:ln>
+        </p:spPr>
+        <p:style>
+          <a:lnRef idx="2">
+            <a:schemeClr val="accent1">
+              <a:shade val="50000"/>
+            </a:schemeClr>
+          </a:lnRef>
+          <a:fillRef idx="1">
+            <a:schemeClr val="accent1"/>
+          </a:fillRef>
+          <a:effectRef idx="0">
+            <a:schemeClr val="accent1"/>
+          </a:effectRef>
+          <a:fontRef idx="minor">
+            <a:schemeClr val="lt1"/>
+          </a:fontRef>
+        </p:style>
+        <p:txBody>
+          <a:bodyPr rtlCol="0" anchor="t"/>
+          <a:lstStyle/>
+          <a:p>
+            <a:pPr algn="ctr"/>
+            <a:r>
+              <a:rPr lang="ko-KR" altLang="en-US" sz="1400">
+                <a:solidFill>
+                  <a:schemeClr val="accent1">
+                    <a:lumMod val="75000"/>
+                  </a:schemeClr>
+                </a:solidFill>
+                <a:latin typeface="THE정고딕110" panose="02020603020101020101" pitchFamily="18" charset="-127"/>
+                <a:ea typeface="THE정고딕110" panose="02020603020101020101" pitchFamily="18" charset="-127"/>
+              </a:rPr>
+              <a:t>상수버퍼</a:t>
+            </a:r>
+            <a:endParaRPr lang="en-US" altLang="ko-KR" sz="1400">
+              <a:solidFill>
+                <a:schemeClr val="accent1">
+                  <a:lumMod val="75000"/>
+                </a:schemeClr>
+              </a:solidFill>
+              <a:latin typeface="THE정고딕110" panose="02020603020101020101" pitchFamily="18" charset="-127"/>
+              <a:ea typeface="THE정고딕110" panose="02020603020101020101" pitchFamily="18" charset="-127"/>
+            </a:endParaRPr>
+          </a:p>
+          <a:p>
+            <a:pPr algn="ctr"/>
+            <a:endParaRPr lang="en-US" altLang="ko-KR" sz="1400">
+              <a:solidFill>
+                <a:schemeClr val="accent1">
+                  <a:lumMod val="75000"/>
+                </a:schemeClr>
+              </a:solidFill>
+              <a:latin typeface="THE정고딕110" panose="02020603020101020101" pitchFamily="18" charset="-127"/>
+              <a:ea typeface="THE정고딕110" panose="02020603020101020101" pitchFamily="18" charset="-127"/>
+            </a:endParaRPr>
+          </a:p>
+          <a:p>
+            <a:pPr algn="ctr"/>
+            <a:r>
+              <a:rPr lang="en-US" altLang="ko-KR" sz="1400">
+                <a:solidFill>
+                  <a:schemeClr val="accent1">
+                    <a:lumMod val="75000"/>
+                  </a:schemeClr>
+                </a:solidFill>
+                <a:latin typeface="THE정고딕110" panose="02020603020101020101" pitchFamily="18" charset="-127"/>
+                <a:ea typeface="THE정고딕110" panose="02020603020101020101" pitchFamily="18" charset="-127"/>
+              </a:rPr>
+              <a:t>	…</a:t>
+            </a:r>
+          </a:p>
+        </p:txBody>
+      </p:sp>
+      <p:sp>
+        <p:nvSpPr>
+          <p:cNvPr id="24" name="직사각형 23">
+            <a:extLst>
+              <a:ext uri="{FF2B5EF4-FFF2-40B4-BE49-F238E27FC236}">
+                <a16:creationId xmlns:a16="http://schemas.microsoft.com/office/drawing/2014/main" id="{BEFFDE65-025C-4AE1-845D-E75C2956261C}"/>
+              </a:ext>
+            </a:extLst>
+          </p:cNvPr>
+          <p:cNvSpPr/>
+          <p:nvPr/>
+        </p:nvSpPr>
+        <p:spPr>
+          <a:xfrm>
+            <a:off x="6096000" y="4683343"/>
+            <a:ext cx="751908" cy="475534"/>
+          </a:xfrm>
+          <a:prstGeom prst="rect">
+            <a:avLst/>
+          </a:prstGeom>
+          <a:solidFill>
+            <a:schemeClr val="accent1">
+              <a:lumMod val="60000"/>
+              <a:lumOff val="40000"/>
+            </a:schemeClr>
+          </a:solidFill>
+          <a:ln>
+            <a:noFill/>
+          </a:ln>
+        </p:spPr>
+        <p:style>
+          <a:lnRef idx="2">
+            <a:schemeClr val="accent1">
+              <a:shade val="50000"/>
+            </a:schemeClr>
+          </a:lnRef>
+          <a:fillRef idx="1">
+            <a:schemeClr val="accent1"/>
+          </a:fillRef>
+          <a:effectRef idx="0">
+            <a:schemeClr val="accent1"/>
+          </a:effectRef>
+          <a:fontRef idx="minor">
+            <a:schemeClr val="lt1"/>
+          </a:fontRef>
+        </p:style>
+        <p:txBody>
+          <a:bodyPr rtlCol="0" anchor="ctr"/>
+          <a:lstStyle/>
+          <a:p>
+            <a:pPr algn="ctr"/>
+            <a:r>
+              <a:rPr lang="ko-KR" altLang="en-US" sz="1400">
+                <a:solidFill>
+                  <a:schemeClr val="accent1">
+                    <a:lumMod val="75000"/>
+                  </a:schemeClr>
+                </a:solidFill>
+                <a:latin typeface="THE정고딕110" panose="02020603020101020101" pitchFamily="18" charset="-127"/>
+                <a:ea typeface="THE정고딕110" panose="02020603020101020101" pitchFamily="18" charset="-127"/>
+              </a:rPr>
+              <a:t>정보</a:t>
+            </a:r>
+            <a:endParaRPr lang="en-US" altLang="ko-KR" sz="1400">
+              <a:solidFill>
+                <a:schemeClr val="accent1">
+                  <a:lumMod val="75000"/>
+                </a:schemeClr>
+              </a:solidFill>
+              <a:latin typeface="THE정고딕110" panose="02020603020101020101" pitchFamily="18" charset="-127"/>
+              <a:ea typeface="THE정고딕110" panose="02020603020101020101" pitchFamily="18" charset="-127"/>
+            </a:endParaRPr>
+          </a:p>
+        </p:txBody>
+      </p:sp>
+      <p:sp>
+        <p:nvSpPr>
+          <p:cNvPr id="25" name="직사각형 24">
+            <a:extLst>
+              <a:ext uri="{FF2B5EF4-FFF2-40B4-BE49-F238E27FC236}">
+                <a16:creationId xmlns:a16="http://schemas.microsoft.com/office/drawing/2014/main" id="{C9DBD36A-7457-4581-A6A2-7C476AAF6BCD}"/>
+              </a:ext>
+            </a:extLst>
+          </p:cNvPr>
+          <p:cNvSpPr/>
+          <p:nvPr/>
+        </p:nvSpPr>
+        <p:spPr>
+          <a:xfrm>
+            <a:off x="7021132" y="4683343"/>
+            <a:ext cx="751908" cy="475534"/>
+          </a:xfrm>
+          <a:prstGeom prst="rect">
+            <a:avLst/>
+          </a:prstGeom>
+          <a:solidFill>
+            <a:schemeClr val="accent1">
+              <a:lumMod val="60000"/>
+              <a:lumOff val="40000"/>
+            </a:schemeClr>
+          </a:solidFill>
+          <a:ln>
+            <a:noFill/>
+          </a:ln>
+        </p:spPr>
+        <p:style>
+          <a:lnRef idx="2">
+            <a:schemeClr val="accent1">
+              <a:shade val="50000"/>
+            </a:schemeClr>
+          </a:lnRef>
+          <a:fillRef idx="1">
+            <a:schemeClr val="accent1"/>
+          </a:fillRef>
+          <a:effectRef idx="0">
+            <a:schemeClr val="accent1"/>
+          </a:effectRef>
+          <a:fontRef idx="minor">
+            <a:schemeClr val="lt1"/>
+          </a:fontRef>
+        </p:style>
+        <p:txBody>
+          <a:bodyPr rtlCol="0" anchor="ctr"/>
+          <a:lstStyle/>
+          <a:p>
+            <a:pPr algn="ctr"/>
+            <a:r>
+              <a:rPr lang="ko-KR" altLang="en-US" sz="1400">
+                <a:solidFill>
+                  <a:schemeClr val="accent1">
+                    <a:lumMod val="75000"/>
+                  </a:schemeClr>
+                </a:solidFill>
+                <a:latin typeface="THE정고딕110" panose="02020603020101020101" pitchFamily="18" charset="-127"/>
+                <a:ea typeface="THE정고딕110" panose="02020603020101020101" pitchFamily="18" charset="-127"/>
+              </a:rPr>
+              <a:t>정보</a:t>
+            </a:r>
+            <a:endParaRPr lang="en-US" altLang="ko-KR" sz="1400">
+              <a:solidFill>
+                <a:schemeClr val="accent1">
+                  <a:lumMod val="75000"/>
+                </a:schemeClr>
+              </a:solidFill>
+              <a:latin typeface="THE정고딕110" panose="02020603020101020101" pitchFamily="18" charset="-127"/>
+              <a:ea typeface="THE정고딕110" panose="02020603020101020101" pitchFamily="18" charset="-127"/>
+            </a:endParaRPr>
+          </a:p>
+        </p:txBody>
+      </p:sp>
+      <p:sp>
+        <p:nvSpPr>
+          <p:cNvPr id="26" name="직사각형 25">
+            <a:extLst>
+              <a:ext uri="{FF2B5EF4-FFF2-40B4-BE49-F238E27FC236}">
+                <a16:creationId xmlns:a16="http://schemas.microsoft.com/office/drawing/2014/main" id="{9D80E290-0714-430B-8F1C-E8A06A9FEC99}"/>
+              </a:ext>
+            </a:extLst>
+          </p:cNvPr>
+          <p:cNvSpPr/>
+          <p:nvPr/>
+        </p:nvSpPr>
+        <p:spPr>
+          <a:xfrm>
+            <a:off x="8989904" y="4683343"/>
+            <a:ext cx="751908" cy="475534"/>
+          </a:xfrm>
+          <a:prstGeom prst="rect">
+            <a:avLst/>
+          </a:prstGeom>
+          <a:solidFill>
+            <a:schemeClr val="accent1">
+              <a:lumMod val="60000"/>
+              <a:lumOff val="40000"/>
+            </a:schemeClr>
+          </a:solidFill>
+          <a:ln>
+            <a:noFill/>
+          </a:ln>
+        </p:spPr>
+        <p:style>
+          <a:lnRef idx="2">
+            <a:schemeClr val="accent1">
+              <a:shade val="50000"/>
+            </a:schemeClr>
+          </a:lnRef>
+          <a:fillRef idx="1">
+            <a:schemeClr val="accent1"/>
+          </a:fillRef>
+          <a:effectRef idx="0">
+            <a:schemeClr val="accent1"/>
+          </a:effectRef>
+          <a:fontRef idx="minor">
+            <a:schemeClr val="lt1"/>
+          </a:fontRef>
+        </p:style>
+        <p:txBody>
+          <a:bodyPr rtlCol="0" anchor="ctr"/>
+          <a:lstStyle/>
+          <a:p>
+            <a:pPr algn="ctr"/>
+            <a:r>
+              <a:rPr lang="ko-KR" altLang="en-US" sz="1400">
+                <a:solidFill>
+                  <a:schemeClr val="accent1">
+                    <a:lumMod val="75000"/>
+                  </a:schemeClr>
+                </a:solidFill>
+                <a:latin typeface="THE정고딕110" panose="02020603020101020101" pitchFamily="18" charset="-127"/>
+                <a:ea typeface="THE정고딕110" panose="02020603020101020101" pitchFamily="18" charset="-127"/>
+              </a:rPr>
+              <a:t>정보</a:t>
+            </a:r>
+            <a:endParaRPr lang="en-US" altLang="ko-KR" sz="1400">
+              <a:solidFill>
+                <a:schemeClr val="accent1">
+                  <a:lumMod val="75000"/>
+                </a:schemeClr>
+              </a:solidFill>
+              <a:latin typeface="THE정고딕110" panose="02020603020101020101" pitchFamily="18" charset="-127"/>
+              <a:ea typeface="THE정고딕110" panose="02020603020101020101" pitchFamily="18" charset="-127"/>
+            </a:endParaRPr>
+          </a:p>
+        </p:txBody>
+      </p:sp>
+      <p:sp>
+        <p:nvSpPr>
+          <p:cNvPr id="27" name="직사각형 26">
+            <a:extLst>
+              <a:ext uri="{FF2B5EF4-FFF2-40B4-BE49-F238E27FC236}">
+                <a16:creationId xmlns:a16="http://schemas.microsoft.com/office/drawing/2014/main" id="{23A0B963-262F-4104-B692-3B802EC6BCF1}"/>
+              </a:ext>
+            </a:extLst>
+          </p:cNvPr>
+          <p:cNvSpPr/>
+          <p:nvPr/>
+        </p:nvSpPr>
+        <p:spPr>
+          <a:xfrm>
+            <a:off x="2672490" y="2649658"/>
+            <a:ext cx="1351337" cy="475534"/>
+          </a:xfrm>
+          <a:prstGeom prst="rect">
+            <a:avLst/>
+          </a:prstGeom>
+          <a:solidFill>
+            <a:schemeClr val="accent2">
+              <a:lumMod val="60000"/>
+              <a:lumOff val="40000"/>
+            </a:schemeClr>
+          </a:solidFill>
+          <a:ln>
+            <a:noFill/>
+          </a:ln>
+        </p:spPr>
+        <p:style>
+          <a:lnRef idx="2">
+            <a:schemeClr val="accent1">
+              <a:shade val="50000"/>
+            </a:schemeClr>
+          </a:lnRef>
+          <a:fillRef idx="1">
+            <a:schemeClr val="accent1"/>
+          </a:fillRef>
+          <a:effectRef idx="0">
+            <a:schemeClr val="accent1"/>
+          </a:effectRef>
+          <a:fontRef idx="minor">
+            <a:schemeClr val="lt1"/>
+          </a:fontRef>
+        </p:style>
+        <p:txBody>
+          <a:bodyPr rtlCol="0" anchor="ctr"/>
+          <a:lstStyle/>
+          <a:p>
+            <a:pPr algn="ctr"/>
+            <a:r>
+              <a:rPr lang="en-US" altLang="ko-KR" sz="1400">
+                <a:solidFill>
+                  <a:schemeClr val="accent2">
+                    <a:lumMod val="50000"/>
+                  </a:schemeClr>
+                </a:solidFill>
+                <a:latin typeface="THE정고딕110" panose="02020603020101020101" pitchFamily="18" charset="-127"/>
+                <a:ea typeface="THE정고딕110" panose="02020603020101020101" pitchFamily="18" charset="-127"/>
+              </a:rPr>
+              <a:t>nIdx</a:t>
+            </a:r>
+          </a:p>
+        </p:txBody>
+      </p:sp>
+      <p:sp>
+        <p:nvSpPr>
+          <p:cNvPr id="29" name="직사각형 28">
+            <a:extLst>
+              <a:ext uri="{FF2B5EF4-FFF2-40B4-BE49-F238E27FC236}">
+                <a16:creationId xmlns:a16="http://schemas.microsoft.com/office/drawing/2014/main" id="{A01D43D6-5523-418F-89F2-395360E0B0F1}"/>
+              </a:ext>
+            </a:extLst>
+          </p:cNvPr>
+          <p:cNvSpPr/>
+          <p:nvPr/>
+        </p:nvSpPr>
+        <p:spPr>
+          <a:xfrm>
+            <a:off x="2672490" y="3195267"/>
+            <a:ext cx="1351336" cy="475534"/>
+          </a:xfrm>
+          <a:prstGeom prst="rect">
+            <a:avLst/>
+          </a:prstGeom>
+          <a:solidFill>
+            <a:schemeClr val="accent2">
+              <a:lumMod val="60000"/>
+              <a:lumOff val="40000"/>
+            </a:schemeClr>
+          </a:solidFill>
+          <a:ln>
+            <a:noFill/>
+          </a:ln>
+        </p:spPr>
+        <p:style>
+          <a:lnRef idx="2">
+            <a:schemeClr val="accent1">
+              <a:shade val="50000"/>
+            </a:schemeClr>
+          </a:lnRef>
+          <a:fillRef idx="1">
+            <a:schemeClr val="accent1"/>
+          </a:fillRef>
+          <a:effectRef idx="0">
+            <a:schemeClr val="accent1"/>
+          </a:effectRef>
+          <a:fontRef idx="minor">
+            <a:schemeClr val="lt1"/>
+          </a:fontRef>
+        </p:style>
+        <p:txBody>
+          <a:bodyPr rtlCol="0" anchor="ctr"/>
+          <a:lstStyle/>
+          <a:p>
+            <a:pPr algn="ctr"/>
+            <a:r>
+              <a:rPr lang="en-US" altLang="ko-KR" sz="1400">
+                <a:solidFill>
+                  <a:schemeClr val="accent2">
+                    <a:lumMod val="50000"/>
+                  </a:schemeClr>
+                </a:solidFill>
+                <a:latin typeface="THE정고딕110" panose="02020603020101020101" pitchFamily="18" charset="-127"/>
+                <a:ea typeface="THE정고딕110" panose="02020603020101020101" pitchFamily="18" charset="-127"/>
+              </a:rPr>
+              <a:t>pIdx</a:t>
+            </a:r>
+          </a:p>
+        </p:txBody>
+      </p:sp>
+      <p:sp>
+        <p:nvSpPr>
+          <p:cNvPr id="30" name="직사각형 29">
+            <a:extLst>
+              <a:ext uri="{FF2B5EF4-FFF2-40B4-BE49-F238E27FC236}">
+                <a16:creationId xmlns:a16="http://schemas.microsoft.com/office/drawing/2014/main" id="{43057056-A4DE-42C6-A58E-B6C3BF896D91}"/>
+              </a:ext>
+            </a:extLst>
+          </p:cNvPr>
+          <p:cNvSpPr/>
+          <p:nvPr/>
+        </p:nvSpPr>
+        <p:spPr>
+          <a:xfrm>
+            <a:off x="2672490" y="3740876"/>
+            <a:ext cx="1351336" cy="475534"/>
+          </a:xfrm>
+          <a:prstGeom prst="rect">
+            <a:avLst/>
+          </a:prstGeom>
+          <a:solidFill>
+            <a:schemeClr val="accent2">
+              <a:lumMod val="60000"/>
+              <a:lumOff val="40000"/>
+            </a:schemeClr>
+          </a:solidFill>
+          <a:ln>
+            <a:noFill/>
+          </a:ln>
+        </p:spPr>
+        <p:style>
+          <a:lnRef idx="2">
+            <a:schemeClr val="accent1">
+              <a:shade val="50000"/>
+            </a:schemeClr>
+          </a:lnRef>
+          <a:fillRef idx="1">
+            <a:schemeClr val="accent1"/>
+          </a:fillRef>
+          <a:effectRef idx="0">
+            <a:schemeClr val="accent1"/>
+          </a:effectRef>
+          <a:fontRef idx="minor">
+            <a:schemeClr val="lt1"/>
+          </a:fontRef>
+        </p:style>
+        <p:txBody>
+          <a:bodyPr rtlCol="0" anchor="ctr"/>
+          <a:lstStyle/>
+          <a:p>
+            <a:pPr algn="ctr"/>
+            <a:r>
+              <a:rPr lang="en-US" altLang="ko-KR" sz="1400">
+                <a:solidFill>
+                  <a:schemeClr val="accent2">
+                    <a:lumMod val="50000"/>
+                  </a:schemeClr>
+                </a:solidFill>
+                <a:latin typeface="THE정고딕110" panose="02020603020101020101" pitchFamily="18" charset="-127"/>
+                <a:ea typeface="THE정고딕110" panose="02020603020101020101" pitchFamily="18" charset="-127"/>
+              </a:rPr>
+              <a:t>pWeight</a:t>
+            </a:r>
+          </a:p>
+        </p:txBody>
+      </p:sp>
+    </p:spTree>
+    <p:extLst>
+      <p:ext uri="{BB962C8B-B14F-4D97-AF65-F5344CB8AC3E}">
+        <p14:creationId xmlns:p14="http://schemas.microsoft.com/office/powerpoint/2010/main" val="2584066270"/>
       </p:ext>
     </p:extLst>
   </p:cSld>
